--- a/Analysis of Sci-Fi Movies and Availability on Streaming.pptx
+++ b/Analysis of Sci-Fi Movies and Availability on Streaming.pptx
@@ -2,7 +2,7 @@
 <file path=ppt/presentation.xml><?xml version="1.0" encoding="utf-8"?>
 <p:presentation xmlns:a="http://schemas.openxmlformats.org/drawingml/2006/main" xmlns:r="http://schemas.openxmlformats.org/officeDocument/2006/relationships" xmlns:p="http://schemas.openxmlformats.org/presentationml/2006/main" saveSubsetFonts="1">
   <p:sldMasterIdLst>
-    <p:sldMasterId id="2147483648" r:id="rId1"/>
+    <p:sldMasterId id="2147483802" r:id="rId1"/>
   </p:sldMasterIdLst>
   <p:sldIdLst>
     <p:sldId id="256" r:id="rId2"/>
@@ -23,7 +23,7 @@
     <a:defPPr>
       <a:defRPr lang="en-US"/>
     </a:defPPr>
-    <a:lvl1pPr marL="0" algn="l" defTabSz="914400" rtl="0" eaLnBrk="1" latinLnBrk="0" hangingPunct="1">
+    <a:lvl1pPr marL="0" algn="l" defTabSz="457200" rtl="0" eaLnBrk="1" latinLnBrk="0" hangingPunct="1">
       <a:defRPr sz="1800" kern="1200">
         <a:solidFill>
           <a:schemeClr val="tx1"/>
@@ -33,7 +33,7 @@
         <a:cs typeface="+mn-cs"/>
       </a:defRPr>
     </a:lvl1pPr>
-    <a:lvl2pPr marL="457200" algn="l" defTabSz="914400" rtl="0" eaLnBrk="1" latinLnBrk="0" hangingPunct="1">
+    <a:lvl2pPr marL="457200" algn="l" defTabSz="457200" rtl="0" eaLnBrk="1" latinLnBrk="0" hangingPunct="1">
       <a:defRPr sz="1800" kern="1200">
         <a:solidFill>
           <a:schemeClr val="tx1"/>
@@ -43,7 +43,7 @@
         <a:cs typeface="+mn-cs"/>
       </a:defRPr>
     </a:lvl2pPr>
-    <a:lvl3pPr marL="914400" algn="l" defTabSz="914400" rtl="0" eaLnBrk="1" latinLnBrk="0" hangingPunct="1">
+    <a:lvl3pPr marL="914400" algn="l" defTabSz="457200" rtl="0" eaLnBrk="1" latinLnBrk="0" hangingPunct="1">
       <a:defRPr sz="1800" kern="1200">
         <a:solidFill>
           <a:schemeClr val="tx1"/>
@@ -53,7 +53,7 @@
         <a:cs typeface="+mn-cs"/>
       </a:defRPr>
     </a:lvl3pPr>
-    <a:lvl4pPr marL="1371600" algn="l" defTabSz="914400" rtl="0" eaLnBrk="1" latinLnBrk="0" hangingPunct="1">
+    <a:lvl4pPr marL="1371600" algn="l" defTabSz="457200" rtl="0" eaLnBrk="1" latinLnBrk="0" hangingPunct="1">
       <a:defRPr sz="1800" kern="1200">
         <a:solidFill>
           <a:schemeClr val="tx1"/>
@@ -63,7 +63,7 @@
         <a:cs typeface="+mn-cs"/>
       </a:defRPr>
     </a:lvl4pPr>
-    <a:lvl5pPr marL="1828800" algn="l" defTabSz="914400" rtl="0" eaLnBrk="1" latinLnBrk="0" hangingPunct="1">
+    <a:lvl5pPr marL="1828800" algn="l" defTabSz="457200" rtl="0" eaLnBrk="1" latinLnBrk="0" hangingPunct="1">
       <a:defRPr sz="1800" kern="1200">
         <a:solidFill>
           <a:schemeClr val="tx1"/>
@@ -73,7 +73,7 @@
         <a:cs typeface="+mn-cs"/>
       </a:defRPr>
     </a:lvl5pPr>
-    <a:lvl6pPr marL="2286000" algn="l" defTabSz="914400" rtl="0" eaLnBrk="1" latinLnBrk="0" hangingPunct="1">
+    <a:lvl6pPr marL="2286000" algn="l" defTabSz="457200" rtl="0" eaLnBrk="1" latinLnBrk="0" hangingPunct="1">
       <a:defRPr sz="1800" kern="1200">
         <a:solidFill>
           <a:schemeClr val="tx1"/>
@@ -83,7 +83,7 @@
         <a:cs typeface="+mn-cs"/>
       </a:defRPr>
     </a:lvl6pPr>
-    <a:lvl7pPr marL="2743200" algn="l" defTabSz="914400" rtl="0" eaLnBrk="1" latinLnBrk="0" hangingPunct="1">
+    <a:lvl7pPr marL="2743200" algn="l" defTabSz="457200" rtl="0" eaLnBrk="1" latinLnBrk="0" hangingPunct="1">
       <a:defRPr sz="1800" kern="1200">
         <a:solidFill>
           <a:schemeClr val="tx1"/>
@@ -93,7 +93,7 @@
         <a:cs typeface="+mn-cs"/>
       </a:defRPr>
     </a:lvl7pPr>
-    <a:lvl8pPr marL="3200400" algn="l" defTabSz="914400" rtl="0" eaLnBrk="1" latinLnBrk="0" hangingPunct="1">
+    <a:lvl8pPr marL="3200400" algn="l" defTabSz="457200" rtl="0" eaLnBrk="1" latinLnBrk="0" hangingPunct="1">
       <a:defRPr sz="1800" kern="1200">
         <a:solidFill>
           <a:schemeClr val="tx1"/>
@@ -103,7 +103,7 @@
         <a:cs typeface="+mn-cs"/>
       </a:defRPr>
     </a:lvl8pPr>
-    <a:lvl9pPr marL="3657600" algn="l" defTabSz="914400" rtl="0" eaLnBrk="1" latinLnBrk="0" hangingPunct="1">
+    <a:lvl9pPr marL="3657600" algn="l" defTabSz="457200" rtl="0" eaLnBrk="1" latinLnBrk="0" hangingPunct="1">
       <a:defRPr sz="1800" kern="1200">
         <a:solidFill>
           <a:schemeClr val="tx1"/>
@@ -114,11 +114,16 @@
       </a:defRPr>
     </a:lvl9pPr>
   </p:defaultTextStyle>
+  <p:extLst>
+    <p:ext uri="{EFAFB233-063F-42B5-8137-9DF3F51BA10A}">
+      <p15:sldGuideLst xmlns:p15="http://schemas.microsoft.com/office/powerpoint/2012/main"/>
+    </p:ext>
+  </p:extLst>
 </p:presentation>
 </file>
 
 <file path=ppt/slideLayouts/slideLayout1.xml><?xml version="1.0" encoding="utf-8"?>
-<p:sldLayout xmlns:a="http://schemas.openxmlformats.org/drawingml/2006/main" xmlns:r="http://schemas.openxmlformats.org/officeDocument/2006/relationships" xmlns:p="http://schemas.openxmlformats.org/presentationml/2006/main" type="title" preserve="1">
+<p:sldLayout xmlns:a="http://schemas.openxmlformats.org/drawingml/2006/main" xmlns:r="http://schemas.openxmlformats.org/officeDocument/2006/relationships" xmlns:p="http://schemas.openxmlformats.org/presentationml/2006/main" showMasterSp="0" type="title" preserve="1">
   <p:cSld name="Title Slide">
     <p:spTree>
       <p:nvGrpSpPr>
@@ -134,15 +139,539 @@
           <a:chExt cx="0" cy="0"/>
         </a:xfrm>
       </p:grpSpPr>
-      <p:sp>
-        <p:nvSpPr>
-          <p:cNvPr id="2" name="Title 1">
-            <a:extLst>
-              <a:ext uri="{FF2B5EF4-FFF2-40B4-BE49-F238E27FC236}">
-                <a16:creationId xmlns:a16="http://schemas.microsoft.com/office/drawing/2014/main" id="{BE4E2828-74E4-FFB8-3803-9B966E87C890}"/>
-              </a:ext>
-            </a:extLst>
-          </p:cNvPr>
+      <p:grpSp>
+        <p:nvGrpSpPr>
+          <p:cNvPr id="7" name="Group 6"/>
+          <p:cNvGrpSpPr/>
+          <p:nvPr/>
+        </p:nvGrpSpPr>
+        <p:grpSpPr>
+          <a:xfrm>
+            <a:off x="0" y="-8467"/>
+            <a:ext cx="12192000" cy="6866467"/>
+            <a:chOff x="0" y="-8467"/>
+            <a:chExt cx="12192000" cy="6866467"/>
+          </a:xfrm>
+        </p:grpSpPr>
+        <p:cxnSp>
+          <p:nvCxnSpPr>
+            <p:cNvPr id="32" name="Straight Connector 31"/>
+            <p:cNvCxnSpPr/>
+            <p:nvPr/>
+          </p:nvCxnSpPr>
+          <p:spPr>
+            <a:xfrm>
+              <a:off x="9371012" y="0"/>
+              <a:ext cx="1219200" cy="6858000"/>
+            </a:xfrm>
+            <a:prstGeom prst="line">
+              <a:avLst/>
+            </a:prstGeom>
+            <a:ln w="9525">
+              <a:solidFill>
+                <a:schemeClr val="bg1">
+                  <a:lumMod val="75000"/>
+                </a:schemeClr>
+              </a:solidFill>
+            </a:ln>
+          </p:spPr>
+          <p:style>
+            <a:lnRef idx="2">
+              <a:schemeClr val="accent1"/>
+            </a:lnRef>
+            <a:fillRef idx="0">
+              <a:schemeClr val="accent1"/>
+            </a:fillRef>
+            <a:effectRef idx="1">
+              <a:schemeClr val="accent1"/>
+            </a:effectRef>
+            <a:fontRef idx="minor">
+              <a:schemeClr val="tx1"/>
+            </a:fontRef>
+          </p:style>
+        </p:cxnSp>
+        <p:cxnSp>
+          <p:nvCxnSpPr>
+            <p:cNvPr id="21" name="Straight Connector 20"/>
+            <p:cNvCxnSpPr/>
+            <p:nvPr/>
+          </p:nvCxnSpPr>
+          <p:spPr>
+            <a:xfrm flipH="1">
+              <a:off x="7425267" y="3681413"/>
+              <a:ext cx="4763558" cy="3176587"/>
+            </a:xfrm>
+            <a:prstGeom prst="line">
+              <a:avLst/>
+            </a:prstGeom>
+            <a:ln w="9525">
+              <a:solidFill>
+                <a:schemeClr val="bg1">
+                  <a:lumMod val="85000"/>
+                </a:schemeClr>
+              </a:solidFill>
+            </a:ln>
+          </p:spPr>
+          <p:style>
+            <a:lnRef idx="2">
+              <a:schemeClr val="accent1"/>
+            </a:lnRef>
+            <a:fillRef idx="0">
+              <a:schemeClr val="accent1"/>
+            </a:fillRef>
+            <a:effectRef idx="1">
+              <a:schemeClr val="accent1"/>
+            </a:effectRef>
+            <a:fontRef idx="minor">
+              <a:schemeClr val="tx1"/>
+            </a:fontRef>
+          </p:style>
+        </p:cxnSp>
+        <p:sp>
+          <p:nvSpPr>
+            <p:cNvPr id="24" name="Rectangle 23"/>
+            <p:cNvSpPr/>
+            <p:nvPr/>
+          </p:nvSpPr>
+          <p:spPr>
+            <a:xfrm>
+              <a:off x="9181476" y="-8467"/>
+              <a:ext cx="3007349" cy="6866467"/>
+            </a:xfrm>
+            <a:custGeom>
+              <a:avLst/>
+              <a:gdLst/>
+              <a:ahLst/>
+              <a:cxnLst/>
+              <a:rect l="l" t="t" r="r" b="b"/>
+              <a:pathLst>
+                <a:path w="3007349" h="6866467">
+                  <a:moveTo>
+                    <a:pt x="2045532" y="0"/>
+                  </a:moveTo>
+                  <a:lnTo>
+                    <a:pt x="3007349" y="0"/>
+                  </a:lnTo>
+                  <a:lnTo>
+                    <a:pt x="3007349" y="6866467"/>
+                  </a:lnTo>
+                  <a:lnTo>
+                    <a:pt x="0" y="6866467"/>
+                  </a:lnTo>
+                  <a:lnTo>
+                    <a:pt x="2045532" y="0"/>
+                  </a:lnTo>
+                  <a:close/>
+                </a:path>
+              </a:pathLst>
+            </a:custGeom>
+            <a:solidFill>
+              <a:schemeClr val="accent1">
+                <a:alpha val="30000"/>
+              </a:schemeClr>
+            </a:solidFill>
+            <a:ln>
+              <a:noFill/>
+            </a:ln>
+            <a:effectLst/>
+          </p:spPr>
+          <p:style>
+            <a:lnRef idx="1">
+              <a:schemeClr val="accent1"/>
+            </a:lnRef>
+            <a:fillRef idx="3">
+              <a:schemeClr val="accent1"/>
+            </a:fillRef>
+            <a:effectRef idx="2">
+              <a:schemeClr val="accent1"/>
+            </a:effectRef>
+            <a:fontRef idx="minor">
+              <a:schemeClr val="lt1"/>
+            </a:fontRef>
+          </p:style>
+        </p:sp>
+        <p:sp>
+          <p:nvSpPr>
+            <p:cNvPr id="26" name="Rectangle 25"/>
+            <p:cNvSpPr/>
+            <p:nvPr/>
+          </p:nvSpPr>
+          <p:spPr>
+            <a:xfrm>
+              <a:off x="9603442" y="-8467"/>
+              <a:ext cx="2588558" cy="6866467"/>
+            </a:xfrm>
+            <a:custGeom>
+              <a:avLst/>
+              <a:gdLst/>
+              <a:ahLst/>
+              <a:cxnLst/>
+              <a:rect l="l" t="t" r="r" b="b"/>
+              <a:pathLst>
+                <a:path w="2573311" h="6866467">
+                  <a:moveTo>
+                    <a:pt x="0" y="0"/>
+                  </a:moveTo>
+                  <a:lnTo>
+                    <a:pt x="2573311" y="0"/>
+                  </a:lnTo>
+                  <a:lnTo>
+                    <a:pt x="2573311" y="6866467"/>
+                  </a:lnTo>
+                  <a:lnTo>
+                    <a:pt x="1202336" y="6866467"/>
+                  </a:lnTo>
+                  <a:lnTo>
+                    <a:pt x="0" y="0"/>
+                  </a:lnTo>
+                  <a:close/>
+                </a:path>
+              </a:pathLst>
+            </a:custGeom>
+            <a:solidFill>
+              <a:schemeClr val="accent1">
+                <a:alpha val="20000"/>
+              </a:schemeClr>
+            </a:solidFill>
+            <a:ln>
+              <a:noFill/>
+            </a:ln>
+            <a:effectLst/>
+          </p:spPr>
+          <p:style>
+            <a:lnRef idx="1">
+              <a:schemeClr val="accent1"/>
+            </a:lnRef>
+            <a:fillRef idx="3">
+              <a:schemeClr val="accent1"/>
+            </a:fillRef>
+            <a:effectRef idx="2">
+              <a:schemeClr val="accent1"/>
+            </a:effectRef>
+            <a:fontRef idx="minor">
+              <a:schemeClr val="lt1"/>
+            </a:fontRef>
+          </p:style>
+        </p:sp>
+        <p:sp>
+          <p:nvSpPr>
+            <p:cNvPr id="27" name="Isosceles Triangle 26"/>
+            <p:cNvSpPr/>
+            <p:nvPr/>
+          </p:nvSpPr>
+          <p:spPr>
+            <a:xfrm>
+              <a:off x="8932333" y="3048000"/>
+              <a:ext cx="3259667" cy="3810000"/>
+            </a:xfrm>
+            <a:prstGeom prst="triangle">
+              <a:avLst>
+                <a:gd name="adj" fmla="val 100000"/>
+              </a:avLst>
+            </a:prstGeom>
+            <a:solidFill>
+              <a:schemeClr val="accent2">
+                <a:alpha val="72000"/>
+              </a:schemeClr>
+            </a:solidFill>
+            <a:ln>
+              <a:noFill/>
+            </a:ln>
+            <a:effectLst/>
+          </p:spPr>
+          <p:style>
+            <a:lnRef idx="1">
+              <a:schemeClr val="accent1"/>
+            </a:lnRef>
+            <a:fillRef idx="3">
+              <a:schemeClr val="accent1"/>
+            </a:fillRef>
+            <a:effectRef idx="2">
+              <a:schemeClr val="accent1"/>
+            </a:effectRef>
+            <a:fontRef idx="minor">
+              <a:schemeClr val="lt1"/>
+            </a:fontRef>
+          </p:style>
+        </p:sp>
+        <p:sp>
+          <p:nvSpPr>
+            <p:cNvPr id="28" name="Rectangle 27"/>
+            <p:cNvSpPr/>
+            <p:nvPr/>
+          </p:nvSpPr>
+          <p:spPr>
+            <a:xfrm>
+              <a:off x="9334500" y="-8467"/>
+              <a:ext cx="2854326" cy="6866467"/>
+            </a:xfrm>
+            <a:custGeom>
+              <a:avLst/>
+              <a:gdLst/>
+              <a:ahLst/>
+              <a:cxnLst/>
+              <a:rect l="l" t="t" r="r" b="b"/>
+              <a:pathLst>
+                <a:path w="2858013" h="6866467">
+                  <a:moveTo>
+                    <a:pt x="0" y="0"/>
+                  </a:moveTo>
+                  <a:lnTo>
+                    <a:pt x="2858013" y="0"/>
+                  </a:lnTo>
+                  <a:lnTo>
+                    <a:pt x="2858013" y="6866467"/>
+                  </a:lnTo>
+                  <a:lnTo>
+                    <a:pt x="2473942" y="6866467"/>
+                  </a:lnTo>
+                  <a:lnTo>
+                    <a:pt x="0" y="0"/>
+                  </a:lnTo>
+                  <a:close/>
+                </a:path>
+              </a:pathLst>
+            </a:custGeom>
+            <a:solidFill>
+              <a:schemeClr val="accent2">
+                <a:lumMod val="75000"/>
+                <a:alpha val="70000"/>
+              </a:schemeClr>
+            </a:solidFill>
+            <a:ln>
+              <a:noFill/>
+            </a:ln>
+            <a:effectLst/>
+          </p:spPr>
+          <p:style>
+            <a:lnRef idx="1">
+              <a:schemeClr val="accent1"/>
+            </a:lnRef>
+            <a:fillRef idx="3">
+              <a:schemeClr val="accent1"/>
+            </a:fillRef>
+            <a:effectRef idx="2">
+              <a:schemeClr val="accent1"/>
+            </a:effectRef>
+            <a:fontRef idx="minor">
+              <a:schemeClr val="lt1"/>
+            </a:fontRef>
+          </p:style>
+        </p:sp>
+        <p:sp>
+          <p:nvSpPr>
+            <p:cNvPr id="29" name="Rectangle 28"/>
+            <p:cNvSpPr/>
+            <p:nvPr/>
+          </p:nvSpPr>
+          <p:spPr>
+            <a:xfrm>
+              <a:off x="10898730" y="-8467"/>
+              <a:ext cx="1290094" cy="6866467"/>
+            </a:xfrm>
+            <a:custGeom>
+              <a:avLst/>
+              <a:gdLst/>
+              <a:ahLst/>
+              <a:cxnLst/>
+              <a:rect l="l" t="t" r="r" b="b"/>
+              <a:pathLst>
+                <a:path w="1290094" h="6858000">
+                  <a:moveTo>
+                    <a:pt x="1019735" y="0"/>
+                  </a:moveTo>
+                  <a:lnTo>
+                    <a:pt x="1290094" y="0"/>
+                  </a:lnTo>
+                  <a:lnTo>
+                    <a:pt x="1290094" y="6858000"/>
+                  </a:lnTo>
+                  <a:lnTo>
+                    <a:pt x="0" y="6858000"/>
+                  </a:lnTo>
+                  <a:lnTo>
+                    <a:pt x="1019735" y="0"/>
+                  </a:lnTo>
+                  <a:close/>
+                </a:path>
+              </a:pathLst>
+            </a:custGeom>
+            <a:solidFill>
+              <a:schemeClr val="accent1">
+                <a:lumMod val="60000"/>
+                <a:lumOff val="40000"/>
+                <a:alpha val="70000"/>
+              </a:schemeClr>
+            </a:solidFill>
+            <a:ln>
+              <a:noFill/>
+            </a:ln>
+            <a:effectLst/>
+          </p:spPr>
+          <p:style>
+            <a:lnRef idx="1">
+              <a:schemeClr val="accent1"/>
+            </a:lnRef>
+            <a:fillRef idx="3">
+              <a:schemeClr val="accent1"/>
+            </a:fillRef>
+            <a:effectRef idx="2">
+              <a:schemeClr val="accent1"/>
+            </a:effectRef>
+            <a:fontRef idx="minor">
+              <a:schemeClr val="lt1"/>
+            </a:fontRef>
+          </p:style>
+        </p:sp>
+        <p:sp>
+          <p:nvSpPr>
+            <p:cNvPr id="30" name="Rectangle 29"/>
+            <p:cNvSpPr/>
+            <p:nvPr/>
+          </p:nvSpPr>
+          <p:spPr>
+            <a:xfrm>
+              <a:off x="10938999" y="-8467"/>
+              <a:ext cx="1249825" cy="6866467"/>
+            </a:xfrm>
+            <a:custGeom>
+              <a:avLst/>
+              <a:gdLst/>
+              <a:ahLst/>
+              <a:cxnLst/>
+              <a:rect l="l" t="t" r="r" b="b"/>
+              <a:pathLst>
+                <a:path w="1249825" h="6858000">
+                  <a:moveTo>
+                    <a:pt x="0" y="0"/>
+                  </a:moveTo>
+                  <a:lnTo>
+                    <a:pt x="1249825" y="0"/>
+                  </a:lnTo>
+                  <a:lnTo>
+                    <a:pt x="1249825" y="6858000"/>
+                  </a:lnTo>
+                  <a:lnTo>
+                    <a:pt x="1109382" y="6858000"/>
+                  </a:lnTo>
+                  <a:lnTo>
+                    <a:pt x="0" y="0"/>
+                  </a:lnTo>
+                  <a:close/>
+                </a:path>
+              </a:pathLst>
+            </a:custGeom>
+            <a:solidFill>
+              <a:schemeClr val="accent1">
+                <a:alpha val="65000"/>
+              </a:schemeClr>
+            </a:solidFill>
+            <a:ln>
+              <a:noFill/>
+            </a:ln>
+            <a:effectLst/>
+          </p:spPr>
+          <p:style>
+            <a:lnRef idx="1">
+              <a:schemeClr val="accent1"/>
+            </a:lnRef>
+            <a:fillRef idx="3">
+              <a:schemeClr val="accent1"/>
+            </a:fillRef>
+            <a:effectRef idx="2">
+              <a:schemeClr val="accent1"/>
+            </a:effectRef>
+            <a:fontRef idx="minor">
+              <a:schemeClr val="lt1"/>
+            </a:fontRef>
+          </p:style>
+        </p:sp>
+        <p:sp>
+          <p:nvSpPr>
+            <p:cNvPr id="31" name="Isosceles Triangle 30"/>
+            <p:cNvSpPr/>
+            <p:nvPr/>
+          </p:nvSpPr>
+          <p:spPr>
+            <a:xfrm>
+              <a:off x="10371666" y="3589867"/>
+              <a:ext cx="1817159" cy="3268133"/>
+            </a:xfrm>
+            <a:prstGeom prst="triangle">
+              <a:avLst>
+                <a:gd name="adj" fmla="val 100000"/>
+              </a:avLst>
+            </a:prstGeom>
+            <a:solidFill>
+              <a:schemeClr val="accent1">
+                <a:alpha val="80000"/>
+              </a:schemeClr>
+            </a:solidFill>
+            <a:ln>
+              <a:noFill/>
+            </a:ln>
+            <a:effectLst/>
+          </p:spPr>
+          <p:style>
+            <a:lnRef idx="1">
+              <a:schemeClr val="accent1"/>
+            </a:lnRef>
+            <a:fillRef idx="3">
+              <a:schemeClr val="accent1"/>
+            </a:fillRef>
+            <a:effectRef idx="2">
+              <a:schemeClr val="accent1"/>
+            </a:effectRef>
+            <a:fontRef idx="minor">
+              <a:schemeClr val="lt1"/>
+            </a:fontRef>
+          </p:style>
+        </p:sp>
+        <p:sp>
+          <p:nvSpPr>
+            <p:cNvPr id="19" name="Isosceles Triangle 18"/>
+            <p:cNvSpPr/>
+            <p:nvPr/>
+          </p:nvSpPr>
+          <p:spPr>
+            <a:xfrm rot="10800000">
+              <a:off x="0" y="0"/>
+              <a:ext cx="842596" cy="5666154"/>
+            </a:xfrm>
+            <a:prstGeom prst="triangle">
+              <a:avLst>
+                <a:gd name="adj" fmla="val 100000"/>
+              </a:avLst>
+            </a:prstGeom>
+            <a:solidFill>
+              <a:schemeClr val="accent1">
+                <a:alpha val="85000"/>
+              </a:schemeClr>
+            </a:solidFill>
+            <a:ln>
+              <a:noFill/>
+            </a:ln>
+            <a:effectLst/>
+          </p:spPr>
+          <p:style>
+            <a:lnRef idx="1">
+              <a:schemeClr val="accent1"/>
+            </a:lnRef>
+            <a:fillRef idx="3">
+              <a:schemeClr val="accent1"/>
+            </a:fillRef>
+            <a:effectRef idx="2">
+              <a:schemeClr val="accent1"/>
+            </a:effectRef>
+            <a:fontRef idx="minor">
+              <a:schemeClr val="lt1"/>
+            </a:fontRef>
+          </p:style>
+        </p:sp>
+      </p:grpSp>
+      <p:sp>
+        <p:nvSpPr>
+          <p:cNvPr id="2" name="Title 1"/>
           <p:cNvSpPr>
             <a:spLocks noGrp="1"/>
           </p:cNvSpPr>
@@ -152,15 +681,21 @@
         </p:nvSpPr>
         <p:spPr>
           <a:xfrm>
-            <a:off x="1524000" y="1122363"/>
-            <a:ext cx="9144000" cy="2387600"/>
+            <a:off x="1507067" y="2404534"/>
+            <a:ext cx="7766936" cy="1646302"/>
           </a:xfrm>
         </p:spPr>
         <p:txBody>
-          <a:bodyPr anchor="b"/>
+          <a:bodyPr anchor="b">
+            <a:noAutofit/>
+          </a:bodyPr>
           <a:lstStyle>
-            <a:lvl1pPr algn="ctr">
-              <a:defRPr sz="6000"/>
+            <a:lvl1pPr algn="r">
+              <a:defRPr sz="5400">
+                <a:solidFill>
+                  <a:schemeClr val="accent1"/>
+                </a:solidFill>
+              </a:defRPr>
             </a:lvl1pPr>
           </a:lstStyle>
           <a:p>
@@ -168,18 +703,13 @@
               <a:rPr lang="en-US"/>
               <a:t>Click to edit Master title style</a:t>
             </a:r>
-          </a:p>
-        </p:txBody>
-      </p:sp>
-      <p:sp>
-        <p:nvSpPr>
-          <p:cNvPr id="3" name="Subtitle 2">
-            <a:extLst>
-              <a:ext uri="{FF2B5EF4-FFF2-40B4-BE49-F238E27FC236}">
-                <a16:creationId xmlns:a16="http://schemas.microsoft.com/office/drawing/2014/main" id="{56BCBE97-3A00-3ACD-3B81-C64C9F2F9EB1}"/>
-              </a:ext>
-            </a:extLst>
-          </p:cNvPr>
+            <a:endParaRPr lang="en-US" dirty="0"/>
+          </a:p>
+        </p:txBody>
+      </p:sp>
+      <p:sp>
+        <p:nvSpPr>
+          <p:cNvPr id="3" name="Subtitle 2"/>
           <p:cNvSpPr>
             <a:spLocks noGrp="1"/>
           </p:cNvSpPr>
@@ -189,48 +719,103 @@
         </p:nvSpPr>
         <p:spPr>
           <a:xfrm>
-            <a:off x="1524000" y="3602038"/>
-            <a:ext cx="9144000" cy="1655762"/>
+            <a:off x="1507067" y="4050833"/>
+            <a:ext cx="7766936" cy="1096899"/>
           </a:xfrm>
         </p:spPr>
         <p:txBody>
-          <a:bodyPr/>
+          <a:bodyPr anchor="t"/>
           <a:lstStyle>
-            <a:lvl1pPr marL="0" indent="0" algn="ctr">
-              <a:buNone/>
-              <a:defRPr sz="2400"/>
+            <a:lvl1pPr marL="0" indent="0" algn="r">
+              <a:buNone/>
+              <a:defRPr>
+                <a:solidFill>
+                  <a:schemeClr val="tx1">
+                    <a:lumMod val="50000"/>
+                    <a:lumOff val="50000"/>
+                  </a:schemeClr>
+                </a:solidFill>
+              </a:defRPr>
             </a:lvl1pPr>
             <a:lvl2pPr marL="457200" indent="0" algn="ctr">
               <a:buNone/>
-              <a:defRPr sz="2000"/>
+              <a:defRPr>
+                <a:solidFill>
+                  <a:schemeClr val="tx1">
+                    <a:tint val="75000"/>
+                  </a:schemeClr>
+                </a:solidFill>
+              </a:defRPr>
             </a:lvl2pPr>
             <a:lvl3pPr marL="914400" indent="0" algn="ctr">
               <a:buNone/>
-              <a:defRPr sz="1800"/>
+              <a:defRPr>
+                <a:solidFill>
+                  <a:schemeClr val="tx1">
+                    <a:tint val="75000"/>
+                  </a:schemeClr>
+                </a:solidFill>
+              </a:defRPr>
             </a:lvl3pPr>
             <a:lvl4pPr marL="1371600" indent="0" algn="ctr">
               <a:buNone/>
-              <a:defRPr sz="1600"/>
+              <a:defRPr>
+                <a:solidFill>
+                  <a:schemeClr val="tx1">
+                    <a:tint val="75000"/>
+                  </a:schemeClr>
+                </a:solidFill>
+              </a:defRPr>
             </a:lvl4pPr>
             <a:lvl5pPr marL="1828800" indent="0" algn="ctr">
               <a:buNone/>
-              <a:defRPr sz="1600"/>
+              <a:defRPr>
+                <a:solidFill>
+                  <a:schemeClr val="tx1">
+                    <a:tint val="75000"/>
+                  </a:schemeClr>
+                </a:solidFill>
+              </a:defRPr>
             </a:lvl5pPr>
             <a:lvl6pPr marL="2286000" indent="0" algn="ctr">
               <a:buNone/>
-              <a:defRPr sz="1600"/>
+              <a:defRPr>
+                <a:solidFill>
+                  <a:schemeClr val="tx1">
+                    <a:tint val="75000"/>
+                  </a:schemeClr>
+                </a:solidFill>
+              </a:defRPr>
             </a:lvl6pPr>
             <a:lvl7pPr marL="2743200" indent="0" algn="ctr">
               <a:buNone/>
-              <a:defRPr sz="1600"/>
+              <a:defRPr>
+                <a:solidFill>
+                  <a:schemeClr val="tx1">
+                    <a:tint val="75000"/>
+                  </a:schemeClr>
+                </a:solidFill>
+              </a:defRPr>
             </a:lvl7pPr>
             <a:lvl8pPr marL="3200400" indent="0" algn="ctr">
               <a:buNone/>
-              <a:defRPr sz="1600"/>
+              <a:defRPr>
+                <a:solidFill>
+                  <a:schemeClr val="tx1">
+                    <a:tint val="75000"/>
+                  </a:schemeClr>
+                </a:solidFill>
+              </a:defRPr>
             </a:lvl8pPr>
             <a:lvl9pPr marL="3657600" indent="0" algn="ctr">
               <a:buNone/>
-              <a:defRPr sz="1600"/>
+              <a:defRPr>
+                <a:solidFill>
+                  <a:schemeClr val="tx1">
+                    <a:tint val="75000"/>
+                  </a:schemeClr>
+                </a:solidFill>
+              </a:defRPr>
             </a:lvl9pPr>
           </a:lstStyle>
           <a:p>
@@ -238,18 +823,13 @@
               <a:rPr lang="en-US"/>
               <a:t>Click to edit Master subtitle style</a:t>
             </a:r>
-          </a:p>
-        </p:txBody>
-      </p:sp>
-      <p:sp>
-        <p:nvSpPr>
-          <p:cNvPr id="4" name="Date Placeholder 3">
-            <a:extLst>
-              <a:ext uri="{FF2B5EF4-FFF2-40B4-BE49-F238E27FC236}">
-                <a16:creationId xmlns:a16="http://schemas.microsoft.com/office/drawing/2014/main" id="{CF100EF5-4D32-4BF5-CB3B-7DF3D86133D5}"/>
-              </a:ext>
-            </a:extLst>
-          </p:cNvPr>
+            <a:endParaRPr lang="en-US" dirty="0"/>
+          </a:p>
+        </p:txBody>
+      </p:sp>
+      <p:sp>
+        <p:nvSpPr>
+          <p:cNvPr id="4" name="Date Placeholder 3"/>
           <p:cNvSpPr>
             <a:spLocks noGrp="1"/>
           </p:cNvSpPr>
@@ -272,13 +852,7 @@
       </p:sp>
       <p:sp>
         <p:nvSpPr>
-          <p:cNvPr id="5" name="Footer Placeholder 4">
-            <a:extLst>
-              <a:ext uri="{FF2B5EF4-FFF2-40B4-BE49-F238E27FC236}">
-                <a16:creationId xmlns:a16="http://schemas.microsoft.com/office/drawing/2014/main" id="{CB65128D-0AED-1843-7201-BD568A16B031}"/>
-              </a:ext>
-            </a:extLst>
-          </p:cNvPr>
+          <p:cNvPr id="5" name="Footer Placeholder 4"/>
           <p:cNvSpPr>
             <a:spLocks noGrp="1"/>
           </p:cNvSpPr>
@@ -297,13 +871,7 @@
       </p:sp>
       <p:sp>
         <p:nvSpPr>
-          <p:cNvPr id="6" name="Slide Number Placeholder 5">
-            <a:extLst>
-              <a:ext uri="{FF2B5EF4-FFF2-40B4-BE49-F238E27FC236}">
-                <a16:creationId xmlns:a16="http://schemas.microsoft.com/office/drawing/2014/main" id="{C9AC55E0-151D-5B45-9A20-1321DFAC0E6A}"/>
-              </a:ext>
-            </a:extLst>
-          </p:cNvPr>
+          <p:cNvPr id="6" name="Slide Number Placeholder 5"/>
           <p:cNvSpPr>
             <a:spLocks noGrp="1"/>
           </p:cNvSpPr>
@@ -327,7 +895,7 @@
     </p:spTree>
     <p:extLst>
       <p:ext uri="{BB962C8B-B14F-4D97-AF65-F5344CB8AC3E}">
-        <p14:creationId xmlns:p14="http://schemas.microsoft.com/office/powerpoint/2010/main" val="1521298962"/>
+        <p14:creationId xmlns:p14="http://schemas.microsoft.com/office/powerpoint/2010/main" val="215860601"/>
       </p:ext>
     </p:extLst>
   </p:cSld>
@@ -338,6 +906,1619 @@
 </file>
 
 <file path=ppt/slideLayouts/slideLayout10.xml><?xml version="1.0" encoding="utf-8"?>
+<p:sldLayout xmlns:a="http://schemas.openxmlformats.org/drawingml/2006/main" xmlns:r="http://schemas.openxmlformats.org/officeDocument/2006/relationships" xmlns:p="http://schemas.openxmlformats.org/presentationml/2006/main" preserve="1">
+  <p:cSld name="Title and Caption">
+    <p:spTree>
+      <p:nvGrpSpPr>
+        <p:cNvPr id="1" name=""/>
+        <p:cNvGrpSpPr/>
+        <p:nvPr/>
+      </p:nvGrpSpPr>
+      <p:grpSpPr>
+        <a:xfrm>
+          <a:off x="0" y="0"/>
+          <a:ext cx="0" cy="0"/>
+          <a:chOff x="0" y="0"/>
+          <a:chExt cx="0" cy="0"/>
+        </a:xfrm>
+      </p:grpSpPr>
+      <p:sp>
+        <p:nvSpPr>
+          <p:cNvPr id="2" name="Title 1"/>
+          <p:cNvSpPr>
+            <a:spLocks noGrp="1"/>
+          </p:cNvSpPr>
+          <p:nvPr>
+            <p:ph type="title"/>
+          </p:nvPr>
+        </p:nvSpPr>
+        <p:spPr>
+          <a:xfrm>
+            <a:off x="677335" y="609600"/>
+            <a:ext cx="8596668" cy="3403600"/>
+          </a:xfrm>
+        </p:spPr>
+        <p:txBody>
+          <a:bodyPr anchor="ctr">
+            <a:normAutofit/>
+          </a:bodyPr>
+          <a:lstStyle>
+            <a:lvl1pPr algn="l">
+              <a:defRPr sz="4400" b="0" cap="none"/>
+            </a:lvl1pPr>
+          </a:lstStyle>
+          <a:p>
+            <a:r>
+              <a:rPr lang="en-US"/>
+              <a:t>Click to edit Master title style</a:t>
+            </a:r>
+            <a:endParaRPr lang="en-US" dirty="0"/>
+          </a:p>
+        </p:txBody>
+      </p:sp>
+      <p:sp>
+        <p:nvSpPr>
+          <p:cNvPr id="3" name="Text Placeholder 2"/>
+          <p:cNvSpPr>
+            <a:spLocks noGrp="1"/>
+          </p:cNvSpPr>
+          <p:nvPr>
+            <p:ph type="body" idx="1"/>
+          </p:nvPr>
+        </p:nvSpPr>
+        <p:spPr>
+          <a:xfrm>
+            <a:off x="677335" y="4470400"/>
+            <a:ext cx="8596668" cy="1570962"/>
+          </a:xfrm>
+        </p:spPr>
+        <p:txBody>
+          <a:bodyPr anchor="ctr">
+            <a:normAutofit/>
+          </a:bodyPr>
+          <a:lstStyle>
+            <a:lvl1pPr marL="0" indent="0" algn="l">
+              <a:buNone/>
+              <a:defRPr sz="1800">
+                <a:solidFill>
+                  <a:schemeClr val="tx1">
+                    <a:lumMod val="75000"/>
+                    <a:lumOff val="25000"/>
+                  </a:schemeClr>
+                </a:solidFill>
+              </a:defRPr>
+            </a:lvl1pPr>
+            <a:lvl2pPr marL="457200" indent="0">
+              <a:buNone/>
+              <a:defRPr sz="1800">
+                <a:solidFill>
+                  <a:schemeClr val="tx1">
+                    <a:tint val="75000"/>
+                  </a:schemeClr>
+                </a:solidFill>
+              </a:defRPr>
+            </a:lvl2pPr>
+            <a:lvl3pPr marL="914400" indent="0">
+              <a:buNone/>
+              <a:defRPr sz="1600">
+                <a:solidFill>
+                  <a:schemeClr val="tx1">
+                    <a:tint val="75000"/>
+                  </a:schemeClr>
+                </a:solidFill>
+              </a:defRPr>
+            </a:lvl3pPr>
+            <a:lvl4pPr marL="1371600" indent="0">
+              <a:buNone/>
+              <a:defRPr sz="1400">
+                <a:solidFill>
+                  <a:schemeClr val="tx1">
+                    <a:tint val="75000"/>
+                  </a:schemeClr>
+                </a:solidFill>
+              </a:defRPr>
+            </a:lvl4pPr>
+            <a:lvl5pPr marL="1828800" indent="0">
+              <a:buNone/>
+              <a:defRPr sz="1400">
+                <a:solidFill>
+                  <a:schemeClr val="tx1">
+                    <a:tint val="75000"/>
+                  </a:schemeClr>
+                </a:solidFill>
+              </a:defRPr>
+            </a:lvl5pPr>
+            <a:lvl6pPr marL="2286000" indent="0">
+              <a:buNone/>
+              <a:defRPr sz="1400">
+                <a:solidFill>
+                  <a:schemeClr val="tx1">
+                    <a:tint val="75000"/>
+                  </a:schemeClr>
+                </a:solidFill>
+              </a:defRPr>
+            </a:lvl6pPr>
+            <a:lvl7pPr marL="2743200" indent="0">
+              <a:buNone/>
+              <a:defRPr sz="1400">
+                <a:solidFill>
+                  <a:schemeClr val="tx1">
+                    <a:tint val="75000"/>
+                  </a:schemeClr>
+                </a:solidFill>
+              </a:defRPr>
+            </a:lvl7pPr>
+            <a:lvl8pPr marL="3200400" indent="0">
+              <a:buNone/>
+              <a:defRPr sz="1400">
+                <a:solidFill>
+                  <a:schemeClr val="tx1">
+                    <a:tint val="75000"/>
+                  </a:schemeClr>
+                </a:solidFill>
+              </a:defRPr>
+            </a:lvl8pPr>
+            <a:lvl9pPr marL="3657600" indent="0">
+              <a:buNone/>
+              <a:defRPr sz="1400">
+                <a:solidFill>
+                  <a:schemeClr val="tx1">
+                    <a:tint val="75000"/>
+                  </a:schemeClr>
+                </a:solidFill>
+              </a:defRPr>
+            </a:lvl9pPr>
+          </a:lstStyle>
+          <a:p>
+            <a:pPr lvl="0"/>
+            <a:r>
+              <a:rPr lang="en-US"/>
+              <a:t>Click to edit Master text styles</a:t>
+            </a:r>
+          </a:p>
+        </p:txBody>
+      </p:sp>
+      <p:sp>
+        <p:nvSpPr>
+          <p:cNvPr id="4" name="Date Placeholder 3"/>
+          <p:cNvSpPr>
+            <a:spLocks noGrp="1"/>
+          </p:cNvSpPr>
+          <p:nvPr>
+            <p:ph type="dt" sz="half" idx="10"/>
+          </p:nvPr>
+        </p:nvSpPr>
+        <p:spPr/>
+        <p:txBody>
+          <a:bodyPr/>
+          <a:lstStyle/>
+          <a:p>
+            <a:fld id="{766177EB-25AC-4598-A70B-CA063240D9FF}" type="datetimeFigureOut">
+              <a:rPr lang="en-US" smtClean="0"/>
+              <a:t>3/18/2025</a:t>
+            </a:fld>
+            <a:endParaRPr lang="en-US"/>
+          </a:p>
+        </p:txBody>
+      </p:sp>
+      <p:sp>
+        <p:nvSpPr>
+          <p:cNvPr id="5" name="Footer Placeholder 4"/>
+          <p:cNvSpPr>
+            <a:spLocks noGrp="1"/>
+          </p:cNvSpPr>
+          <p:nvPr>
+            <p:ph type="ftr" sz="quarter" idx="11"/>
+          </p:nvPr>
+        </p:nvSpPr>
+        <p:spPr/>
+        <p:txBody>
+          <a:bodyPr/>
+          <a:lstStyle/>
+          <a:p>
+            <a:endParaRPr lang="en-US"/>
+          </a:p>
+        </p:txBody>
+      </p:sp>
+      <p:sp>
+        <p:nvSpPr>
+          <p:cNvPr id="6" name="Slide Number Placeholder 5"/>
+          <p:cNvSpPr>
+            <a:spLocks noGrp="1"/>
+          </p:cNvSpPr>
+          <p:nvPr>
+            <p:ph type="sldNum" sz="quarter" idx="12"/>
+          </p:nvPr>
+        </p:nvSpPr>
+        <p:spPr/>
+        <p:txBody>
+          <a:bodyPr/>
+          <a:lstStyle/>
+          <a:p>
+            <a:fld id="{B0F15F4A-684E-4643-BA1B-247C2C06D712}" type="slidenum">
+              <a:rPr lang="en-US" smtClean="0"/>
+              <a:t>‹#›</a:t>
+            </a:fld>
+            <a:endParaRPr lang="en-US"/>
+          </a:p>
+        </p:txBody>
+      </p:sp>
+    </p:spTree>
+    <p:extLst>
+      <p:ext uri="{BB962C8B-B14F-4D97-AF65-F5344CB8AC3E}">
+        <p14:creationId xmlns:p14="http://schemas.microsoft.com/office/powerpoint/2010/main" val="2175966178"/>
+      </p:ext>
+    </p:extLst>
+  </p:cSld>
+  <p:clrMapOvr>
+    <a:masterClrMapping/>
+  </p:clrMapOvr>
+</p:sldLayout>
+</file>
+
+<file path=ppt/slideLayouts/slideLayout11.xml><?xml version="1.0" encoding="utf-8"?>
+<p:sldLayout xmlns:a="http://schemas.openxmlformats.org/drawingml/2006/main" xmlns:r="http://schemas.openxmlformats.org/officeDocument/2006/relationships" xmlns:p="http://schemas.openxmlformats.org/presentationml/2006/main" preserve="1">
+  <p:cSld name="Quote with Caption">
+    <p:spTree>
+      <p:nvGrpSpPr>
+        <p:cNvPr id="1" name=""/>
+        <p:cNvGrpSpPr/>
+        <p:nvPr/>
+      </p:nvGrpSpPr>
+      <p:grpSpPr>
+        <a:xfrm>
+          <a:off x="0" y="0"/>
+          <a:ext cx="0" cy="0"/>
+          <a:chOff x="0" y="0"/>
+          <a:chExt cx="0" cy="0"/>
+        </a:xfrm>
+      </p:grpSpPr>
+      <p:sp>
+        <p:nvSpPr>
+          <p:cNvPr id="2" name="Title 1"/>
+          <p:cNvSpPr>
+            <a:spLocks noGrp="1"/>
+          </p:cNvSpPr>
+          <p:nvPr>
+            <p:ph type="title"/>
+          </p:nvPr>
+        </p:nvSpPr>
+        <p:spPr>
+          <a:xfrm>
+            <a:off x="931334" y="609600"/>
+            <a:ext cx="8094134" cy="3022600"/>
+          </a:xfrm>
+        </p:spPr>
+        <p:txBody>
+          <a:bodyPr anchor="ctr">
+            <a:normAutofit/>
+          </a:bodyPr>
+          <a:lstStyle>
+            <a:lvl1pPr algn="l">
+              <a:defRPr sz="4400" b="0" cap="none"/>
+            </a:lvl1pPr>
+          </a:lstStyle>
+          <a:p>
+            <a:r>
+              <a:rPr lang="en-US"/>
+              <a:t>Click to edit Master title style</a:t>
+            </a:r>
+            <a:endParaRPr lang="en-US" dirty="0"/>
+          </a:p>
+        </p:txBody>
+      </p:sp>
+      <p:sp>
+        <p:nvSpPr>
+          <p:cNvPr id="23" name="Text Placeholder 9"/>
+          <p:cNvSpPr>
+            <a:spLocks noGrp="1"/>
+          </p:cNvSpPr>
+          <p:nvPr>
+            <p:ph type="body" sz="quarter" idx="13"/>
+          </p:nvPr>
+        </p:nvSpPr>
+        <p:spPr>
+          <a:xfrm>
+            <a:off x="1366139" y="3632200"/>
+            <a:ext cx="7224524" cy="381000"/>
+          </a:xfrm>
+        </p:spPr>
+        <p:txBody>
+          <a:bodyPr anchor="ctr">
+            <a:noAutofit/>
+          </a:bodyPr>
+          <a:lstStyle>
+            <a:lvl1pPr marL="0" indent="0">
+              <a:buFontTx/>
+              <a:buNone/>
+              <a:defRPr sz="1600">
+                <a:solidFill>
+                  <a:schemeClr val="tx1">
+                    <a:lumMod val="50000"/>
+                    <a:lumOff val="50000"/>
+                  </a:schemeClr>
+                </a:solidFill>
+              </a:defRPr>
+            </a:lvl1pPr>
+            <a:lvl2pPr marL="457200" indent="0">
+              <a:buFontTx/>
+              <a:buNone/>
+              <a:defRPr/>
+            </a:lvl2pPr>
+            <a:lvl3pPr marL="914400" indent="0">
+              <a:buFontTx/>
+              <a:buNone/>
+              <a:defRPr/>
+            </a:lvl3pPr>
+            <a:lvl4pPr marL="1371600" indent="0">
+              <a:buFontTx/>
+              <a:buNone/>
+              <a:defRPr/>
+            </a:lvl4pPr>
+            <a:lvl5pPr marL="1828800" indent="0">
+              <a:buFontTx/>
+              <a:buNone/>
+              <a:defRPr/>
+            </a:lvl5pPr>
+          </a:lstStyle>
+          <a:p>
+            <a:pPr lvl="0"/>
+            <a:r>
+              <a:rPr lang="en-US"/>
+              <a:t>Click to edit Master text styles</a:t>
+            </a:r>
+          </a:p>
+        </p:txBody>
+      </p:sp>
+      <p:sp>
+        <p:nvSpPr>
+          <p:cNvPr id="3" name="Text Placeholder 2"/>
+          <p:cNvSpPr>
+            <a:spLocks noGrp="1"/>
+          </p:cNvSpPr>
+          <p:nvPr>
+            <p:ph type="body" idx="1"/>
+          </p:nvPr>
+        </p:nvSpPr>
+        <p:spPr>
+          <a:xfrm>
+            <a:off x="677335" y="4470400"/>
+            <a:ext cx="8596668" cy="1570962"/>
+          </a:xfrm>
+        </p:spPr>
+        <p:txBody>
+          <a:bodyPr anchor="ctr">
+            <a:normAutofit/>
+          </a:bodyPr>
+          <a:lstStyle>
+            <a:lvl1pPr marL="0" indent="0" algn="l">
+              <a:buNone/>
+              <a:defRPr sz="1800">
+                <a:solidFill>
+                  <a:schemeClr val="tx1">
+                    <a:lumMod val="75000"/>
+                    <a:lumOff val="25000"/>
+                  </a:schemeClr>
+                </a:solidFill>
+              </a:defRPr>
+            </a:lvl1pPr>
+            <a:lvl2pPr marL="457200" indent="0">
+              <a:buNone/>
+              <a:defRPr sz="1800">
+                <a:solidFill>
+                  <a:schemeClr val="tx1">
+                    <a:tint val="75000"/>
+                  </a:schemeClr>
+                </a:solidFill>
+              </a:defRPr>
+            </a:lvl2pPr>
+            <a:lvl3pPr marL="914400" indent="0">
+              <a:buNone/>
+              <a:defRPr sz="1600">
+                <a:solidFill>
+                  <a:schemeClr val="tx1">
+                    <a:tint val="75000"/>
+                  </a:schemeClr>
+                </a:solidFill>
+              </a:defRPr>
+            </a:lvl3pPr>
+            <a:lvl4pPr marL="1371600" indent="0">
+              <a:buNone/>
+              <a:defRPr sz="1400">
+                <a:solidFill>
+                  <a:schemeClr val="tx1">
+                    <a:tint val="75000"/>
+                  </a:schemeClr>
+                </a:solidFill>
+              </a:defRPr>
+            </a:lvl4pPr>
+            <a:lvl5pPr marL="1828800" indent="0">
+              <a:buNone/>
+              <a:defRPr sz="1400">
+                <a:solidFill>
+                  <a:schemeClr val="tx1">
+                    <a:tint val="75000"/>
+                  </a:schemeClr>
+                </a:solidFill>
+              </a:defRPr>
+            </a:lvl5pPr>
+            <a:lvl6pPr marL="2286000" indent="0">
+              <a:buNone/>
+              <a:defRPr sz="1400">
+                <a:solidFill>
+                  <a:schemeClr val="tx1">
+                    <a:tint val="75000"/>
+                  </a:schemeClr>
+                </a:solidFill>
+              </a:defRPr>
+            </a:lvl6pPr>
+            <a:lvl7pPr marL="2743200" indent="0">
+              <a:buNone/>
+              <a:defRPr sz="1400">
+                <a:solidFill>
+                  <a:schemeClr val="tx1">
+                    <a:tint val="75000"/>
+                  </a:schemeClr>
+                </a:solidFill>
+              </a:defRPr>
+            </a:lvl7pPr>
+            <a:lvl8pPr marL="3200400" indent="0">
+              <a:buNone/>
+              <a:defRPr sz="1400">
+                <a:solidFill>
+                  <a:schemeClr val="tx1">
+                    <a:tint val="75000"/>
+                  </a:schemeClr>
+                </a:solidFill>
+              </a:defRPr>
+            </a:lvl8pPr>
+            <a:lvl9pPr marL="3657600" indent="0">
+              <a:buNone/>
+              <a:defRPr sz="1400">
+                <a:solidFill>
+                  <a:schemeClr val="tx1">
+                    <a:tint val="75000"/>
+                  </a:schemeClr>
+                </a:solidFill>
+              </a:defRPr>
+            </a:lvl9pPr>
+          </a:lstStyle>
+          <a:p>
+            <a:pPr lvl="0"/>
+            <a:r>
+              <a:rPr lang="en-US"/>
+              <a:t>Click to edit Master text styles</a:t>
+            </a:r>
+          </a:p>
+        </p:txBody>
+      </p:sp>
+      <p:sp>
+        <p:nvSpPr>
+          <p:cNvPr id="4" name="Date Placeholder 3"/>
+          <p:cNvSpPr>
+            <a:spLocks noGrp="1"/>
+          </p:cNvSpPr>
+          <p:nvPr>
+            <p:ph type="dt" sz="half" idx="10"/>
+          </p:nvPr>
+        </p:nvSpPr>
+        <p:spPr/>
+        <p:txBody>
+          <a:bodyPr/>
+          <a:lstStyle/>
+          <a:p>
+            <a:fld id="{766177EB-25AC-4598-A70B-CA063240D9FF}" type="datetimeFigureOut">
+              <a:rPr lang="en-US" smtClean="0"/>
+              <a:t>3/18/2025</a:t>
+            </a:fld>
+            <a:endParaRPr lang="en-US"/>
+          </a:p>
+        </p:txBody>
+      </p:sp>
+      <p:sp>
+        <p:nvSpPr>
+          <p:cNvPr id="5" name="Footer Placeholder 4"/>
+          <p:cNvSpPr>
+            <a:spLocks noGrp="1"/>
+          </p:cNvSpPr>
+          <p:nvPr>
+            <p:ph type="ftr" sz="quarter" idx="11"/>
+          </p:nvPr>
+        </p:nvSpPr>
+        <p:spPr/>
+        <p:txBody>
+          <a:bodyPr/>
+          <a:lstStyle/>
+          <a:p>
+            <a:endParaRPr lang="en-US"/>
+          </a:p>
+        </p:txBody>
+      </p:sp>
+      <p:sp>
+        <p:nvSpPr>
+          <p:cNvPr id="6" name="Slide Number Placeholder 5"/>
+          <p:cNvSpPr>
+            <a:spLocks noGrp="1"/>
+          </p:cNvSpPr>
+          <p:nvPr>
+            <p:ph type="sldNum" sz="quarter" idx="12"/>
+          </p:nvPr>
+        </p:nvSpPr>
+        <p:spPr/>
+        <p:txBody>
+          <a:bodyPr/>
+          <a:lstStyle/>
+          <a:p>
+            <a:fld id="{B0F15F4A-684E-4643-BA1B-247C2C06D712}" type="slidenum">
+              <a:rPr lang="en-US" smtClean="0"/>
+              <a:t>‹#›</a:t>
+            </a:fld>
+            <a:endParaRPr lang="en-US"/>
+          </a:p>
+        </p:txBody>
+      </p:sp>
+      <p:sp>
+        <p:nvSpPr>
+          <p:cNvPr id="20" name="TextBox 19"/>
+          <p:cNvSpPr txBox="1"/>
+          <p:nvPr/>
+        </p:nvSpPr>
+        <p:spPr>
+          <a:xfrm>
+            <a:off x="541870" y="790378"/>
+            <a:ext cx="609600" cy="584776"/>
+          </a:xfrm>
+          <a:prstGeom prst="rect">
+            <a:avLst/>
+          </a:prstGeom>
+        </p:spPr>
+        <p:txBody>
+          <a:bodyPr vert="horz" lIns="91440" tIns="45720" rIns="91440" bIns="45720" rtlCol="0" anchor="ctr">
+            <a:noAutofit/>
+          </a:bodyPr>
+          <a:lstStyle/>
+          <a:p>
+            <a:pPr lvl="0"/>
+            <a:r>
+              <a:rPr lang="en-US" sz="8000" baseline="0" dirty="0">
+                <a:ln w="3175" cmpd="sng">
+                  <a:noFill/>
+                </a:ln>
+                <a:solidFill>
+                  <a:schemeClr val="accent1">
+                    <a:lumMod val="60000"/>
+                    <a:lumOff val="40000"/>
+                  </a:schemeClr>
+                </a:solidFill>
+                <a:effectLst/>
+                <a:latin typeface="Arial"/>
+              </a:rPr>
+              <a:t>“</a:t>
+            </a:r>
+          </a:p>
+        </p:txBody>
+      </p:sp>
+      <p:sp>
+        <p:nvSpPr>
+          <p:cNvPr id="22" name="TextBox 21"/>
+          <p:cNvSpPr txBox="1"/>
+          <p:nvPr/>
+        </p:nvSpPr>
+        <p:spPr>
+          <a:xfrm>
+            <a:off x="8893011" y="2886556"/>
+            <a:ext cx="609600" cy="584776"/>
+          </a:xfrm>
+          <a:prstGeom prst="rect">
+            <a:avLst/>
+          </a:prstGeom>
+        </p:spPr>
+        <p:txBody>
+          <a:bodyPr vert="horz" lIns="91440" tIns="45720" rIns="91440" bIns="45720" rtlCol="0" anchor="ctr">
+            <a:noAutofit/>
+          </a:bodyPr>
+          <a:lstStyle/>
+          <a:p>
+            <a:pPr lvl="0"/>
+            <a:r>
+              <a:rPr lang="en-US" sz="8000" baseline="0" dirty="0">
+                <a:ln w="3175" cmpd="sng">
+                  <a:noFill/>
+                </a:ln>
+                <a:solidFill>
+                  <a:schemeClr val="accent1">
+                    <a:lumMod val="60000"/>
+                    <a:lumOff val="40000"/>
+                  </a:schemeClr>
+                </a:solidFill>
+                <a:latin typeface="Arial"/>
+              </a:rPr>
+              <a:t>”</a:t>
+            </a:r>
+            <a:endParaRPr lang="en-US" dirty="0">
+              <a:solidFill>
+                <a:schemeClr val="accent1">
+                  <a:lumMod val="60000"/>
+                  <a:lumOff val="40000"/>
+                </a:schemeClr>
+              </a:solidFill>
+              <a:latin typeface="Arial"/>
+            </a:endParaRPr>
+          </a:p>
+        </p:txBody>
+      </p:sp>
+    </p:spTree>
+    <p:extLst>
+      <p:ext uri="{BB962C8B-B14F-4D97-AF65-F5344CB8AC3E}">
+        <p14:creationId xmlns:p14="http://schemas.microsoft.com/office/powerpoint/2010/main" val="2615774972"/>
+      </p:ext>
+    </p:extLst>
+  </p:cSld>
+  <p:clrMapOvr>
+    <a:masterClrMapping/>
+  </p:clrMapOvr>
+</p:sldLayout>
+</file>
+
+<file path=ppt/slideLayouts/slideLayout12.xml><?xml version="1.0" encoding="utf-8"?>
+<p:sldLayout xmlns:a="http://schemas.openxmlformats.org/drawingml/2006/main" xmlns:r="http://schemas.openxmlformats.org/officeDocument/2006/relationships" xmlns:p="http://schemas.openxmlformats.org/presentationml/2006/main" preserve="1">
+  <p:cSld name="Name Card">
+    <p:spTree>
+      <p:nvGrpSpPr>
+        <p:cNvPr id="1" name=""/>
+        <p:cNvGrpSpPr/>
+        <p:nvPr/>
+      </p:nvGrpSpPr>
+      <p:grpSpPr>
+        <a:xfrm>
+          <a:off x="0" y="0"/>
+          <a:ext cx="0" cy="0"/>
+          <a:chOff x="0" y="0"/>
+          <a:chExt cx="0" cy="0"/>
+        </a:xfrm>
+      </p:grpSpPr>
+      <p:sp>
+        <p:nvSpPr>
+          <p:cNvPr id="2" name="Title 1"/>
+          <p:cNvSpPr>
+            <a:spLocks noGrp="1"/>
+          </p:cNvSpPr>
+          <p:nvPr>
+            <p:ph type="title"/>
+          </p:nvPr>
+        </p:nvSpPr>
+        <p:spPr>
+          <a:xfrm>
+            <a:off x="677335" y="1931988"/>
+            <a:ext cx="8596668" cy="2595460"/>
+          </a:xfrm>
+        </p:spPr>
+        <p:txBody>
+          <a:bodyPr anchor="b">
+            <a:normAutofit/>
+          </a:bodyPr>
+          <a:lstStyle>
+            <a:lvl1pPr algn="l">
+              <a:defRPr sz="4400" b="0" cap="none"/>
+            </a:lvl1pPr>
+          </a:lstStyle>
+          <a:p>
+            <a:r>
+              <a:rPr lang="en-US"/>
+              <a:t>Click to edit Master title style</a:t>
+            </a:r>
+            <a:endParaRPr lang="en-US" dirty="0"/>
+          </a:p>
+        </p:txBody>
+      </p:sp>
+      <p:sp>
+        <p:nvSpPr>
+          <p:cNvPr id="3" name="Text Placeholder 2"/>
+          <p:cNvSpPr>
+            <a:spLocks noGrp="1"/>
+          </p:cNvSpPr>
+          <p:nvPr>
+            <p:ph type="body" idx="1"/>
+          </p:nvPr>
+        </p:nvSpPr>
+        <p:spPr>
+          <a:xfrm>
+            <a:off x="677335" y="4527448"/>
+            <a:ext cx="8596668" cy="1513914"/>
+          </a:xfrm>
+        </p:spPr>
+        <p:txBody>
+          <a:bodyPr anchor="t">
+            <a:normAutofit/>
+          </a:bodyPr>
+          <a:lstStyle>
+            <a:lvl1pPr marL="0" indent="0" algn="l">
+              <a:buNone/>
+              <a:defRPr sz="1800">
+                <a:solidFill>
+                  <a:schemeClr val="tx1">
+                    <a:lumMod val="75000"/>
+                    <a:lumOff val="25000"/>
+                  </a:schemeClr>
+                </a:solidFill>
+              </a:defRPr>
+            </a:lvl1pPr>
+            <a:lvl2pPr marL="457200" indent="0">
+              <a:buNone/>
+              <a:defRPr sz="1800">
+                <a:solidFill>
+                  <a:schemeClr val="tx1">
+                    <a:tint val="75000"/>
+                  </a:schemeClr>
+                </a:solidFill>
+              </a:defRPr>
+            </a:lvl2pPr>
+            <a:lvl3pPr marL="914400" indent="0">
+              <a:buNone/>
+              <a:defRPr sz="1600">
+                <a:solidFill>
+                  <a:schemeClr val="tx1">
+                    <a:tint val="75000"/>
+                  </a:schemeClr>
+                </a:solidFill>
+              </a:defRPr>
+            </a:lvl3pPr>
+            <a:lvl4pPr marL="1371600" indent="0">
+              <a:buNone/>
+              <a:defRPr sz="1400">
+                <a:solidFill>
+                  <a:schemeClr val="tx1">
+                    <a:tint val="75000"/>
+                  </a:schemeClr>
+                </a:solidFill>
+              </a:defRPr>
+            </a:lvl4pPr>
+            <a:lvl5pPr marL="1828800" indent="0">
+              <a:buNone/>
+              <a:defRPr sz="1400">
+                <a:solidFill>
+                  <a:schemeClr val="tx1">
+                    <a:tint val="75000"/>
+                  </a:schemeClr>
+                </a:solidFill>
+              </a:defRPr>
+            </a:lvl5pPr>
+            <a:lvl6pPr marL="2286000" indent="0">
+              <a:buNone/>
+              <a:defRPr sz="1400">
+                <a:solidFill>
+                  <a:schemeClr val="tx1">
+                    <a:tint val="75000"/>
+                  </a:schemeClr>
+                </a:solidFill>
+              </a:defRPr>
+            </a:lvl6pPr>
+            <a:lvl7pPr marL="2743200" indent="0">
+              <a:buNone/>
+              <a:defRPr sz="1400">
+                <a:solidFill>
+                  <a:schemeClr val="tx1">
+                    <a:tint val="75000"/>
+                  </a:schemeClr>
+                </a:solidFill>
+              </a:defRPr>
+            </a:lvl7pPr>
+            <a:lvl8pPr marL="3200400" indent="0">
+              <a:buNone/>
+              <a:defRPr sz="1400">
+                <a:solidFill>
+                  <a:schemeClr val="tx1">
+                    <a:tint val="75000"/>
+                  </a:schemeClr>
+                </a:solidFill>
+              </a:defRPr>
+            </a:lvl8pPr>
+            <a:lvl9pPr marL="3657600" indent="0">
+              <a:buNone/>
+              <a:defRPr sz="1400">
+                <a:solidFill>
+                  <a:schemeClr val="tx1">
+                    <a:tint val="75000"/>
+                  </a:schemeClr>
+                </a:solidFill>
+              </a:defRPr>
+            </a:lvl9pPr>
+          </a:lstStyle>
+          <a:p>
+            <a:pPr lvl="0"/>
+            <a:r>
+              <a:rPr lang="en-US"/>
+              <a:t>Click to edit Master text styles</a:t>
+            </a:r>
+          </a:p>
+        </p:txBody>
+      </p:sp>
+      <p:sp>
+        <p:nvSpPr>
+          <p:cNvPr id="4" name="Date Placeholder 3"/>
+          <p:cNvSpPr>
+            <a:spLocks noGrp="1"/>
+          </p:cNvSpPr>
+          <p:nvPr>
+            <p:ph type="dt" sz="half" idx="10"/>
+          </p:nvPr>
+        </p:nvSpPr>
+        <p:spPr/>
+        <p:txBody>
+          <a:bodyPr/>
+          <a:lstStyle/>
+          <a:p>
+            <a:fld id="{766177EB-25AC-4598-A70B-CA063240D9FF}" type="datetimeFigureOut">
+              <a:rPr lang="en-US" smtClean="0"/>
+              <a:t>3/18/2025</a:t>
+            </a:fld>
+            <a:endParaRPr lang="en-US"/>
+          </a:p>
+        </p:txBody>
+      </p:sp>
+      <p:sp>
+        <p:nvSpPr>
+          <p:cNvPr id="5" name="Footer Placeholder 4"/>
+          <p:cNvSpPr>
+            <a:spLocks noGrp="1"/>
+          </p:cNvSpPr>
+          <p:nvPr>
+            <p:ph type="ftr" sz="quarter" idx="11"/>
+          </p:nvPr>
+        </p:nvSpPr>
+        <p:spPr/>
+        <p:txBody>
+          <a:bodyPr/>
+          <a:lstStyle/>
+          <a:p>
+            <a:endParaRPr lang="en-US"/>
+          </a:p>
+        </p:txBody>
+      </p:sp>
+      <p:sp>
+        <p:nvSpPr>
+          <p:cNvPr id="6" name="Slide Number Placeholder 5"/>
+          <p:cNvSpPr>
+            <a:spLocks noGrp="1"/>
+          </p:cNvSpPr>
+          <p:nvPr>
+            <p:ph type="sldNum" sz="quarter" idx="12"/>
+          </p:nvPr>
+        </p:nvSpPr>
+        <p:spPr/>
+        <p:txBody>
+          <a:bodyPr/>
+          <a:lstStyle/>
+          <a:p>
+            <a:fld id="{B0F15F4A-684E-4643-BA1B-247C2C06D712}" type="slidenum">
+              <a:rPr lang="en-US" smtClean="0"/>
+              <a:t>‹#›</a:t>
+            </a:fld>
+            <a:endParaRPr lang="en-US"/>
+          </a:p>
+        </p:txBody>
+      </p:sp>
+    </p:spTree>
+    <p:extLst>
+      <p:ext uri="{BB962C8B-B14F-4D97-AF65-F5344CB8AC3E}">
+        <p14:creationId xmlns:p14="http://schemas.microsoft.com/office/powerpoint/2010/main" val="1749674234"/>
+      </p:ext>
+    </p:extLst>
+  </p:cSld>
+  <p:clrMapOvr>
+    <a:masterClrMapping/>
+  </p:clrMapOvr>
+</p:sldLayout>
+</file>
+
+<file path=ppt/slideLayouts/slideLayout13.xml><?xml version="1.0" encoding="utf-8"?>
+<p:sldLayout xmlns:a="http://schemas.openxmlformats.org/drawingml/2006/main" xmlns:r="http://schemas.openxmlformats.org/officeDocument/2006/relationships" xmlns:p="http://schemas.openxmlformats.org/presentationml/2006/main" preserve="1">
+  <p:cSld name="Quote Name Card">
+    <p:spTree>
+      <p:nvGrpSpPr>
+        <p:cNvPr id="1" name=""/>
+        <p:cNvGrpSpPr/>
+        <p:nvPr/>
+      </p:nvGrpSpPr>
+      <p:grpSpPr>
+        <a:xfrm>
+          <a:off x="0" y="0"/>
+          <a:ext cx="0" cy="0"/>
+          <a:chOff x="0" y="0"/>
+          <a:chExt cx="0" cy="0"/>
+        </a:xfrm>
+      </p:grpSpPr>
+      <p:sp>
+        <p:nvSpPr>
+          <p:cNvPr id="2" name="Title 1"/>
+          <p:cNvSpPr>
+            <a:spLocks noGrp="1"/>
+          </p:cNvSpPr>
+          <p:nvPr>
+            <p:ph type="title"/>
+          </p:nvPr>
+        </p:nvSpPr>
+        <p:spPr>
+          <a:xfrm>
+            <a:off x="931334" y="609600"/>
+            <a:ext cx="8094134" cy="3022600"/>
+          </a:xfrm>
+        </p:spPr>
+        <p:txBody>
+          <a:bodyPr anchor="ctr">
+            <a:normAutofit/>
+          </a:bodyPr>
+          <a:lstStyle>
+            <a:lvl1pPr algn="l">
+              <a:defRPr sz="4400" b="0" cap="none"/>
+            </a:lvl1pPr>
+          </a:lstStyle>
+          <a:p>
+            <a:r>
+              <a:rPr lang="en-US"/>
+              <a:t>Click to edit Master title style</a:t>
+            </a:r>
+            <a:endParaRPr lang="en-US" dirty="0"/>
+          </a:p>
+        </p:txBody>
+      </p:sp>
+      <p:sp>
+        <p:nvSpPr>
+          <p:cNvPr id="23" name="Text Placeholder 9"/>
+          <p:cNvSpPr>
+            <a:spLocks noGrp="1"/>
+          </p:cNvSpPr>
+          <p:nvPr>
+            <p:ph type="body" sz="quarter" idx="13"/>
+          </p:nvPr>
+        </p:nvSpPr>
+        <p:spPr>
+          <a:xfrm>
+            <a:off x="677332" y="4013200"/>
+            <a:ext cx="8596669" cy="514248"/>
+          </a:xfrm>
+        </p:spPr>
+        <p:txBody>
+          <a:bodyPr anchor="b">
+            <a:noAutofit/>
+          </a:bodyPr>
+          <a:lstStyle>
+            <a:lvl1pPr marL="0" indent="0">
+              <a:buFontTx/>
+              <a:buNone/>
+              <a:defRPr sz="2400">
+                <a:solidFill>
+                  <a:schemeClr val="tx1">
+                    <a:lumMod val="75000"/>
+                    <a:lumOff val="25000"/>
+                  </a:schemeClr>
+                </a:solidFill>
+              </a:defRPr>
+            </a:lvl1pPr>
+            <a:lvl2pPr marL="457200" indent="0">
+              <a:buFontTx/>
+              <a:buNone/>
+              <a:defRPr/>
+            </a:lvl2pPr>
+            <a:lvl3pPr marL="914400" indent="0">
+              <a:buFontTx/>
+              <a:buNone/>
+              <a:defRPr/>
+            </a:lvl3pPr>
+            <a:lvl4pPr marL="1371600" indent="0">
+              <a:buFontTx/>
+              <a:buNone/>
+              <a:defRPr/>
+            </a:lvl4pPr>
+            <a:lvl5pPr marL="1828800" indent="0">
+              <a:buFontTx/>
+              <a:buNone/>
+              <a:defRPr/>
+            </a:lvl5pPr>
+          </a:lstStyle>
+          <a:p>
+            <a:pPr lvl="0"/>
+            <a:r>
+              <a:rPr lang="en-US"/>
+              <a:t>Click to edit Master text styles</a:t>
+            </a:r>
+          </a:p>
+        </p:txBody>
+      </p:sp>
+      <p:sp>
+        <p:nvSpPr>
+          <p:cNvPr id="3" name="Text Placeholder 2"/>
+          <p:cNvSpPr>
+            <a:spLocks noGrp="1"/>
+          </p:cNvSpPr>
+          <p:nvPr>
+            <p:ph type="body" idx="1"/>
+          </p:nvPr>
+        </p:nvSpPr>
+        <p:spPr>
+          <a:xfrm>
+            <a:off x="677335" y="4527448"/>
+            <a:ext cx="8596668" cy="1513914"/>
+          </a:xfrm>
+        </p:spPr>
+        <p:txBody>
+          <a:bodyPr anchor="t">
+            <a:normAutofit/>
+          </a:bodyPr>
+          <a:lstStyle>
+            <a:lvl1pPr marL="0" indent="0" algn="l">
+              <a:buNone/>
+              <a:defRPr sz="1800">
+                <a:solidFill>
+                  <a:schemeClr val="tx1">
+                    <a:lumMod val="50000"/>
+                    <a:lumOff val="50000"/>
+                  </a:schemeClr>
+                </a:solidFill>
+              </a:defRPr>
+            </a:lvl1pPr>
+            <a:lvl2pPr marL="457200" indent="0">
+              <a:buNone/>
+              <a:defRPr sz="1800">
+                <a:solidFill>
+                  <a:schemeClr val="tx1">
+                    <a:tint val="75000"/>
+                  </a:schemeClr>
+                </a:solidFill>
+              </a:defRPr>
+            </a:lvl2pPr>
+            <a:lvl3pPr marL="914400" indent="0">
+              <a:buNone/>
+              <a:defRPr sz="1600">
+                <a:solidFill>
+                  <a:schemeClr val="tx1">
+                    <a:tint val="75000"/>
+                  </a:schemeClr>
+                </a:solidFill>
+              </a:defRPr>
+            </a:lvl3pPr>
+            <a:lvl4pPr marL="1371600" indent="0">
+              <a:buNone/>
+              <a:defRPr sz="1400">
+                <a:solidFill>
+                  <a:schemeClr val="tx1">
+                    <a:tint val="75000"/>
+                  </a:schemeClr>
+                </a:solidFill>
+              </a:defRPr>
+            </a:lvl4pPr>
+            <a:lvl5pPr marL="1828800" indent="0">
+              <a:buNone/>
+              <a:defRPr sz="1400">
+                <a:solidFill>
+                  <a:schemeClr val="tx1">
+                    <a:tint val="75000"/>
+                  </a:schemeClr>
+                </a:solidFill>
+              </a:defRPr>
+            </a:lvl5pPr>
+            <a:lvl6pPr marL="2286000" indent="0">
+              <a:buNone/>
+              <a:defRPr sz="1400">
+                <a:solidFill>
+                  <a:schemeClr val="tx1">
+                    <a:tint val="75000"/>
+                  </a:schemeClr>
+                </a:solidFill>
+              </a:defRPr>
+            </a:lvl6pPr>
+            <a:lvl7pPr marL="2743200" indent="0">
+              <a:buNone/>
+              <a:defRPr sz="1400">
+                <a:solidFill>
+                  <a:schemeClr val="tx1">
+                    <a:tint val="75000"/>
+                  </a:schemeClr>
+                </a:solidFill>
+              </a:defRPr>
+            </a:lvl7pPr>
+            <a:lvl8pPr marL="3200400" indent="0">
+              <a:buNone/>
+              <a:defRPr sz="1400">
+                <a:solidFill>
+                  <a:schemeClr val="tx1">
+                    <a:tint val="75000"/>
+                  </a:schemeClr>
+                </a:solidFill>
+              </a:defRPr>
+            </a:lvl8pPr>
+            <a:lvl9pPr marL="3657600" indent="0">
+              <a:buNone/>
+              <a:defRPr sz="1400">
+                <a:solidFill>
+                  <a:schemeClr val="tx1">
+                    <a:tint val="75000"/>
+                  </a:schemeClr>
+                </a:solidFill>
+              </a:defRPr>
+            </a:lvl9pPr>
+          </a:lstStyle>
+          <a:p>
+            <a:pPr lvl="0"/>
+            <a:r>
+              <a:rPr lang="en-US"/>
+              <a:t>Click to edit Master text styles</a:t>
+            </a:r>
+          </a:p>
+        </p:txBody>
+      </p:sp>
+      <p:sp>
+        <p:nvSpPr>
+          <p:cNvPr id="4" name="Date Placeholder 3"/>
+          <p:cNvSpPr>
+            <a:spLocks noGrp="1"/>
+          </p:cNvSpPr>
+          <p:nvPr>
+            <p:ph type="dt" sz="half" idx="10"/>
+          </p:nvPr>
+        </p:nvSpPr>
+        <p:spPr/>
+        <p:txBody>
+          <a:bodyPr/>
+          <a:lstStyle/>
+          <a:p>
+            <a:fld id="{766177EB-25AC-4598-A70B-CA063240D9FF}" type="datetimeFigureOut">
+              <a:rPr lang="en-US" smtClean="0"/>
+              <a:t>3/18/2025</a:t>
+            </a:fld>
+            <a:endParaRPr lang="en-US"/>
+          </a:p>
+        </p:txBody>
+      </p:sp>
+      <p:sp>
+        <p:nvSpPr>
+          <p:cNvPr id="5" name="Footer Placeholder 4"/>
+          <p:cNvSpPr>
+            <a:spLocks noGrp="1"/>
+          </p:cNvSpPr>
+          <p:nvPr>
+            <p:ph type="ftr" sz="quarter" idx="11"/>
+          </p:nvPr>
+        </p:nvSpPr>
+        <p:spPr/>
+        <p:txBody>
+          <a:bodyPr/>
+          <a:lstStyle/>
+          <a:p>
+            <a:endParaRPr lang="en-US"/>
+          </a:p>
+        </p:txBody>
+      </p:sp>
+      <p:sp>
+        <p:nvSpPr>
+          <p:cNvPr id="6" name="Slide Number Placeholder 5"/>
+          <p:cNvSpPr>
+            <a:spLocks noGrp="1"/>
+          </p:cNvSpPr>
+          <p:nvPr>
+            <p:ph type="sldNum" sz="quarter" idx="12"/>
+          </p:nvPr>
+        </p:nvSpPr>
+        <p:spPr/>
+        <p:txBody>
+          <a:bodyPr/>
+          <a:lstStyle/>
+          <a:p>
+            <a:fld id="{B0F15F4A-684E-4643-BA1B-247C2C06D712}" type="slidenum">
+              <a:rPr lang="en-US" smtClean="0"/>
+              <a:t>‹#›</a:t>
+            </a:fld>
+            <a:endParaRPr lang="en-US"/>
+          </a:p>
+        </p:txBody>
+      </p:sp>
+      <p:sp>
+        <p:nvSpPr>
+          <p:cNvPr id="24" name="TextBox 23"/>
+          <p:cNvSpPr txBox="1"/>
+          <p:nvPr/>
+        </p:nvSpPr>
+        <p:spPr>
+          <a:xfrm>
+            <a:off x="541870" y="790378"/>
+            <a:ext cx="609600" cy="584776"/>
+          </a:xfrm>
+          <a:prstGeom prst="rect">
+            <a:avLst/>
+          </a:prstGeom>
+        </p:spPr>
+        <p:txBody>
+          <a:bodyPr vert="horz" lIns="91440" tIns="45720" rIns="91440" bIns="45720" rtlCol="0" anchor="ctr">
+            <a:noAutofit/>
+          </a:bodyPr>
+          <a:lstStyle/>
+          <a:p>
+            <a:pPr lvl="0"/>
+            <a:r>
+              <a:rPr lang="en-US" sz="8000" baseline="0" dirty="0">
+                <a:ln w="3175" cmpd="sng">
+                  <a:noFill/>
+                </a:ln>
+                <a:solidFill>
+                  <a:schemeClr val="accent1">
+                    <a:lumMod val="60000"/>
+                    <a:lumOff val="40000"/>
+                  </a:schemeClr>
+                </a:solidFill>
+                <a:effectLst/>
+                <a:latin typeface="Arial"/>
+              </a:rPr>
+              <a:t>“</a:t>
+            </a:r>
+          </a:p>
+        </p:txBody>
+      </p:sp>
+      <p:sp>
+        <p:nvSpPr>
+          <p:cNvPr id="25" name="TextBox 24"/>
+          <p:cNvSpPr txBox="1"/>
+          <p:nvPr/>
+        </p:nvSpPr>
+        <p:spPr>
+          <a:xfrm>
+            <a:off x="8893011" y="2886556"/>
+            <a:ext cx="609600" cy="584776"/>
+          </a:xfrm>
+          <a:prstGeom prst="rect">
+            <a:avLst/>
+          </a:prstGeom>
+        </p:spPr>
+        <p:txBody>
+          <a:bodyPr vert="horz" lIns="91440" tIns="45720" rIns="91440" bIns="45720" rtlCol="0" anchor="ctr">
+            <a:noAutofit/>
+          </a:bodyPr>
+          <a:lstStyle/>
+          <a:p>
+            <a:pPr lvl="0"/>
+            <a:r>
+              <a:rPr lang="en-US" sz="8000" baseline="0" dirty="0">
+                <a:ln w="3175" cmpd="sng">
+                  <a:noFill/>
+                </a:ln>
+                <a:solidFill>
+                  <a:schemeClr val="accent1">
+                    <a:lumMod val="60000"/>
+                    <a:lumOff val="40000"/>
+                  </a:schemeClr>
+                </a:solidFill>
+                <a:effectLst/>
+                <a:latin typeface="Arial"/>
+              </a:rPr>
+              <a:t>”</a:t>
+            </a:r>
+          </a:p>
+        </p:txBody>
+      </p:sp>
+    </p:spTree>
+    <p:extLst>
+      <p:ext uri="{BB962C8B-B14F-4D97-AF65-F5344CB8AC3E}">
+        <p14:creationId xmlns:p14="http://schemas.microsoft.com/office/powerpoint/2010/main" val="1313804131"/>
+      </p:ext>
+    </p:extLst>
+  </p:cSld>
+  <p:clrMapOvr>
+    <a:masterClrMapping/>
+  </p:clrMapOvr>
+</p:sldLayout>
+</file>
+
+<file path=ppt/slideLayouts/slideLayout14.xml><?xml version="1.0" encoding="utf-8"?>
+<p:sldLayout xmlns:a="http://schemas.openxmlformats.org/drawingml/2006/main" xmlns:r="http://schemas.openxmlformats.org/officeDocument/2006/relationships" xmlns:p="http://schemas.openxmlformats.org/presentationml/2006/main" preserve="1">
+  <p:cSld name="True or False">
+    <p:spTree>
+      <p:nvGrpSpPr>
+        <p:cNvPr id="1" name=""/>
+        <p:cNvGrpSpPr/>
+        <p:nvPr/>
+      </p:nvGrpSpPr>
+      <p:grpSpPr>
+        <a:xfrm>
+          <a:off x="0" y="0"/>
+          <a:ext cx="0" cy="0"/>
+          <a:chOff x="0" y="0"/>
+          <a:chExt cx="0" cy="0"/>
+        </a:xfrm>
+      </p:grpSpPr>
+      <p:sp>
+        <p:nvSpPr>
+          <p:cNvPr id="2" name="Title 1"/>
+          <p:cNvSpPr>
+            <a:spLocks noGrp="1"/>
+          </p:cNvSpPr>
+          <p:nvPr>
+            <p:ph type="title"/>
+          </p:nvPr>
+        </p:nvSpPr>
+        <p:spPr>
+          <a:xfrm>
+            <a:off x="685799" y="609600"/>
+            <a:ext cx="8588203" cy="3022600"/>
+          </a:xfrm>
+        </p:spPr>
+        <p:txBody>
+          <a:bodyPr anchor="ctr">
+            <a:normAutofit/>
+          </a:bodyPr>
+          <a:lstStyle>
+            <a:lvl1pPr algn="l">
+              <a:defRPr sz="4400" b="0" cap="none"/>
+            </a:lvl1pPr>
+          </a:lstStyle>
+          <a:p>
+            <a:r>
+              <a:rPr lang="en-US"/>
+              <a:t>Click to edit Master title style</a:t>
+            </a:r>
+            <a:endParaRPr lang="en-US" dirty="0"/>
+          </a:p>
+        </p:txBody>
+      </p:sp>
+      <p:sp>
+        <p:nvSpPr>
+          <p:cNvPr id="23" name="Text Placeholder 9"/>
+          <p:cNvSpPr>
+            <a:spLocks noGrp="1"/>
+          </p:cNvSpPr>
+          <p:nvPr>
+            <p:ph type="body" sz="quarter" idx="13"/>
+          </p:nvPr>
+        </p:nvSpPr>
+        <p:spPr>
+          <a:xfrm>
+            <a:off x="677332" y="4013200"/>
+            <a:ext cx="8596669" cy="514248"/>
+          </a:xfrm>
+        </p:spPr>
+        <p:txBody>
+          <a:bodyPr anchor="b">
+            <a:noAutofit/>
+          </a:bodyPr>
+          <a:lstStyle>
+            <a:lvl1pPr marL="0" indent="0">
+              <a:buFontTx/>
+              <a:buNone/>
+              <a:defRPr sz="2400">
+                <a:solidFill>
+                  <a:schemeClr val="accent1"/>
+                </a:solidFill>
+              </a:defRPr>
+            </a:lvl1pPr>
+            <a:lvl2pPr marL="457200" indent="0">
+              <a:buFontTx/>
+              <a:buNone/>
+              <a:defRPr/>
+            </a:lvl2pPr>
+            <a:lvl3pPr marL="914400" indent="0">
+              <a:buFontTx/>
+              <a:buNone/>
+              <a:defRPr/>
+            </a:lvl3pPr>
+            <a:lvl4pPr marL="1371600" indent="0">
+              <a:buFontTx/>
+              <a:buNone/>
+              <a:defRPr/>
+            </a:lvl4pPr>
+            <a:lvl5pPr marL="1828800" indent="0">
+              <a:buFontTx/>
+              <a:buNone/>
+              <a:defRPr/>
+            </a:lvl5pPr>
+          </a:lstStyle>
+          <a:p>
+            <a:pPr lvl="0"/>
+            <a:r>
+              <a:rPr lang="en-US"/>
+              <a:t>Click to edit Master text styles</a:t>
+            </a:r>
+          </a:p>
+        </p:txBody>
+      </p:sp>
+      <p:sp>
+        <p:nvSpPr>
+          <p:cNvPr id="3" name="Text Placeholder 2"/>
+          <p:cNvSpPr>
+            <a:spLocks noGrp="1"/>
+          </p:cNvSpPr>
+          <p:nvPr>
+            <p:ph type="body" idx="1"/>
+          </p:nvPr>
+        </p:nvSpPr>
+        <p:spPr>
+          <a:xfrm>
+            <a:off x="677335" y="4527448"/>
+            <a:ext cx="8596668" cy="1513914"/>
+          </a:xfrm>
+        </p:spPr>
+        <p:txBody>
+          <a:bodyPr anchor="t">
+            <a:normAutofit/>
+          </a:bodyPr>
+          <a:lstStyle>
+            <a:lvl1pPr marL="0" indent="0" algn="l">
+              <a:buNone/>
+              <a:defRPr sz="1800">
+                <a:solidFill>
+                  <a:schemeClr val="tx1">
+                    <a:lumMod val="50000"/>
+                    <a:lumOff val="50000"/>
+                  </a:schemeClr>
+                </a:solidFill>
+              </a:defRPr>
+            </a:lvl1pPr>
+            <a:lvl2pPr marL="457200" indent="0">
+              <a:buNone/>
+              <a:defRPr sz="1800">
+                <a:solidFill>
+                  <a:schemeClr val="tx1">
+                    <a:tint val="75000"/>
+                  </a:schemeClr>
+                </a:solidFill>
+              </a:defRPr>
+            </a:lvl2pPr>
+            <a:lvl3pPr marL="914400" indent="0">
+              <a:buNone/>
+              <a:defRPr sz="1600">
+                <a:solidFill>
+                  <a:schemeClr val="tx1">
+                    <a:tint val="75000"/>
+                  </a:schemeClr>
+                </a:solidFill>
+              </a:defRPr>
+            </a:lvl3pPr>
+            <a:lvl4pPr marL="1371600" indent="0">
+              <a:buNone/>
+              <a:defRPr sz="1400">
+                <a:solidFill>
+                  <a:schemeClr val="tx1">
+                    <a:tint val="75000"/>
+                  </a:schemeClr>
+                </a:solidFill>
+              </a:defRPr>
+            </a:lvl4pPr>
+            <a:lvl5pPr marL="1828800" indent="0">
+              <a:buNone/>
+              <a:defRPr sz="1400">
+                <a:solidFill>
+                  <a:schemeClr val="tx1">
+                    <a:tint val="75000"/>
+                  </a:schemeClr>
+                </a:solidFill>
+              </a:defRPr>
+            </a:lvl5pPr>
+            <a:lvl6pPr marL="2286000" indent="0">
+              <a:buNone/>
+              <a:defRPr sz="1400">
+                <a:solidFill>
+                  <a:schemeClr val="tx1">
+                    <a:tint val="75000"/>
+                  </a:schemeClr>
+                </a:solidFill>
+              </a:defRPr>
+            </a:lvl6pPr>
+            <a:lvl7pPr marL="2743200" indent="0">
+              <a:buNone/>
+              <a:defRPr sz="1400">
+                <a:solidFill>
+                  <a:schemeClr val="tx1">
+                    <a:tint val="75000"/>
+                  </a:schemeClr>
+                </a:solidFill>
+              </a:defRPr>
+            </a:lvl7pPr>
+            <a:lvl8pPr marL="3200400" indent="0">
+              <a:buNone/>
+              <a:defRPr sz="1400">
+                <a:solidFill>
+                  <a:schemeClr val="tx1">
+                    <a:tint val="75000"/>
+                  </a:schemeClr>
+                </a:solidFill>
+              </a:defRPr>
+            </a:lvl8pPr>
+            <a:lvl9pPr marL="3657600" indent="0">
+              <a:buNone/>
+              <a:defRPr sz="1400">
+                <a:solidFill>
+                  <a:schemeClr val="tx1">
+                    <a:tint val="75000"/>
+                  </a:schemeClr>
+                </a:solidFill>
+              </a:defRPr>
+            </a:lvl9pPr>
+          </a:lstStyle>
+          <a:p>
+            <a:pPr lvl="0"/>
+            <a:r>
+              <a:rPr lang="en-US"/>
+              <a:t>Click to edit Master text styles</a:t>
+            </a:r>
+          </a:p>
+        </p:txBody>
+      </p:sp>
+      <p:sp>
+        <p:nvSpPr>
+          <p:cNvPr id="4" name="Date Placeholder 3"/>
+          <p:cNvSpPr>
+            <a:spLocks noGrp="1"/>
+          </p:cNvSpPr>
+          <p:nvPr>
+            <p:ph type="dt" sz="half" idx="10"/>
+          </p:nvPr>
+        </p:nvSpPr>
+        <p:spPr/>
+        <p:txBody>
+          <a:bodyPr/>
+          <a:lstStyle/>
+          <a:p>
+            <a:fld id="{766177EB-25AC-4598-A70B-CA063240D9FF}" type="datetimeFigureOut">
+              <a:rPr lang="en-US" smtClean="0"/>
+              <a:t>3/18/2025</a:t>
+            </a:fld>
+            <a:endParaRPr lang="en-US"/>
+          </a:p>
+        </p:txBody>
+      </p:sp>
+      <p:sp>
+        <p:nvSpPr>
+          <p:cNvPr id="5" name="Footer Placeholder 4"/>
+          <p:cNvSpPr>
+            <a:spLocks noGrp="1"/>
+          </p:cNvSpPr>
+          <p:nvPr>
+            <p:ph type="ftr" sz="quarter" idx="11"/>
+          </p:nvPr>
+        </p:nvSpPr>
+        <p:spPr/>
+        <p:txBody>
+          <a:bodyPr/>
+          <a:lstStyle/>
+          <a:p>
+            <a:endParaRPr lang="en-US"/>
+          </a:p>
+        </p:txBody>
+      </p:sp>
+      <p:sp>
+        <p:nvSpPr>
+          <p:cNvPr id="6" name="Slide Number Placeholder 5"/>
+          <p:cNvSpPr>
+            <a:spLocks noGrp="1"/>
+          </p:cNvSpPr>
+          <p:nvPr>
+            <p:ph type="sldNum" sz="quarter" idx="12"/>
+          </p:nvPr>
+        </p:nvSpPr>
+        <p:spPr/>
+        <p:txBody>
+          <a:bodyPr/>
+          <a:lstStyle/>
+          <a:p>
+            <a:fld id="{B0F15F4A-684E-4643-BA1B-247C2C06D712}" type="slidenum">
+              <a:rPr lang="en-US" smtClean="0"/>
+              <a:t>‹#›</a:t>
+            </a:fld>
+            <a:endParaRPr lang="en-US"/>
+          </a:p>
+        </p:txBody>
+      </p:sp>
+    </p:spTree>
+    <p:extLst>
+      <p:ext uri="{BB962C8B-B14F-4D97-AF65-F5344CB8AC3E}">
+        <p14:creationId xmlns:p14="http://schemas.microsoft.com/office/powerpoint/2010/main" val="3131984341"/>
+      </p:ext>
+    </p:extLst>
+  </p:cSld>
+  <p:clrMapOvr>
+    <a:masterClrMapping/>
+  </p:clrMapOvr>
+</p:sldLayout>
+</file>
+
+<file path=ppt/slideLayouts/slideLayout15.xml><?xml version="1.0" encoding="utf-8"?>
 <p:sldLayout xmlns:a="http://schemas.openxmlformats.org/drawingml/2006/main" xmlns:r="http://schemas.openxmlformats.org/officeDocument/2006/relationships" xmlns:p="http://schemas.openxmlformats.org/presentationml/2006/main" type="vertTx" preserve="1">
   <p:cSld name="Title and Vertical Text">
     <p:spTree>
@@ -356,13 +2537,7 @@
       </p:grpSpPr>
       <p:sp>
         <p:nvSpPr>
-          <p:cNvPr id="2" name="Title 1">
-            <a:extLst>
-              <a:ext uri="{FF2B5EF4-FFF2-40B4-BE49-F238E27FC236}">
-                <a16:creationId xmlns:a16="http://schemas.microsoft.com/office/drawing/2014/main" id="{319215E7-5B40-20B3-D558-02B2579139EE}"/>
-              </a:ext>
-            </a:extLst>
-          </p:cNvPr>
+          <p:cNvPr id="2" name="Title 1"/>
           <p:cNvSpPr>
             <a:spLocks noGrp="1"/>
           </p:cNvSpPr>
@@ -379,18 +2554,13 @@
               <a:rPr lang="en-US"/>
               <a:t>Click to edit Master title style</a:t>
             </a:r>
-          </a:p>
-        </p:txBody>
-      </p:sp>
-      <p:sp>
-        <p:nvSpPr>
-          <p:cNvPr id="3" name="Vertical Text Placeholder 2">
-            <a:extLst>
-              <a:ext uri="{FF2B5EF4-FFF2-40B4-BE49-F238E27FC236}">
-                <a16:creationId xmlns:a16="http://schemas.microsoft.com/office/drawing/2014/main" id="{421594E1-0AE0-DE8F-AEE5-9D52ED2E9972}"/>
-              </a:ext>
-            </a:extLst>
-          </p:cNvPr>
+            <a:endParaRPr lang="en-US" dirty="0"/>
+          </a:p>
+        </p:txBody>
+      </p:sp>
+      <p:sp>
+        <p:nvSpPr>
+          <p:cNvPr id="3" name="Vertical Text Placeholder 2"/>
           <p:cNvSpPr>
             <a:spLocks noGrp="1"/>
           </p:cNvSpPr>
@@ -436,18 +2606,13 @@
               <a:rPr lang="en-US"/>
               <a:t>Fifth level</a:t>
             </a:r>
-          </a:p>
-        </p:txBody>
-      </p:sp>
-      <p:sp>
-        <p:nvSpPr>
-          <p:cNvPr id="4" name="Date Placeholder 3">
-            <a:extLst>
-              <a:ext uri="{FF2B5EF4-FFF2-40B4-BE49-F238E27FC236}">
-                <a16:creationId xmlns:a16="http://schemas.microsoft.com/office/drawing/2014/main" id="{6CC2EC40-394C-F30E-EEE9-4BB9165882DF}"/>
-              </a:ext>
-            </a:extLst>
-          </p:cNvPr>
+            <a:endParaRPr lang="en-US" dirty="0"/>
+          </a:p>
+        </p:txBody>
+      </p:sp>
+      <p:sp>
+        <p:nvSpPr>
+          <p:cNvPr id="4" name="Date Placeholder 3"/>
           <p:cNvSpPr>
             <a:spLocks noGrp="1"/>
           </p:cNvSpPr>
@@ -470,13 +2635,7 @@
       </p:sp>
       <p:sp>
         <p:nvSpPr>
-          <p:cNvPr id="5" name="Footer Placeholder 4">
-            <a:extLst>
-              <a:ext uri="{FF2B5EF4-FFF2-40B4-BE49-F238E27FC236}">
-                <a16:creationId xmlns:a16="http://schemas.microsoft.com/office/drawing/2014/main" id="{F83B9E97-606C-DC50-1A34-EC337B1AD4BB}"/>
-              </a:ext>
-            </a:extLst>
-          </p:cNvPr>
+          <p:cNvPr id="5" name="Footer Placeholder 4"/>
           <p:cNvSpPr>
             <a:spLocks noGrp="1"/>
           </p:cNvSpPr>
@@ -495,13 +2654,7 @@
       </p:sp>
       <p:sp>
         <p:nvSpPr>
-          <p:cNvPr id="6" name="Slide Number Placeholder 5">
-            <a:extLst>
-              <a:ext uri="{FF2B5EF4-FFF2-40B4-BE49-F238E27FC236}">
-                <a16:creationId xmlns:a16="http://schemas.microsoft.com/office/drawing/2014/main" id="{F5722D0B-53EB-94DF-9408-8E58A811422F}"/>
-              </a:ext>
-            </a:extLst>
-          </p:cNvPr>
+          <p:cNvPr id="6" name="Slide Number Placeholder 5"/>
           <p:cNvSpPr>
             <a:spLocks noGrp="1"/>
           </p:cNvSpPr>
@@ -525,7 +2678,7 @@
     </p:spTree>
     <p:extLst>
       <p:ext uri="{BB962C8B-B14F-4D97-AF65-F5344CB8AC3E}">
-        <p14:creationId xmlns:p14="http://schemas.microsoft.com/office/powerpoint/2010/main" val="903495459"/>
+        <p14:creationId xmlns:p14="http://schemas.microsoft.com/office/powerpoint/2010/main" val="1596215332"/>
       </p:ext>
     </p:extLst>
   </p:cSld>
@@ -535,7 +2688,7 @@
 </p:sldLayout>
 </file>
 
-<file path=ppt/slideLayouts/slideLayout11.xml><?xml version="1.0" encoding="utf-8"?>
+<file path=ppt/slideLayouts/slideLayout16.xml><?xml version="1.0" encoding="utf-8"?>
 <p:sldLayout xmlns:a="http://schemas.openxmlformats.org/drawingml/2006/main" xmlns:r="http://schemas.openxmlformats.org/officeDocument/2006/relationships" xmlns:p="http://schemas.openxmlformats.org/presentationml/2006/main" type="vertTitleAndTx" preserve="1">
   <p:cSld name="Vertical Title and Text">
     <p:spTree>
@@ -554,13 +2707,7 @@
       </p:grpSpPr>
       <p:sp>
         <p:nvSpPr>
-          <p:cNvPr id="2" name="Vertical Title 1">
-            <a:extLst>
-              <a:ext uri="{FF2B5EF4-FFF2-40B4-BE49-F238E27FC236}">
-                <a16:creationId xmlns:a16="http://schemas.microsoft.com/office/drawing/2014/main" id="{02355F33-2845-D1FA-8F0E-8D7347DC20F1}"/>
-              </a:ext>
-            </a:extLst>
-          </p:cNvPr>
+          <p:cNvPr id="2" name="Vertical Title 1"/>
           <p:cNvSpPr>
             <a:spLocks noGrp="1"/>
           </p:cNvSpPr>
@@ -570,30 +2717,25 @@
         </p:nvSpPr>
         <p:spPr>
           <a:xfrm>
-            <a:off x="8724900" y="365125"/>
-            <a:ext cx="2628900" cy="5811838"/>
+            <a:off x="7967673" y="609599"/>
+            <a:ext cx="1304743" cy="5251451"/>
           </a:xfrm>
         </p:spPr>
         <p:txBody>
-          <a:bodyPr vert="eaVert"/>
+          <a:bodyPr vert="eaVert" anchor="ctr"/>
           <a:lstStyle/>
           <a:p>
             <a:r>
               <a:rPr lang="en-US"/>
               <a:t>Click to edit Master title style</a:t>
             </a:r>
-          </a:p>
-        </p:txBody>
-      </p:sp>
-      <p:sp>
-        <p:nvSpPr>
-          <p:cNvPr id="3" name="Vertical Text Placeholder 2">
-            <a:extLst>
-              <a:ext uri="{FF2B5EF4-FFF2-40B4-BE49-F238E27FC236}">
-                <a16:creationId xmlns:a16="http://schemas.microsoft.com/office/drawing/2014/main" id="{B5A897DE-F2D8-1704-450E-4928D66BEC4B}"/>
-              </a:ext>
-            </a:extLst>
-          </p:cNvPr>
+            <a:endParaRPr lang="en-US" dirty="0"/>
+          </a:p>
+        </p:txBody>
+      </p:sp>
+      <p:sp>
+        <p:nvSpPr>
+          <p:cNvPr id="3" name="Vertical Text Placeholder 2"/>
           <p:cNvSpPr>
             <a:spLocks noGrp="1"/>
           </p:cNvSpPr>
@@ -603,8 +2745,8 @@
         </p:nvSpPr>
         <p:spPr>
           <a:xfrm>
-            <a:off x="838200" y="365125"/>
-            <a:ext cx="7734300" cy="5811838"/>
+            <a:off x="677335" y="609600"/>
+            <a:ext cx="7060150" cy="5251450"/>
           </a:xfrm>
         </p:spPr>
         <p:txBody>
@@ -644,18 +2786,13 @@
               <a:rPr lang="en-US"/>
               <a:t>Fifth level</a:t>
             </a:r>
-          </a:p>
-        </p:txBody>
-      </p:sp>
-      <p:sp>
-        <p:nvSpPr>
-          <p:cNvPr id="4" name="Date Placeholder 3">
-            <a:extLst>
-              <a:ext uri="{FF2B5EF4-FFF2-40B4-BE49-F238E27FC236}">
-                <a16:creationId xmlns:a16="http://schemas.microsoft.com/office/drawing/2014/main" id="{A88B9E0D-5BEB-D865-265F-FB225C889F8E}"/>
-              </a:ext>
-            </a:extLst>
-          </p:cNvPr>
+            <a:endParaRPr lang="en-US" dirty="0"/>
+          </a:p>
+        </p:txBody>
+      </p:sp>
+      <p:sp>
+        <p:nvSpPr>
+          <p:cNvPr id="4" name="Date Placeholder 3"/>
           <p:cNvSpPr>
             <a:spLocks noGrp="1"/>
           </p:cNvSpPr>
@@ -678,13 +2815,7 @@
       </p:sp>
       <p:sp>
         <p:nvSpPr>
-          <p:cNvPr id="5" name="Footer Placeholder 4">
-            <a:extLst>
-              <a:ext uri="{FF2B5EF4-FFF2-40B4-BE49-F238E27FC236}">
-                <a16:creationId xmlns:a16="http://schemas.microsoft.com/office/drawing/2014/main" id="{710EFAFF-1172-9944-75F6-C0F11732EC5B}"/>
-              </a:ext>
-            </a:extLst>
-          </p:cNvPr>
+          <p:cNvPr id="5" name="Footer Placeholder 4"/>
           <p:cNvSpPr>
             <a:spLocks noGrp="1"/>
           </p:cNvSpPr>
@@ -703,13 +2834,7 @@
       </p:sp>
       <p:sp>
         <p:nvSpPr>
-          <p:cNvPr id="6" name="Slide Number Placeholder 5">
-            <a:extLst>
-              <a:ext uri="{FF2B5EF4-FFF2-40B4-BE49-F238E27FC236}">
-                <a16:creationId xmlns:a16="http://schemas.microsoft.com/office/drawing/2014/main" id="{C7B0AE07-A09A-BC3A-D097-0A80A5761E80}"/>
-              </a:ext>
-            </a:extLst>
-          </p:cNvPr>
+          <p:cNvPr id="6" name="Slide Number Placeholder 5"/>
           <p:cNvSpPr>
             <a:spLocks noGrp="1"/>
           </p:cNvSpPr>
@@ -733,7 +2858,7 @@
     </p:spTree>
     <p:extLst>
       <p:ext uri="{BB962C8B-B14F-4D97-AF65-F5344CB8AC3E}">
-        <p14:creationId xmlns:p14="http://schemas.microsoft.com/office/powerpoint/2010/main" val="501241441"/>
+        <p14:creationId xmlns:p14="http://schemas.microsoft.com/office/powerpoint/2010/main" val="2131888900"/>
       </p:ext>
     </p:extLst>
   </p:cSld>
@@ -762,13 +2887,7 @@
       </p:grpSpPr>
       <p:sp>
         <p:nvSpPr>
-          <p:cNvPr id="2" name="Title 1">
-            <a:extLst>
-              <a:ext uri="{FF2B5EF4-FFF2-40B4-BE49-F238E27FC236}">
-                <a16:creationId xmlns:a16="http://schemas.microsoft.com/office/drawing/2014/main" id="{41F69976-D15B-56DF-A027-533FD400566A}"/>
-              </a:ext>
-            </a:extLst>
-          </p:cNvPr>
+          <p:cNvPr id="2" name="Title 1"/>
           <p:cNvSpPr>
             <a:spLocks noGrp="1"/>
           </p:cNvSpPr>
@@ -778,37 +2897,38 @@
         </p:nvSpPr>
         <p:spPr/>
         <p:txBody>
+          <a:bodyPr>
+            <a:normAutofit/>
+          </a:bodyPr>
+          <a:lstStyle>
+            <a:lvl1pPr>
+              <a:defRPr sz="3600"/>
+            </a:lvl1pPr>
+          </a:lstStyle>
+          <a:p>
+            <a:r>
+              <a:rPr lang="en-US"/>
+              <a:t>Click to edit Master title style</a:t>
+            </a:r>
+            <a:endParaRPr lang="en-US" dirty="0"/>
+          </a:p>
+        </p:txBody>
+      </p:sp>
+      <p:sp>
+        <p:nvSpPr>
+          <p:cNvPr id="3" name="Content Placeholder 2"/>
+          <p:cNvSpPr>
+            <a:spLocks noGrp="1"/>
+          </p:cNvSpPr>
+          <p:nvPr>
+            <p:ph idx="1"/>
+          </p:nvPr>
+        </p:nvSpPr>
+        <p:spPr/>
+        <p:txBody>
           <a:bodyPr/>
           <a:lstStyle/>
           <a:p>
-            <a:r>
-              <a:rPr lang="en-US"/>
-              <a:t>Click to edit Master title style</a:t>
-            </a:r>
-          </a:p>
-        </p:txBody>
-      </p:sp>
-      <p:sp>
-        <p:nvSpPr>
-          <p:cNvPr id="3" name="Content Placeholder 2">
-            <a:extLst>
-              <a:ext uri="{FF2B5EF4-FFF2-40B4-BE49-F238E27FC236}">
-                <a16:creationId xmlns:a16="http://schemas.microsoft.com/office/drawing/2014/main" id="{5EE11000-D843-75E4-0056-84CA03B62B1E}"/>
-              </a:ext>
-            </a:extLst>
-          </p:cNvPr>
-          <p:cNvSpPr>
-            <a:spLocks noGrp="1"/>
-          </p:cNvSpPr>
-          <p:nvPr>
-            <p:ph idx="1"/>
-          </p:nvPr>
-        </p:nvSpPr>
-        <p:spPr/>
-        <p:txBody>
-          <a:bodyPr/>
-          <a:lstStyle/>
-          <a:p>
             <a:pPr lvl="0"/>
             <a:r>
               <a:rPr lang="en-US"/>
@@ -842,18 +2962,13 @@
               <a:rPr lang="en-US"/>
               <a:t>Fifth level</a:t>
             </a:r>
-          </a:p>
-        </p:txBody>
-      </p:sp>
-      <p:sp>
-        <p:nvSpPr>
-          <p:cNvPr id="4" name="Date Placeholder 3">
-            <a:extLst>
-              <a:ext uri="{FF2B5EF4-FFF2-40B4-BE49-F238E27FC236}">
-                <a16:creationId xmlns:a16="http://schemas.microsoft.com/office/drawing/2014/main" id="{93201814-CF8B-85F1-21D9-D9C7247C70BB}"/>
-              </a:ext>
-            </a:extLst>
-          </p:cNvPr>
+            <a:endParaRPr lang="en-US" dirty="0"/>
+          </a:p>
+        </p:txBody>
+      </p:sp>
+      <p:sp>
+        <p:nvSpPr>
+          <p:cNvPr id="4" name="Date Placeholder 3"/>
           <p:cNvSpPr>
             <a:spLocks noGrp="1"/>
           </p:cNvSpPr>
@@ -876,13 +2991,7 @@
       </p:sp>
       <p:sp>
         <p:nvSpPr>
-          <p:cNvPr id="5" name="Footer Placeholder 4">
-            <a:extLst>
-              <a:ext uri="{FF2B5EF4-FFF2-40B4-BE49-F238E27FC236}">
-                <a16:creationId xmlns:a16="http://schemas.microsoft.com/office/drawing/2014/main" id="{A1946FD9-3B56-F679-4C57-D7C3BFD31733}"/>
-              </a:ext>
-            </a:extLst>
-          </p:cNvPr>
+          <p:cNvPr id="5" name="Footer Placeholder 4"/>
           <p:cNvSpPr>
             <a:spLocks noGrp="1"/>
           </p:cNvSpPr>
@@ -901,13 +3010,7 @@
       </p:sp>
       <p:sp>
         <p:nvSpPr>
-          <p:cNvPr id="6" name="Slide Number Placeholder 5">
-            <a:extLst>
-              <a:ext uri="{FF2B5EF4-FFF2-40B4-BE49-F238E27FC236}">
-                <a16:creationId xmlns:a16="http://schemas.microsoft.com/office/drawing/2014/main" id="{9E2D80E7-2C6D-B4E0-B084-08F989464E29}"/>
-              </a:ext>
-            </a:extLst>
-          </p:cNvPr>
+          <p:cNvPr id="6" name="Slide Number Placeholder 5"/>
           <p:cNvSpPr>
             <a:spLocks noGrp="1"/>
           </p:cNvSpPr>
@@ -931,7 +3034,7 @@
     </p:spTree>
     <p:extLst>
       <p:ext uri="{BB962C8B-B14F-4D97-AF65-F5344CB8AC3E}">
-        <p14:creationId xmlns:p14="http://schemas.microsoft.com/office/powerpoint/2010/main" val="4020366652"/>
+        <p14:creationId xmlns:p14="http://schemas.microsoft.com/office/powerpoint/2010/main" val="899017778"/>
       </p:ext>
     </p:extLst>
   </p:cSld>
@@ -960,13 +3063,7 @@
       </p:grpSpPr>
       <p:sp>
         <p:nvSpPr>
-          <p:cNvPr id="2" name="Title 1">
-            <a:extLst>
-              <a:ext uri="{FF2B5EF4-FFF2-40B4-BE49-F238E27FC236}">
-                <a16:creationId xmlns:a16="http://schemas.microsoft.com/office/drawing/2014/main" id="{5DB2C34A-4EE5-9595-FFCA-12755353919C}"/>
-              </a:ext>
-            </a:extLst>
-          </p:cNvPr>
+          <p:cNvPr id="2" name="Title 1"/>
           <p:cNvSpPr>
             <a:spLocks noGrp="1"/>
           </p:cNvSpPr>
@@ -976,15 +3073,15 @@
         </p:nvSpPr>
         <p:spPr>
           <a:xfrm>
-            <a:off x="831850" y="1709738"/>
-            <a:ext cx="10515600" cy="2852737"/>
+            <a:off x="677335" y="2700867"/>
+            <a:ext cx="8596668" cy="1826581"/>
           </a:xfrm>
         </p:spPr>
         <p:txBody>
           <a:bodyPr anchor="b"/>
           <a:lstStyle>
-            <a:lvl1pPr>
-              <a:defRPr sz="6000"/>
+            <a:lvl1pPr algn="l">
+              <a:defRPr sz="4000" b="0" cap="none"/>
             </a:lvl1pPr>
           </a:lstStyle>
           <a:p>
@@ -992,18 +3089,13 @@
               <a:rPr lang="en-US"/>
               <a:t>Click to edit Master title style</a:t>
             </a:r>
-          </a:p>
-        </p:txBody>
-      </p:sp>
-      <p:sp>
-        <p:nvSpPr>
-          <p:cNvPr id="3" name="Text Placeholder 2">
-            <a:extLst>
-              <a:ext uri="{FF2B5EF4-FFF2-40B4-BE49-F238E27FC236}">
-                <a16:creationId xmlns:a16="http://schemas.microsoft.com/office/drawing/2014/main" id="{C2F895A8-07EA-3D0B-0204-CA55A64D1B8A}"/>
-              </a:ext>
-            </a:extLst>
-          </p:cNvPr>
+            <a:endParaRPr lang="en-US" dirty="0"/>
+          </a:p>
+        </p:txBody>
+      </p:sp>
+      <p:sp>
+        <p:nvSpPr>
+          <p:cNvPr id="3" name="Text Placeholder 2"/>
           <p:cNvSpPr>
             <a:spLocks noGrp="1"/>
           </p:cNvSpPr>
@@ -1013,102 +3105,103 @@
         </p:nvSpPr>
         <p:spPr>
           <a:xfrm>
-            <a:off x="831850" y="4589463"/>
-            <a:ext cx="10515600" cy="1500187"/>
+            <a:off x="677335" y="4527448"/>
+            <a:ext cx="8596668" cy="860400"/>
           </a:xfrm>
         </p:spPr>
         <p:txBody>
-          <a:bodyPr/>
+          <a:bodyPr anchor="t"/>
           <a:lstStyle>
-            <a:lvl1pPr marL="0" indent="0">
-              <a:buNone/>
-              <a:defRPr sz="2400">
+            <a:lvl1pPr marL="0" indent="0" algn="l">
+              <a:buNone/>
+              <a:defRPr sz="2000">
+                <a:solidFill>
+                  <a:schemeClr val="tx1">
+                    <a:lumMod val="50000"/>
+                    <a:lumOff val="50000"/>
+                  </a:schemeClr>
+                </a:solidFill>
+              </a:defRPr>
+            </a:lvl1pPr>
+            <a:lvl2pPr marL="457200" indent="0">
+              <a:buNone/>
+              <a:defRPr sz="1800">
                 <a:solidFill>
                   <a:schemeClr val="tx1">
                     <a:tint val="75000"/>
                   </a:schemeClr>
                 </a:solidFill>
               </a:defRPr>
-            </a:lvl1pPr>
-            <a:lvl2pPr marL="457200" indent="0">
-              <a:buNone/>
-              <a:defRPr sz="2000">
+            </a:lvl2pPr>
+            <a:lvl3pPr marL="914400" indent="0">
+              <a:buNone/>
+              <a:defRPr sz="1600">
                 <a:solidFill>
                   <a:schemeClr val="tx1">
                     <a:tint val="75000"/>
                   </a:schemeClr>
                 </a:solidFill>
               </a:defRPr>
-            </a:lvl2pPr>
-            <a:lvl3pPr marL="914400" indent="0">
-              <a:buNone/>
-              <a:defRPr sz="1800">
+            </a:lvl3pPr>
+            <a:lvl4pPr marL="1371600" indent="0">
+              <a:buNone/>
+              <a:defRPr sz="1400">
                 <a:solidFill>
                   <a:schemeClr val="tx1">
                     <a:tint val="75000"/>
                   </a:schemeClr>
                 </a:solidFill>
               </a:defRPr>
-            </a:lvl3pPr>
-            <a:lvl4pPr marL="1371600" indent="0">
-              <a:buNone/>
-              <a:defRPr sz="1600">
+            </a:lvl4pPr>
+            <a:lvl5pPr marL="1828800" indent="0">
+              <a:buNone/>
+              <a:defRPr sz="1400">
                 <a:solidFill>
                   <a:schemeClr val="tx1">
                     <a:tint val="75000"/>
                   </a:schemeClr>
                 </a:solidFill>
               </a:defRPr>
-            </a:lvl4pPr>
-            <a:lvl5pPr marL="1828800" indent="0">
-              <a:buNone/>
-              <a:defRPr sz="1600">
+            </a:lvl5pPr>
+            <a:lvl6pPr marL="2286000" indent="0">
+              <a:buNone/>
+              <a:defRPr sz="1400">
                 <a:solidFill>
                   <a:schemeClr val="tx1">
                     <a:tint val="75000"/>
                   </a:schemeClr>
                 </a:solidFill>
               </a:defRPr>
-            </a:lvl5pPr>
-            <a:lvl6pPr marL="2286000" indent="0">
-              <a:buNone/>
-              <a:defRPr sz="1600">
+            </a:lvl6pPr>
+            <a:lvl7pPr marL="2743200" indent="0">
+              <a:buNone/>
+              <a:defRPr sz="1400">
                 <a:solidFill>
                   <a:schemeClr val="tx1">
                     <a:tint val="75000"/>
                   </a:schemeClr>
                 </a:solidFill>
               </a:defRPr>
-            </a:lvl6pPr>
-            <a:lvl7pPr marL="2743200" indent="0">
-              <a:buNone/>
-              <a:defRPr sz="1600">
+            </a:lvl7pPr>
+            <a:lvl8pPr marL="3200400" indent="0">
+              <a:buNone/>
+              <a:defRPr sz="1400">
                 <a:solidFill>
                   <a:schemeClr val="tx1">
                     <a:tint val="75000"/>
                   </a:schemeClr>
                 </a:solidFill>
               </a:defRPr>
-            </a:lvl7pPr>
-            <a:lvl8pPr marL="3200400" indent="0">
-              <a:buNone/>
-              <a:defRPr sz="1600">
+            </a:lvl8pPr>
+            <a:lvl9pPr marL="3657600" indent="0">
+              <a:buNone/>
+              <a:defRPr sz="1400">
                 <a:solidFill>
                   <a:schemeClr val="tx1">
                     <a:tint val="75000"/>
                   </a:schemeClr>
                 </a:solidFill>
               </a:defRPr>
-            </a:lvl8pPr>
-            <a:lvl9pPr marL="3657600" indent="0">
-              <a:buNone/>
-              <a:defRPr sz="1600">
-                <a:solidFill>
-                  <a:schemeClr val="tx1">
-                    <a:tint val="75000"/>
-                  </a:schemeClr>
-                </a:solidFill>
-              </a:defRPr>
             </a:lvl9pPr>
           </a:lstStyle>
           <a:p>
@@ -1122,13 +3215,7 @@
       </p:sp>
       <p:sp>
         <p:nvSpPr>
-          <p:cNvPr id="4" name="Date Placeholder 3">
-            <a:extLst>
-              <a:ext uri="{FF2B5EF4-FFF2-40B4-BE49-F238E27FC236}">
-                <a16:creationId xmlns:a16="http://schemas.microsoft.com/office/drawing/2014/main" id="{77F49F60-B07F-AE07-1494-892E776C1C68}"/>
-              </a:ext>
-            </a:extLst>
-          </p:cNvPr>
+          <p:cNvPr id="4" name="Date Placeholder 3"/>
           <p:cNvSpPr>
             <a:spLocks noGrp="1"/>
           </p:cNvSpPr>
@@ -1151,13 +3238,7 @@
       </p:sp>
       <p:sp>
         <p:nvSpPr>
-          <p:cNvPr id="5" name="Footer Placeholder 4">
-            <a:extLst>
-              <a:ext uri="{FF2B5EF4-FFF2-40B4-BE49-F238E27FC236}">
-                <a16:creationId xmlns:a16="http://schemas.microsoft.com/office/drawing/2014/main" id="{CCA8EE67-C35F-64F1-CC08-D98288B8D528}"/>
-              </a:ext>
-            </a:extLst>
-          </p:cNvPr>
+          <p:cNvPr id="5" name="Footer Placeholder 4"/>
           <p:cNvSpPr>
             <a:spLocks noGrp="1"/>
           </p:cNvSpPr>
@@ -1176,13 +3257,7 @@
       </p:sp>
       <p:sp>
         <p:nvSpPr>
-          <p:cNvPr id="6" name="Slide Number Placeholder 5">
-            <a:extLst>
-              <a:ext uri="{FF2B5EF4-FFF2-40B4-BE49-F238E27FC236}">
-                <a16:creationId xmlns:a16="http://schemas.microsoft.com/office/drawing/2014/main" id="{74124DBE-33B6-0BD5-15A7-9AE85B54AA0C}"/>
-              </a:ext>
-            </a:extLst>
-          </p:cNvPr>
+          <p:cNvPr id="6" name="Slide Number Placeholder 5"/>
           <p:cNvSpPr>
             <a:spLocks noGrp="1"/>
           </p:cNvSpPr>
@@ -1206,7 +3281,7 @@
     </p:spTree>
     <p:extLst>
       <p:ext uri="{BB962C8B-B14F-4D97-AF65-F5344CB8AC3E}">
-        <p14:creationId xmlns:p14="http://schemas.microsoft.com/office/powerpoint/2010/main" val="202223664"/>
+        <p14:creationId xmlns:p14="http://schemas.microsoft.com/office/powerpoint/2010/main" val="2619679975"/>
       </p:ext>
     </p:extLst>
   </p:cSld>
@@ -1235,13 +3310,7 @@
       </p:grpSpPr>
       <p:sp>
         <p:nvSpPr>
-          <p:cNvPr id="2" name="Title 1">
-            <a:extLst>
-              <a:ext uri="{FF2B5EF4-FFF2-40B4-BE49-F238E27FC236}">
-                <a16:creationId xmlns:a16="http://schemas.microsoft.com/office/drawing/2014/main" id="{0C992673-6614-DF95-B41D-629B92464D7C}"/>
-              </a:ext>
-            </a:extLst>
-          </p:cNvPr>
+          <p:cNvPr id="2" name="Title 1"/>
           <p:cNvSpPr>
             <a:spLocks noGrp="1"/>
           </p:cNvSpPr>
@@ -1258,18 +3327,13 @@
               <a:rPr lang="en-US"/>
               <a:t>Click to edit Master title style</a:t>
             </a:r>
-          </a:p>
-        </p:txBody>
-      </p:sp>
-      <p:sp>
-        <p:nvSpPr>
-          <p:cNvPr id="3" name="Content Placeholder 2">
-            <a:extLst>
-              <a:ext uri="{FF2B5EF4-FFF2-40B4-BE49-F238E27FC236}">
-                <a16:creationId xmlns:a16="http://schemas.microsoft.com/office/drawing/2014/main" id="{14F5C244-3340-7BED-3A6D-DB07F247D80A}"/>
-              </a:ext>
-            </a:extLst>
-          </p:cNvPr>
+            <a:endParaRPr lang="en-US" dirty="0"/>
+          </a:p>
+        </p:txBody>
+      </p:sp>
+      <p:sp>
+        <p:nvSpPr>
+          <p:cNvPr id="3" name="Content Placeholder 2"/>
           <p:cNvSpPr>
             <a:spLocks noGrp="1"/>
           </p:cNvSpPr>
@@ -1279,8 +3343,8 @@
         </p:nvSpPr>
         <p:spPr>
           <a:xfrm>
-            <a:off x="838200" y="1825625"/>
-            <a:ext cx="5181600" cy="4351338"/>
+            <a:off x="677334" y="2160589"/>
+            <a:ext cx="4184035" cy="3880772"/>
           </a:xfrm>
         </p:spPr>
         <p:txBody>
@@ -1320,18 +3384,13 @@
               <a:rPr lang="en-US"/>
               <a:t>Fifth level</a:t>
             </a:r>
-          </a:p>
-        </p:txBody>
-      </p:sp>
-      <p:sp>
-        <p:nvSpPr>
-          <p:cNvPr id="4" name="Content Placeholder 3">
-            <a:extLst>
-              <a:ext uri="{FF2B5EF4-FFF2-40B4-BE49-F238E27FC236}">
-                <a16:creationId xmlns:a16="http://schemas.microsoft.com/office/drawing/2014/main" id="{429C4E63-8413-F04F-5C61-22D83A3E9E9E}"/>
-              </a:ext>
-            </a:extLst>
-          </p:cNvPr>
+            <a:endParaRPr lang="en-US" dirty="0"/>
+          </a:p>
+        </p:txBody>
+      </p:sp>
+      <p:sp>
+        <p:nvSpPr>
+          <p:cNvPr id="4" name="Content Placeholder 3"/>
           <p:cNvSpPr>
             <a:spLocks noGrp="1"/>
           </p:cNvSpPr>
@@ -1341,8 +3400,8 @@
         </p:nvSpPr>
         <p:spPr>
           <a:xfrm>
-            <a:off x="6172200" y="1825625"/>
-            <a:ext cx="5181600" cy="4351338"/>
+            <a:off x="5089970" y="2160589"/>
+            <a:ext cx="4184034" cy="3880773"/>
           </a:xfrm>
         </p:spPr>
         <p:txBody>
@@ -1382,18 +3441,13 @@
               <a:rPr lang="en-US"/>
               <a:t>Fifth level</a:t>
             </a:r>
-          </a:p>
-        </p:txBody>
-      </p:sp>
-      <p:sp>
-        <p:nvSpPr>
-          <p:cNvPr id="5" name="Date Placeholder 4">
-            <a:extLst>
-              <a:ext uri="{FF2B5EF4-FFF2-40B4-BE49-F238E27FC236}">
-                <a16:creationId xmlns:a16="http://schemas.microsoft.com/office/drawing/2014/main" id="{FC67C50E-A9BE-B590-4974-F9F678CB8A0B}"/>
-              </a:ext>
-            </a:extLst>
-          </p:cNvPr>
+            <a:endParaRPr lang="en-US" dirty="0"/>
+          </a:p>
+        </p:txBody>
+      </p:sp>
+      <p:sp>
+        <p:nvSpPr>
+          <p:cNvPr id="5" name="Date Placeholder 4"/>
           <p:cNvSpPr>
             <a:spLocks noGrp="1"/>
           </p:cNvSpPr>
@@ -1416,13 +3470,7 @@
       </p:sp>
       <p:sp>
         <p:nvSpPr>
-          <p:cNvPr id="6" name="Footer Placeholder 5">
-            <a:extLst>
-              <a:ext uri="{FF2B5EF4-FFF2-40B4-BE49-F238E27FC236}">
-                <a16:creationId xmlns:a16="http://schemas.microsoft.com/office/drawing/2014/main" id="{3A8674E5-8D89-577D-E599-EE619CA64376}"/>
-              </a:ext>
-            </a:extLst>
-          </p:cNvPr>
+          <p:cNvPr id="6" name="Footer Placeholder 5"/>
           <p:cNvSpPr>
             <a:spLocks noGrp="1"/>
           </p:cNvSpPr>
@@ -1441,13 +3489,7 @@
       </p:sp>
       <p:sp>
         <p:nvSpPr>
-          <p:cNvPr id="7" name="Slide Number Placeholder 6">
-            <a:extLst>
-              <a:ext uri="{FF2B5EF4-FFF2-40B4-BE49-F238E27FC236}">
-                <a16:creationId xmlns:a16="http://schemas.microsoft.com/office/drawing/2014/main" id="{D9073F95-974A-A712-0604-B13A0BEA588A}"/>
-              </a:ext>
-            </a:extLst>
-          </p:cNvPr>
+          <p:cNvPr id="7" name="Slide Number Placeholder 6"/>
           <p:cNvSpPr>
             <a:spLocks noGrp="1"/>
           </p:cNvSpPr>
@@ -1471,7 +3513,7 @@
     </p:spTree>
     <p:extLst>
       <p:ext uri="{BB962C8B-B14F-4D97-AF65-F5344CB8AC3E}">
-        <p14:creationId xmlns:p14="http://schemas.microsoft.com/office/powerpoint/2010/main" val="2697818113"/>
+        <p14:creationId xmlns:p14="http://schemas.microsoft.com/office/powerpoint/2010/main" val="844338506"/>
       </p:ext>
     </p:extLst>
   </p:cSld>
@@ -1500,65 +3542,55 @@
       </p:grpSpPr>
       <p:sp>
         <p:nvSpPr>
-          <p:cNvPr id="2" name="Title 1">
-            <a:extLst>
-              <a:ext uri="{FF2B5EF4-FFF2-40B4-BE49-F238E27FC236}">
-                <a16:creationId xmlns:a16="http://schemas.microsoft.com/office/drawing/2014/main" id="{8DB2C30A-A8EB-EE49-1271-0DE7BFEF321D}"/>
-              </a:ext>
-            </a:extLst>
-          </p:cNvPr>
+          <p:cNvPr id="2" name="Title 1"/>
           <p:cNvSpPr>
             <a:spLocks noGrp="1"/>
           </p:cNvSpPr>
           <p:nvPr>
             <p:ph type="title"/>
+          </p:nvPr>
+        </p:nvSpPr>
+        <p:spPr/>
+        <p:txBody>
+          <a:bodyPr/>
+          <a:lstStyle>
+            <a:lvl1pPr>
+              <a:defRPr/>
+            </a:lvl1pPr>
+          </a:lstStyle>
+          <a:p>
+            <a:r>
+              <a:rPr lang="en-US"/>
+              <a:t>Click to edit Master title style</a:t>
+            </a:r>
+            <a:endParaRPr lang="en-US" dirty="0"/>
+          </a:p>
+        </p:txBody>
+      </p:sp>
+      <p:sp>
+        <p:nvSpPr>
+          <p:cNvPr id="3" name="Text Placeholder 2"/>
+          <p:cNvSpPr>
+            <a:spLocks noGrp="1"/>
+          </p:cNvSpPr>
+          <p:nvPr>
+            <p:ph type="body" idx="1"/>
           </p:nvPr>
         </p:nvSpPr>
         <p:spPr>
           <a:xfrm>
-            <a:off x="839788" y="365125"/>
-            <a:ext cx="10515600" cy="1325563"/>
+            <a:off x="675745" y="2160983"/>
+            <a:ext cx="4185623" cy="576262"/>
           </a:xfrm>
         </p:spPr>
         <p:txBody>
-          <a:bodyPr/>
-          <a:lstStyle/>
-          <a:p>
-            <a:r>
-              <a:rPr lang="en-US"/>
-              <a:t>Click to edit Master title style</a:t>
-            </a:r>
-          </a:p>
-        </p:txBody>
-      </p:sp>
-      <p:sp>
-        <p:nvSpPr>
-          <p:cNvPr id="3" name="Text Placeholder 2">
-            <a:extLst>
-              <a:ext uri="{FF2B5EF4-FFF2-40B4-BE49-F238E27FC236}">
-                <a16:creationId xmlns:a16="http://schemas.microsoft.com/office/drawing/2014/main" id="{1D12792A-8DDF-2283-60D5-553CC6AE8825}"/>
-              </a:ext>
-            </a:extLst>
-          </p:cNvPr>
-          <p:cNvSpPr>
-            <a:spLocks noGrp="1"/>
-          </p:cNvSpPr>
-          <p:nvPr>
-            <p:ph type="body" idx="1"/>
-          </p:nvPr>
-        </p:nvSpPr>
-        <p:spPr>
-          <a:xfrm>
-            <a:off x="839788" y="1681163"/>
-            <a:ext cx="5157787" cy="823912"/>
-          </a:xfrm>
-        </p:spPr>
-        <p:txBody>
-          <a:bodyPr anchor="b"/>
+          <a:bodyPr anchor="b">
+            <a:noAutofit/>
+          </a:bodyPr>
           <a:lstStyle>
             <a:lvl1pPr marL="0" indent="0">
               <a:buNone/>
-              <a:defRPr sz="2400" b="1"/>
+              <a:defRPr sz="2400" b="0"/>
             </a:lvl1pPr>
             <a:lvl2pPr marL="457200" indent="0">
               <a:buNone/>
@@ -1604,13 +3636,7 @@
       </p:sp>
       <p:sp>
         <p:nvSpPr>
-          <p:cNvPr id="4" name="Content Placeholder 3">
-            <a:extLst>
-              <a:ext uri="{FF2B5EF4-FFF2-40B4-BE49-F238E27FC236}">
-                <a16:creationId xmlns:a16="http://schemas.microsoft.com/office/drawing/2014/main" id="{9C74439B-B821-2CA4-97D0-6F8D5EF4432B}"/>
-              </a:ext>
-            </a:extLst>
-          </p:cNvPr>
+          <p:cNvPr id="4" name="Content Placeholder 3"/>
           <p:cNvSpPr>
             <a:spLocks noGrp="1"/>
           </p:cNvSpPr>
@@ -1620,12 +3646,14 @@
         </p:nvSpPr>
         <p:spPr>
           <a:xfrm>
-            <a:off x="839788" y="2505075"/>
-            <a:ext cx="5157787" cy="3684588"/>
+            <a:off x="675745" y="2737245"/>
+            <a:ext cx="4185623" cy="3304117"/>
           </a:xfrm>
         </p:spPr>
         <p:txBody>
-          <a:bodyPr/>
+          <a:bodyPr>
+            <a:normAutofit/>
+          </a:bodyPr>
           <a:lstStyle/>
           <a:p>
             <a:pPr lvl="0"/>
@@ -1661,18 +3689,13 @@
               <a:rPr lang="en-US"/>
               <a:t>Fifth level</a:t>
             </a:r>
-          </a:p>
-        </p:txBody>
-      </p:sp>
-      <p:sp>
-        <p:nvSpPr>
-          <p:cNvPr id="5" name="Text Placeholder 4">
-            <a:extLst>
-              <a:ext uri="{FF2B5EF4-FFF2-40B4-BE49-F238E27FC236}">
-                <a16:creationId xmlns:a16="http://schemas.microsoft.com/office/drawing/2014/main" id="{5FCB8359-5CAB-539A-6B74-172939A2C497}"/>
-              </a:ext>
-            </a:extLst>
-          </p:cNvPr>
+            <a:endParaRPr lang="en-US" dirty="0"/>
+          </a:p>
+        </p:txBody>
+      </p:sp>
+      <p:sp>
+        <p:nvSpPr>
+          <p:cNvPr id="5" name="Text Placeholder 4"/>
           <p:cNvSpPr>
             <a:spLocks noGrp="1"/>
           </p:cNvSpPr>
@@ -1682,16 +3705,18 @@
         </p:nvSpPr>
         <p:spPr>
           <a:xfrm>
-            <a:off x="6172200" y="1681163"/>
-            <a:ext cx="5183188" cy="823912"/>
+            <a:off x="5088383" y="2160983"/>
+            <a:ext cx="4185618" cy="576262"/>
           </a:xfrm>
         </p:spPr>
         <p:txBody>
-          <a:bodyPr anchor="b"/>
+          <a:bodyPr anchor="b">
+            <a:noAutofit/>
+          </a:bodyPr>
           <a:lstStyle>
             <a:lvl1pPr marL="0" indent="0">
               <a:buNone/>
-              <a:defRPr sz="2400" b="1"/>
+              <a:defRPr sz="2400" b="0"/>
             </a:lvl1pPr>
             <a:lvl2pPr marL="457200" indent="0">
               <a:buNone/>
@@ -1737,13 +3762,7 @@
       </p:sp>
       <p:sp>
         <p:nvSpPr>
-          <p:cNvPr id="6" name="Content Placeholder 5">
-            <a:extLst>
-              <a:ext uri="{FF2B5EF4-FFF2-40B4-BE49-F238E27FC236}">
-                <a16:creationId xmlns:a16="http://schemas.microsoft.com/office/drawing/2014/main" id="{F6EE7431-1E32-B664-0556-A0D63E3FAF49}"/>
-              </a:ext>
-            </a:extLst>
-          </p:cNvPr>
+          <p:cNvPr id="6" name="Content Placeholder 5"/>
           <p:cNvSpPr>
             <a:spLocks noGrp="1"/>
           </p:cNvSpPr>
@@ -1753,12 +3772,14 @@
         </p:nvSpPr>
         <p:spPr>
           <a:xfrm>
-            <a:off x="6172200" y="2505075"/>
-            <a:ext cx="5183188" cy="3684588"/>
+            <a:off x="5088384" y="2737245"/>
+            <a:ext cx="4185617" cy="3304117"/>
           </a:xfrm>
         </p:spPr>
         <p:txBody>
-          <a:bodyPr/>
+          <a:bodyPr>
+            <a:normAutofit/>
+          </a:bodyPr>
           <a:lstStyle/>
           <a:p>
             <a:pPr lvl="0"/>
@@ -1794,18 +3815,13 @@
               <a:rPr lang="en-US"/>
               <a:t>Fifth level</a:t>
             </a:r>
-          </a:p>
-        </p:txBody>
-      </p:sp>
-      <p:sp>
-        <p:nvSpPr>
-          <p:cNvPr id="7" name="Date Placeholder 6">
-            <a:extLst>
-              <a:ext uri="{FF2B5EF4-FFF2-40B4-BE49-F238E27FC236}">
-                <a16:creationId xmlns:a16="http://schemas.microsoft.com/office/drawing/2014/main" id="{1F2FF492-515B-DEF0-6EDB-0A62F3B1D916}"/>
-              </a:ext>
-            </a:extLst>
-          </p:cNvPr>
+            <a:endParaRPr lang="en-US" dirty="0"/>
+          </a:p>
+        </p:txBody>
+      </p:sp>
+      <p:sp>
+        <p:nvSpPr>
+          <p:cNvPr id="7" name="Date Placeholder 6"/>
           <p:cNvSpPr>
             <a:spLocks noGrp="1"/>
           </p:cNvSpPr>
@@ -1828,13 +3844,7 @@
       </p:sp>
       <p:sp>
         <p:nvSpPr>
-          <p:cNvPr id="8" name="Footer Placeholder 7">
-            <a:extLst>
-              <a:ext uri="{FF2B5EF4-FFF2-40B4-BE49-F238E27FC236}">
-                <a16:creationId xmlns:a16="http://schemas.microsoft.com/office/drawing/2014/main" id="{4EDD5A62-BC2D-654D-F796-E729B00EC3C0}"/>
-              </a:ext>
-            </a:extLst>
-          </p:cNvPr>
+          <p:cNvPr id="8" name="Footer Placeholder 7"/>
           <p:cNvSpPr>
             <a:spLocks noGrp="1"/>
           </p:cNvSpPr>
@@ -1853,13 +3863,7 @@
       </p:sp>
       <p:sp>
         <p:nvSpPr>
-          <p:cNvPr id="9" name="Slide Number Placeholder 8">
-            <a:extLst>
-              <a:ext uri="{FF2B5EF4-FFF2-40B4-BE49-F238E27FC236}">
-                <a16:creationId xmlns:a16="http://schemas.microsoft.com/office/drawing/2014/main" id="{7BFD8AD7-A29E-EC31-AC42-AE193839E0FD}"/>
-              </a:ext>
-            </a:extLst>
-          </p:cNvPr>
+          <p:cNvPr id="9" name="Slide Number Placeholder 8"/>
           <p:cNvSpPr>
             <a:spLocks noGrp="1"/>
           </p:cNvSpPr>
@@ -1883,7 +3887,7 @@
     </p:spTree>
     <p:extLst>
       <p:ext uri="{BB962C8B-B14F-4D97-AF65-F5344CB8AC3E}">
-        <p14:creationId xmlns:p14="http://schemas.microsoft.com/office/powerpoint/2010/main" val="1885694744"/>
+        <p14:creationId xmlns:p14="http://schemas.microsoft.com/office/powerpoint/2010/main" val="3657032289"/>
       </p:ext>
     </p:extLst>
   </p:cSld>
@@ -1912,13 +3916,7 @@
       </p:grpSpPr>
       <p:sp>
         <p:nvSpPr>
-          <p:cNvPr id="2" name="Title 1">
-            <a:extLst>
-              <a:ext uri="{FF2B5EF4-FFF2-40B4-BE49-F238E27FC236}">
-                <a16:creationId xmlns:a16="http://schemas.microsoft.com/office/drawing/2014/main" id="{3CEA5BE3-8D71-6D31-8A1A-7BB3F5D585E1}"/>
-              </a:ext>
-            </a:extLst>
-          </p:cNvPr>
+          <p:cNvPr id="2" name="Title 1"/>
           <p:cNvSpPr>
             <a:spLocks noGrp="1"/>
           </p:cNvSpPr>
@@ -1926,7 +3924,12 @@
             <p:ph type="title"/>
           </p:nvPr>
         </p:nvSpPr>
-        <p:spPr/>
+        <p:spPr>
+          <a:xfrm>
+            <a:off x="677334" y="609600"/>
+            <a:ext cx="8596668" cy="1320800"/>
+          </a:xfrm>
+        </p:spPr>
         <p:txBody>
           <a:bodyPr/>
           <a:lstStyle/>
@@ -1935,18 +3938,13 @@
               <a:rPr lang="en-US"/>
               <a:t>Click to edit Master title style</a:t>
             </a:r>
-          </a:p>
-        </p:txBody>
-      </p:sp>
-      <p:sp>
-        <p:nvSpPr>
-          <p:cNvPr id="3" name="Date Placeholder 2">
-            <a:extLst>
-              <a:ext uri="{FF2B5EF4-FFF2-40B4-BE49-F238E27FC236}">
-                <a16:creationId xmlns:a16="http://schemas.microsoft.com/office/drawing/2014/main" id="{CAF8301D-836D-B676-3EE3-D915800053DC}"/>
-              </a:ext>
-            </a:extLst>
-          </p:cNvPr>
+            <a:endParaRPr lang="en-US" dirty="0"/>
+          </a:p>
+        </p:txBody>
+      </p:sp>
+      <p:sp>
+        <p:nvSpPr>
+          <p:cNvPr id="3" name="Date Placeholder 2"/>
           <p:cNvSpPr>
             <a:spLocks noGrp="1"/>
           </p:cNvSpPr>
@@ -1969,13 +3967,7 @@
       </p:sp>
       <p:sp>
         <p:nvSpPr>
-          <p:cNvPr id="4" name="Footer Placeholder 3">
-            <a:extLst>
-              <a:ext uri="{FF2B5EF4-FFF2-40B4-BE49-F238E27FC236}">
-                <a16:creationId xmlns:a16="http://schemas.microsoft.com/office/drawing/2014/main" id="{66EB8DAE-2D38-A636-E991-A521FBC575A7}"/>
-              </a:ext>
-            </a:extLst>
-          </p:cNvPr>
+          <p:cNvPr id="4" name="Footer Placeholder 3"/>
           <p:cNvSpPr>
             <a:spLocks noGrp="1"/>
           </p:cNvSpPr>
@@ -1994,13 +3986,7 @@
       </p:sp>
       <p:sp>
         <p:nvSpPr>
-          <p:cNvPr id="5" name="Slide Number Placeholder 4">
-            <a:extLst>
-              <a:ext uri="{FF2B5EF4-FFF2-40B4-BE49-F238E27FC236}">
-                <a16:creationId xmlns:a16="http://schemas.microsoft.com/office/drawing/2014/main" id="{2AD14182-C5B3-DAD1-B06A-BFB019BCA5F0}"/>
-              </a:ext>
-            </a:extLst>
-          </p:cNvPr>
+          <p:cNvPr id="5" name="Slide Number Placeholder 4"/>
           <p:cNvSpPr>
             <a:spLocks noGrp="1"/>
           </p:cNvSpPr>
@@ -2024,7 +4010,7 @@
     </p:spTree>
     <p:extLst>
       <p:ext uri="{BB962C8B-B14F-4D97-AF65-F5344CB8AC3E}">
-        <p14:creationId xmlns:p14="http://schemas.microsoft.com/office/powerpoint/2010/main" val="2998725099"/>
+        <p14:creationId xmlns:p14="http://schemas.microsoft.com/office/powerpoint/2010/main" val="2548651615"/>
       </p:ext>
     </p:extLst>
   </p:cSld>
@@ -2053,13 +4039,7 @@
       </p:grpSpPr>
       <p:sp>
         <p:nvSpPr>
-          <p:cNvPr id="2" name="Date Placeholder 1">
-            <a:extLst>
-              <a:ext uri="{FF2B5EF4-FFF2-40B4-BE49-F238E27FC236}">
-                <a16:creationId xmlns:a16="http://schemas.microsoft.com/office/drawing/2014/main" id="{45C4313A-B0D4-DACF-95F0-865B2DFB3464}"/>
-              </a:ext>
-            </a:extLst>
-          </p:cNvPr>
+          <p:cNvPr id="2" name="Date Placeholder 1"/>
           <p:cNvSpPr>
             <a:spLocks noGrp="1"/>
           </p:cNvSpPr>
@@ -2082,13 +4062,7 @@
       </p:sp>
       <p:sp>
         <p:nvSpPr>
-          <p:cNvPr id="3" name="Footer Placeholder 2">
-            <a:extLst>
-              <a:ext uri="{FF2B5EF4-FFF2-40B4-BE49-F238E27FC236}">
-                <a16:creationId xmlns:a16="http://schemas.microsoft.com/office/drawing/2014/main" id="{8F3C07A8-D80C-9517-A083-FBACF9FAF191}"/>
-              </a:ext>
-            </a:extLst>
-          </p:cNvPr>
+          <p:cNvPr id="3" name="Footer Placeholder 2"/>
           <p:cNvSpPr>
             <a:spLocks noGrp="1"/>
           </p:cNvSpPr>
@@ -2107,13 +4081,7 @@
       </p:sp>
       <p:sp>
         <p:nvSpPr>
-          <p:cNvPr id="4" name="Slide Number Placeholder 3">
-            <a:extLst>
-              <a:ext uri="{FF2B5EF4-FFF2-40B4-BE49-F238E27FC236}">
-                <a16:creationId xmlns:a16="http://schemas.microsoft.com/office/drawing/2014/main" id="{F1C6B585-200F-E3A4-60BC-0F9488CCE316}"/>
-              </a:ext>
-            </a:extLst>
-          </p:cNvPr>
+          <p:cNvPr id="4" name="Slide Number Placeholder 3"/>
           <p:cNvSpPr>
             <a:spLocks noGrp="1"/>
           </p:cNvSpPr>
@@ -2137,7 +4105,7 @@
     </p:spTree>
     <p:extLst>
       <p:ext uri="{BB962C8B-B14F-4D97-AF65-F5344CB8AC3E}">
-        <p14:creationId xmlns:p14="http://schemas.microsoft.com/office/powerpoint/2010/main" val="2336146617"/>
+        <p14:creationId xmlns:p14="http://schemas.microsoft.com/office/powerpoint/2010/main" val="3468198236"/>
       </p:ext>
     </p:extLst>
   </p:cSld>
@@ -2166,13 +4134,7 @@
       </p:grpSpPr>
       <p:sp>
         <p:nvSpPr>
-          <p:cNvPr id="2" name="Title 1">
-            <a:extLst>
-              <a:ext uri="{FF2B5EF4-FFF2-40B4-BE49-F238E27FC236}">
-                <a16:creationId xmlns:a16="http://schemas.microsoft.com/office/drawing/2014/main" id="{D114709C-3651-534D-5A65-AC5E7A25058F}"/>
-              </a:ext>
-            </a:extLst>
-          </p:cNvPr>
+          <p:cNvPr id="2" name="Title 1"/>
           <p:cNvSpPr>
             <a:spLocks noGrp="1"/>
           </p:cNvSpPr>
@@ -2182,15 +4144,17 @@
         </p:nvSpPr>
         <p:spPr>
           <a:xfrm>
-            <a:off x="839788" y="457200"/>
-            <a:ext cx="3932237" cy="1600200"/>
+            <a:off x="677334" y="1498604"/>
+            <a:ext cx="3854528" cy="1278466"/>
           </a:xfrm>
         </p:spPr>
         <p:txBody>
-          <a:bodyPr anchor="b"/>
+          <a:bodyPr anchor="b">
+            <a:normAutofit/>
+          </a:bodyPr>
           <a:lstStyle>
             <a:lvl1pPr>
-              <a:defRPr sz="3200"/>
+              <a:defRPr sz="2000"/>
             </a:lvl1pPr>
           </a:lstStyle>
           <a:p>
@@ -2198,18 +4162,13 @@
               <a:rPr lang="en-US"/>
               <a:t>Click to edit Master title style</a:t>
             </a:r>
-          </a:p>
-        </p:txBody>
-      </p:sp>
-      <p:sp>
-        <p:nvSpPr>
-          <p:cNvPr id="3" name="Content Placeholder 2">
-            <a:extLst>
-              <a:ext uri="{FF2B5EF4-FFF2-40B4-BE49-F238E27FC236}">
-                <a16:creationId xmlns:a16="http://schemas.microsoft.com/office/drawing/2014/main" id="{60396744-B89D-0C00-0148-839FAC3EA3CF}"/>
-              </a:ext>
-            </a:extLst>
-          </p:cNvPr>
+            <a:endParaRPr lang="en-US" dirty="0"/>
+          </a:p>
+        </p:txBody>
+      </p:sp>
+      <p:sp>
+        <p:nvSpPr>
+          <p:cNvPr id="3" name="Content Placeholder 2"/>
           <p:cNvSpPr>
             <a:spLocks noGrp="1"/>
           </p:cNvSpPr>
@@ -2219,41 +4178,15 @@
         </p:nvSpPr>
         <p:spPr>
           <a:xfrm>
-            <a:off x="5183188" y="987425"/>
-            <a:ext cx="6172200" cy="4873625"/>
+            <a:off x="4760461" y="514924"/>
+            <a:ext cx="4513541" cy="5526437"/>
           </a:xfrm>
         </p:spPr>
         <p:txBody>
-          <a:bodyPr/>
-          <a:lstStyle>
-            <a:lvl1pPr>
-              <a:defRPr sz="3200"/>
-            </a:lvl1pPr>
-            <a:lvl2pPr>
-              <a:defRPr sz="2800"/>
-            </a:lvl2pPr>
-            <a:lvl3pPr>
-              <a:defRPr sz="2400"/>
-            </a:lvl3pPr>
-            <a:lvl4pPr>
-              <a:defRPr sz="2000"/>
-            </a:lvl4pPr>
-            <a:lvl5pPr>
-              <a:defRPr sz="2000"/>
-            </a:lvl5pPr>
-            <a:lvl6pPr>
-              <a:defRPr sz="2000"/>
-            </a:lvl6pPr>
-            <a:lvl7pPr>
-              <a:defRPr sz="2000"/>
-            </a:lvl7pPr>
-            <a:lvl8pPr>
-              <a:defRPr sz="2000"/>
-            </a:lvl8pPr>
-            <a:lvl9pPr>
-              <a:defRPr sz="2000"/>
-            </a:lvl9pPr>
-          </a:lstStyle>
+          <a:bodyPr>
+            <a:normAutofit/>
+          </a:bodyPr>
+          <a:lstStyle/>
           <a:p>
             <a:pPr lvl="0"/>
             <a:r>
@@ -2288,18 +4221,13 @@
               <a:rPr lang="en-US"/>
               <a:t>Fifth level</a:t>
             </a:r>
-          </a:p>
-        </p:txBody>
-      </p:sp>
-      <p:sp>
-        <p:nvSpPr>
-          <p:cNvPr id="4" name="Text Placeholder 3">
-            <a:extLst>
-              <a:ext uri="{FF2B5EF4-FFF2-40B4-BE49-F238E27FC236}">
-                <a16:creationId xmlns:a16="http://schemas.microsoft.com/office/drawing/2014/main" id="{A950D27C-EB24-5F5D-1506-E915C600092E}"/>
-              </a:ext>
-            </a:extLst>
-          </p:cNvPr>
+            <a:endParaRPr lang="en-US" dirty="0"/>
+          </a:p>
+        </p:txBody>
+      </p:sp>
+      <p:sp>
+        <p:nvSpPr>
+          <p:cNvPr id="4" name="Text Placeholder 3"/>
           <p:cNvSpPr>
             <a:spLocks noGrp="1"/>
           </p:cNvSpPr>
@@ -2309,46 +4237,48 @@
         </p:nvSpPr>
         <p:spPr>
           <a:xfrm>
-            <a:off x="839788" y="2057400"/>
-            <a:ext cx="3932237" cy="3811588"/>
+            <a:off x="677334" y="2777069"/>
+            <a:ext cx="3854528" cy="2584449"/>
           </a:xfrm>
         </p:spPr>
         <p:txBody>
-          <a:bodyPr/>
+          <a:bodyPr>
+            <a:normAutofit/>
+          </a:bodyPr>
           <a:lstStyle>
             <a:lvl1pPr marL="0" indent="0">
               <a:buNone/>
-              <a:defRPr sz="1600"/>
+              <a:defRPr sz="1400"/>
             </a:lvl1pPr>
-            <a:lvl2pPr marL="457200" indent="0">
+            <a:lvl2pPr marL="457063" indent="0">
               <a:buNone/>
               <a:defRPr sz="1400"/>
             </a:lvl2pPr>
-            <a:lvl3pPr marL="914400" indent="0">
+            <a:lvl3pPr marL="914126" indent="0">
               <a:buNone/>
               <a:defRPr sz="1200"/>
             </a:lvl3pPr>
-            <a:lvl4pPr marL="1371600" indent="0">
+            <a:lvl4pPr marL="1371189" indent="0">
               <a:buNone/>
               <a:defRPr sz="1000"/>
             </a:lvl4pPr>
-            <a:lvl5pPr marL="1828800" indent="0">
+            <a:lvl5pPr marL="1828251" indent="0">
               <a:buNone/>
               <a:defRPr sz="1000"/>
             </a:lvl5pPr>
-            <a:lvl6pPr marL="2286000" indent="0">
+            <a:lvl6pPr marL="2285314" indent="0">
               <a:buNone/>
               <a:defRPr sz="1000"/>
             </a:lvl6pPr>
-            <a:lvl7pPr marL="2743200" indent="0">
+            <a:lvl7pPr marL="2742377" indent="0">
               <a:buNone/>
               <a:defRPr sz="1000"/>
             </a:lvl7pPr>
-            <a:lvl8pPr marL="3200400" indent="0">
+            <a:lvl8pPr marL="3199440" indent="0">
               <a:buNone/>
               <a:defRPr sz="1000"/>
             </a:lvl8pPr>
-            <a:lvl9pPr marL="3657600" indent="0">
+            <a:lvl9pPr marL="3656503" indent="0">
               <a:buNone/>
               <a:defRPr sz="1000"/>
             </a:lvl9pPr>
@@ -2364,13 +4294,7 @@
       </p:sp>
       <p:sp>
         <p:nvSpPr>
-          <p:cNvPr id="5" name="Date Placeholder 4">
-            <a:extLst>
-              <a:ext uri="{FF2B5EF4-FFF2-40B4-BE49-F238E27FC236}">
-                <a16:creationId xmlns:a16="http://schemas.microsoft.com/office/drawing/2014/main" id="{36A15D83-EB04-1478-9133-4F522F5FA8CC}"/>
-              </a:ext>
-            </a:extLst>
-          </p:cNvPr>
+          <p:cNvPr id="5" name="Date Placeholder 4"/>
           <p:cNvSpPr>
             <a:spLocks noGrp="1"/>
           </p:cNvSpPr>
@@ -2393,13 +4317,7 @@
       </p:sp>
       <p:sp>
         <p:nvSpPr>
-          <p:cNvPr id="6" name="Footer Placeholder 5">
-            <a:extLst>
-              <a:ext uri="{FF2B5EF4-FFF2-40B4-BE49-F238E27FC236}">
-                <a16:creationId xmlns:a16="http://schemas.microsoft.com/office/drawing/2014/main" id="{E086AE8A-A806-0FD1-19DA-51430E499264}"/>
-              </a:ext>
-            </a:extLst>
-          </p:cNvPr>
+          <p:cNvPr id="6" name="Footer Placeholder 5"/>
           <p:cNvSpPr>
             <a:spLocks noGrp="1"/>
           </p:cNvSpPr>
@@ -2418,13 +4336,7 @@
       </p:sp>
       <p:sp>
         <p:nvSpPr>
-          <p:cNvPr id="7" name="Slide Number Placeholder 6">
-            <a:extLst>
-              <a:ext uri="{FF2B5EF4-FFF2-40B4-BE49-F238E27FC236}">
-                <a16:creationId xmlns:a16="http://schemas.microsoft.com/office/drawing/2014/main" id="{8C43341D-4CD0-5324-196A-992FC6BA5CBC}"/>
-              </a:ext>
-            </a:extLst>
-          </p:cNvPr>
+          <p:cNvPr id="7" name="Slide Number Placeholder 6"/>
           <p:cNvSpPr>
             <a:spLocks noGrp="1"/>
           </p:cNvSpPr>
@@ -2448,7 +4360,7 @@
     </p:spTree>
     <p:extLst>
       <p:ext uri="{BB962C8B-B14F-4D97-AF65-F5344CB8AC3E}">
-        <p14:creationId xmlns:p14="http://schemas.microsoft.com/office/powerpoint/2010/main" val="275987310"/>
+        <p14:creationId xmlns:p14="http://schemas.microsoft.com/office/powerpoint/2010/main" val="2738647649"/>
       </p:ext>
     </p:extLst>
   </p:cSld>
@@ -2477,13 +4389,7 @@
       </p:grpSpPr>
       <p:sp>
         <p:nvSpPr>
-          <p:cNvPr id="2" name="Title 1">
-            <a:extLst>
-              <a:ext uri="{FF2B5EF4-FFF2-40B4-BE49-F238E27FC236}">
-                <a16:creationId xmlns:a16="http://schemas.microsoft.com/office/drawing/2014/main" id="{6AA19F64-2600-A429-6BF7-DC776D970DE7}"/>
-              </a:ext>
-            </a:extLst>
-          </p:cNvPr>
+          <p:cNvPr id="2" name="Title 1"/>
           <p:cNvSpPr>
             <a:spLocks noGrp="1"/>
           </p:cNvSpPr>
@@ -2493,15 +4399,17 @@
         </p:nvSpPr>
         <p:spPr>
           <a:xfrm>
-            <a:off x="839788" y="457200"/>
-            <a:ext cx="3932237" cy="1600200"/>
+            <a:off x="677334" y="4800600"/>
+            <a:ext cx="8596667" cy="566738"/>
           </a:xfrm>
         </p:spPr>
         <p:txBody>
-          <a:bodyPr anchor="b"/>
+          <a:bodyPr anchor="b">
+            <a:normAutofit/>
+          </a:bodyPr>
           <a:lstStyle>
-            <a:lvl1pPr>
-              <a:defRPr sz="3200"/>
+            <a:lvl1pPr algn="l">
+              <a:defRPr sz="2400" b="0"/>
             </a:lvl1pPr>
           </a:lstStyle>
           <a:p>
@@ -2509,20 +4417,15 @@
               <a:rPr lang="en-US"/>
               <a:t>Click to edit Master title style</a:t>
             </a:r>
-          </a:p>
-        </p:txBody>
-      </p:sp>
-      <p:sp>
-        <p:nvSpPr>
-          <p:cNvPr id="3" name="Picture Placeholder 2">
-            <a:extLst>
-              <a:ext uri="{FF2B5EF4-FFF2-40B4-BE49-F238E27FC236}">
-                <a16:creationId xmlns:a16="http://schemas.microsoft.com/office/drawing/2014/main" id="{9AE9A53C-2D48-7E7E-3969-D55A6DE67282}"/>
-              </a:ext>
-            </a:extLst>
-          </p:cNvPr>
-          <p:cNvSpPr>
-            <a:spLocks noGrp="1"/>
+            <a:endParaRPr lang="en-US" dirty="0"/>
+          </a:p>
+        </p:txBody>
+      </p:sp>
+      <p:sp>
+        <p:nvSpPr>
+          <p:cNvPr id="3" name="Picture Placeholder 2"/>
+          <p:cNvSpPr>
+            <a:spLocks noGrp="1" noChangeAspect="1"/>
           </p:cNvSpPr>
           <p:nvPr>
             <p:ph type="pic" idx="1"/>
@@ -2530,118 +4433,120 @@
         </p:nvSpPr>
         <p:spPr>
           <a:xfrm>
-            <a:off x="5183188" y="987425"/>
-            <a:ext cx="6172200" cy="4873625"/>
+            <a:off x="677334" y="609600"/>
+            <a:ext cx="8596668" cy="3845718"/>
           </a:xfrm>
         </p:spPr>
         <p:txBody>
-          <a:bodyPr/>
+          <a:bodyPr anchor="t">
+            <a:normAutofit/>
+          </a:bodyPr>
           <a:lstStyle>
-            <a:lvl1pPr marL="0" indent="0">
-              <a:buNone/>
-              <a:defRPr sz="3200"/>
-            </a:lvl1pPr>
-            <a:lvl2pPr marL="457200" indent="0">
-              <a:buNone/>
-              <a:defRPr sz="2800"/>
-            </a:lvl2pPr>
-            <a:lvl3pPr marL="914400" indent="0">
-              <a:buNone/>
-              <a:defRPr sz="2400"/>
-            </a:lvl3pPr>
-            <a:lvl4pPr marL="1371600" indent="0">
-              <a:buNone/>
-              <a:defRPr sz="2000"/>
-            </a:lvl4pPr>
-            <a:lvl5pPr marL="1828800" indent="0">
-              <a:buNone/>
-              <a:defRPr sz="2000"/>
-            </a:lvl5pPr>
-            <a:lvl6pPr marL="2286000" indent="0">
-              <a:buNone/>
-              <a:defRPr sz="2000"/>
-            </a:lvl6pPr>
-            <a:lvl7pPr marL="2743200" indent="0">
-              <a:buNone/>
-              <a:defRPr sz="2000"/>
-            </a:lvl7pPr>
-            <a:lvl8pPr marL="3200400" indent="0">
-              <a:buNone/>
-              <a:defRPr sz="2000"/>
-            </a:lvl8pPr>
-            <a:lvl9pPr marL="3657600" indent="0">
-              <a:buNone/>
-              <a:defRPr sz="2000"/>
-            </a:lvl9pPr>
-          </a:lstStyle>
-          <a:p>
-            <a:endParaRPr lang="en-US"/>
-          </a:p>
-        </p:txBody>
-      </p:sp>
-      <p:sp>
-        <p:nvSpPr>
-          <p:cNvPr id="4" name="Text Placeholder 3">
-            <a:extLst>
-              <a:ext uri="{FF2B5EF4-FFF2-40B4-BE49-F238E27FC236}">
-                <a16:creationId xmlns:a16="http://schemas.microsoft.com/office/drawing/2014/main" id="{07E6973C-4A90-F0C6-C732-A233596CBDBE}"/>
-              </a:ext>
-            </a:extLst>
-          </p:cNvPr>
-          <p:cNvSpPr>
-            <a:spLocks noGrp="1"/>
-          </p:cNvSpPr>
-          <p:nvPr>
-            <p:ph type="body" sz="half" idx="2"/>
-          </p:nvPr>
-        </p:nvSpPr>
-        <p:spPr>
-          <a:xfrm>
-            <a:off x="839788" y="2057400"/>
-            <a:ext cx="3932237" cy="3811588"/>
-          </a:xfrm>
-        </p:spPr>
-        <p:txBody>
-          <a:bodyPr/>
-          <a:lstStyle>
-            <a:lvl1pPr marL="0" indent="0">
+            <a:lvl1pPr marL="0" indent="0" algn="ctr">
               <a:buNone/>
               <a:defRPr sz="1600"/>
             </a:lvl1pPr>
             <a:lvl2pPr marL="457200" indent="0">
               <a:buNone/>
-              <a:defRPr sz="1400"/>
+              <a:defRPr sz="1600"/>
             </a:lvl2pPr>
             <a:lvl3pPr marL="914400" indent="0">
               <a:buNone/>
-              <a:defRPr sz="1200"/>
+              <a:defRPr sz="1600"/>
             </a:lvl3pPr>
             <a:lvl4pPr marL="1371600" indent="0">
               <a:buNone/>
-              <a:defRPr sz="1000"/>
+              <a:defRPr sz="1600"/>
             </a:lvl4pPr>
             <a:lvl5pPr marL="1828800" indent="0">
               <a:buNone/>
-              <a:defRPr sz="1000"/>
+              <a:defRPr sz="1600"/>
             </a:lvl5pPr>
             <a:lvl6pPr marL="2286000" indent="0">
               <a:buNone/>
-              <a:defRPr sz="1000"/>
+              <a:defRPr sz="1600"/>
             </a:lvl6pPr>
             <a:lvl7pPr marL="2743200" indent="0">
               <a:buNone/>
-              <a:defRPr sz="1000"/>
+              <a:defRPr sz="1600"/>
             </a:lvl7pPr>
             <a:lvl8pPr marL="3200400" indent="0">
               <a:buNone/>
-              <a:defRPr sz="1000"/>
+              <a:defRPr sz="1600"/>
             </a:lvl8pPr>
             <a:lvl9pPr marL="3657600" indent="0">
               <a:buNone/>
-              <a:defRPr sz="1000"/>
+              <a:defRPr sz="1600"/>
             </a:lvl9pPr>
           </a:lstStyle>
           <a:p>
+            <a:r>
+              <a:rPr lang="en-US"/>
+              <a:t>Click icon to add picture</a:t>
+            </a:r>
+            <a:endParaRPr lang="en-US" dirty="0"/>
+          </a:p>
+        </p:txBody>
+      </p:sp>
+      <p:sp>
+        <p:nvSpPr>
+          <p:cNvPr id="4" name="Text Placeholder 3"/>
+          <p:cNvSpPr>
+            <a:spLocks noGrp="1"/>
+          </p:cNvSpPr>
+          <p:nvPr>
+            <p:ph type="body" sz="half" idx="2"/>
+          </p:nvPr>
+        </p:nvSpPr>
+        <p:spPr>
+          <a:xfrm>
+            <a:off x="677334" y="5367338"/>
+            <a:ext cx="8596667" cy="674024"/>
+          </a:xfrm>
+        </p:spPr>
+        <p:txBody>
+          <a:bodyPr>
+            <a:normAutofit/>
+          </a:bodyPr>
+          <a:lstStyle>
+            <a:lvl1pPr marL="0" indent="0">
+              <a:buNone/>
+              <a:defRPr sz="1200"/>
+            </a:lvl1pPr>
+            <a:lvl2pPr marL="457200" indent="0">
+              <a:buNone/>
+              <a:defRPr sz="1200"/>
+            </a:lvl2pPr>
+            <a:lvl3pPr marL="914400" indent="0">
+              <a:buNone/>
+              <a:defRPr sz="1000"/>
+            </a:lvl3pPr>
+            <a:lvl4pPr marL="1371600" indent="0">
+              <a:buNone/>
+              <a:defRPr sz="900"/>
+            </a:lvl4pPr>
+            <a:lvl5pPr marL="1828800" indent="0">
+              <a:buNone/>
+              <a:defRPr sz="900"/>
+            </a:lvl5pPr>
+            <a:lvl6pPr marL="2286000" indent="0">
+              <a:buNone/>
+              <a:defRPr sz="900"/>
+            </a:lvl6pPr>
+            <a:lvl7pPr marL="2743200" indent="0">
+              <a:buNone/>
+              <a:defRPr sz="900"/>
+            </a:lvl7pPr>
+            <a:lvl8pPr marL="3200400" indent="0">
+              <a:buNone/>
+              <a:defRPr sz="900"/>
+            </a:lvl8pPr>
+            <a:lvl9pPr marL="3657600" indent="0">
+              <a:buNone/>
+              <a:defRPr sz="900"/>
+            </a:lvl9pPr>
+          </a:lstStyle>
+          <a:p>
             <a:pPr lvl="0"/>
             <a:r>
               <a:rPr lang="en-US"/>
@@ -2652,13 +4557,7 @@
       </p:sp>
       <p:sp>
         <p:nvSpPr>
-          <p:cNvPr id="5" name="Date Placeholder 4">
-            <a:extLst>
-              <a:ext uri="{FF2B5EF4-FFF2-40B4-BE49-F238E27FC236}">
-                <a16:creationId xmlns:a16="http://schemas.microsoft.com/office/drawing/2014/main" id="{D333FF36-A08A-54C7-6653-D703C1DB3B6C}"/>
-              </a:ext>
-            </a:extLst>
-          </p:cNvPr>
+          <p:cNvPr id="5" name="Date Placeholder 4"/>
           <p:cNvSpPr>
             <a:spLocks noGrp="1"/>
           </p:cNvSpPr>
@@ -2681,13 +4580,7 @@
       </p:sp>
       <p:sp>
         <p:nvSpPr>
-          <p:cNvPr id="6" name="Footer Placeholder 5">
-            <a:extLst>
-              <a:ext uri="{FF2B5EF4-FFF2-40B4-BE49-F238E27FC236}">
-                <a16:creationId xmlns:a16="http://schemas.microsoft.com/office/drawing/2014/main" id="{F8FAF79F-7AAA-F9EE-118D-2B87DB6EEA6B}"/>
-              </a:ext>
-            </a:extLst>
-          </p:cNvPr>
+          <p:cNvPr id="6" name="Footer Placeholder 5"/>
           <p:cNvSpPr>
             <a:spLocks noGrp="1"/>
           </p:cNvSpPr>
@@ -2706,13 +4599,7 @@
       </p:sp>
       <p:sp>
         <p:nvSpPr>
-          <p:cNvPr id="7" name="Slide Number Placeholder 6">
-            <a:extLst>
-              <a:ext uri="{FF2B5EF4-FFF2-40B4-BE49-F238E27FC236}">
-                <a16:creationId xmlns:a16="http://schemas.microsoft.com/office/drawing/2014/main" id="{5047D948-734D-73C8-3F09-5F0400153032}"/>
-              </a:ext>
-            </a:extLst>
-          </p:cNvPr>
+          <p:cNvPr id="7" name="Slide Number Placeholder 6"/>
           <p:cNvSpPr>
             <a:spLocks noGrp="1"/>
           </p:cNvSpPr>
@@ -2736,7 +4623,7 @@
     </p:spTree>
     <p:extLst>
       <p:ext uri="{BB962C8B-B14F-4D97-AF65-F5344CB8AC3E}">
-        <p14:creationId xmlns:p14="http://schemas.microsoft.com/office/powerpoint/2010/main" val="238208607"/>
+        <p14:creationId xmlns:p14="http://schemas.microsoft.com/office/powerpoint/2010/main" val="2738684671"/>
       </p:ext>
     </p:extLst>
   </p:cSld>
@@ -2768,15 +4655,539 @@
           <a:chExt cx="0" cy="0"/>
         </a:xfrm>
       </p:grpSpPr>
-      <p:sp>
-        <p:nvSpPr>
-          <p:cNvPr id="2" name="Title Placeholder 1">
-            <a:extLst>
-              <a:ext uri="{FF2B5EF4-FFF2-40B4-BE49-F238E27FC236}">
-                <a16:creationId xmlns:a16="http://schemas.microsoft.com/office/drawing/2014/main" id="{ED0BED97-6ADC-B92A-D623-AFEEF6C90524}"/>
-              </a:ext>
-            </a:extLst>
-          </p:cNvPr>
+      <p:grpSp>
+        <p:nvGrpSpPr>
+          <p:cNvPr id="7" name="Group 6"/>
+          <p:cNvGrpSpPr/>
+          <p:nvPr/>
+        </p:nvGrpSpPr>
+        <p:grpSpPr>
+          <a:xfrm>
+            <a:off x="0" y="-8467"/>
+            <a:ext cx="12192000" cy="6866467"/>
+            <a:chOff x="0" y="-8467"/>
+            <a:chExt cx="12192000" cy="6866467"/>
+          </a:xfrm>
+        </p:grpSpPr>
+        <p:cxnSp>
+          <p:nvCxnSpPr>
+            <p:cNvPr id="20" name="Straight Connector 19"/>
+            <p:cNvCxnSpPr/>
+            <p:nvPr/>
+          </p:nvCxnSpPr>
+          <p:spPr>
+            <a:xfrm>
+              <a:off x="9371012" y="0"/>
+              <a:ext cx="1219200" cy="6858000"/>
+            </a:xfrm>
+            <a:prstGeom prst="line">
+              <a:avLst/>
+            </a:prstGeom>
+            <a:ln w="9525">
+              <a:solidFill>
+                <a:schemeClr val="bg1">
+                  <a:lumMod val="75000"/>
+                </a:schemeClr>
+              </a:solidFill>
+            </a:ln>
+          </p:spPr>
+          <p:style>
+            <a:lnRef idx="2">
+              <a:schemeClr val="accent1"/>
+            </a:lnRef>
+            <a:fillRef idx="0">
+              <a:schemeClr val="accent1"/>
+            </a:fillRef>
+            <a:effectRef idx="1">
+              <a:schemeClr val="accent1"/>
+            </a:effectRef>
+            <a:fontRef idx="minor">
+              <a:schemeClr val="tx1"/>
+            </a:fontRef>
+          </p:style>
+        </p:cxnSp>
+        <p:cxnSp>
+          <p:nvCxnSpPr>
+            <p:cNvPr id="21" name="Straight Connector 20"/>
+            <p:cNvCxnSpPr/>
+            <p:nvPr/>
+          </p:nvCxnSpPr>
+          <p:spPr>
+            <a:xfrm flipH="1">
+              <a:off x="7425267" y="3681413"/>
+              <a:ext cx="4763558" cy="3176587"/>
+            </a:xfrm>
+            <a:prstGeom prst="line">
+              <a:avLst/>
+            </a:prstGeom>
+            <a:ln w="9525">
+              <a:solidFill>
+                <a:schemeClr val="bg1">
+                  <a:lumMod val="85000"/>
+                </a:schemeClr>
+              </a:solidFill>
+            </a:ln>
+          </p:spPr>
+          <p:style>
+            <a:lnRef idx="2">
+              <a:schemeClr val="accent1"/>
+            </a:lnRef>
+            <a:fillRef idx="0">
+              <a:schemeClr val="accent1"/>
+            </a:fillRef>
+            <a:effectRef idx="1">
+              <a:schemeClr val="accent1"/>
+            </a:effectRef>
+            <a:fontRef idx="minor">
+              <a:schemeClr val="tx1"/>
+            </a:fontRef>
+          </p:style>
+        </p:cxnSp>
+        <p:sp>
+          <p:nvSpPr>
+            <p:cNvPr id="22" name="Rectangle 23"/>
+            <p:cNvSpPr/>
+            <p:nvPr/>
+          </p:nvSpPr>
+          <p:spPr>
+            <a:xfrm>
+              <a:off x="9181476" y="-8467"/>
+              <a:ext cx="3007349" cy="6866467"/>
+            </a:xfrm>
+            <a:custGeom>
+              <a:avLst/>
+              <a:gdLst/>
+              <a:ahLst/>
+              <a:cxnLst/>
+              <a:rect l="l" t="t" r="r" b="b"/>
+              <a:pathLst>
+                <a:path w="3007349" h="6866467">
+                  <a:moveTo>
+                    <a:pt x="2045532" y="0"/>
+                  </a:moveTo>
+                  <a:lnTo>
+                    <a:pt x="3007349" y="0"/>
+                  </a:lnTo>
+                  <a:lnTo>
+                    <a:pt x="3007349" y="6866467"/>
+                  </a:lnTo>
+                  <a:lnTo>
+                    <a:pt x="0" y="6866467"/>
+                  </a:lnTo>
+                  <a:lnTo>
+                    <a:pt x="2045532" y="0"/>
+                  </a:lnTo>
+                  <a:close/>
+                </a:path>
+              </a:pathLst>
+            </a:custGeom>
+            <a:solidFill>
+              <a:schemeClr val="accent1">
+                <a:alpha val="30000"/>
+              </a:schemeClr>
+            </a:solidFill>
+            <a:ln>
+              <a:noFill/>
+            </a:ln>
+            <a:effectLst/>
+          </p:spPr>
+          <p:style>
+            <a:lnRef idx="1">
+              <a:schemeClr val="accent1"/>
+            </a:lnRef>
+            <a:fillRef idx="3">
+              <a:schemeClr val="accent1"/>
+            </a:fillRef>
+            <a:effectRef idx="2">
+              <a:schemeClr val="accent1"/>
+            </a:effectRef>
+            <a:fontRef idx="minor">
+              <a:schemeClr val="lt1"/>
+            </a:fontRef>
+          </p:style>
+        </p:sp>
+        <p:sp>
+          <p:nvSpPr>
+            <p:cNvPr id="23" name="Rectangle 25"/>
+            <p:cNvSpPr/>
+            <p:nvPr/>
+          </p:nvSpPr>
+          <p:spPr>
+            <a:xfrm>
+              <a:off x="9603442" y="-8467"/>
+              <a:ext cx="2588558" cy="6866467"/>
+            </a:xfrm>
+            <a:custGeom>
+              <a:avLst/>
+              <a:gdLst/>
+              <a:ahLst/>
+              <a:cxnLst/>
+              <a:rect l="l" t="t" r="r" b="b"/>
+              <a:pathLst>
+                <a:path w="2573311" h="6866467">
+                  <a:moveTo>
+                    <a:pt x="0" y="0"/>
+                  </a:moveTo>
+                  <a:lnTo>
+                    <a:pt x="2573311" y="0"/>
+                  </a:lnTo>
+                  <a:lnTo>
+                    <a:pt x="2573311" y="6866467"/>
+                  </a:lnTo>
+                  <a:lnTo>
+                    <a:pt x="1202336" y="6866467"/>
+                  </a:lnTo>
+                  <a:lnTo>
+                    <a:pt x="0" y="0"/>
+                  </a:lnTo>
+                  <a:close/>
+                </a:path>
+              </a:pathLst>
+            </a:custGeom>
+            <a:solidFill>
+              <a:schemeClr val="accent1">
+                <a:alpha val="20000"/>
+              </a:schemeClr>
+            </a:solidFill>
+            <a:ln>
+              <a:noFill/>
+            </a:ln>
+            <a:effectLst/>
+          </p:spPr>
+          <p:style>
+            <a:lnRef idx="1">
+              <a:schemeClr val="accent1"/>
+            </a:lnRef>
+            <a:fillRef idx="3">
+              <a:schemeClr val="accent1"/>
+            </a:fillRef>
+            <a:effectRef idx="2">
+              <a:schemeClr val="accent1"/>
+            </a:effectRef>
+            <a:fontRef idx="minor">
+              <a:schemeClr val="lt1"/>
+            </a:fontRef>
+          </p:style>
+        </p:sp>
+        <p:sp>
+          <p:nvSpPr>
+            <p:cNvPr id="24" name="Isosceles Triangle 23"/>
+            <p:cNvSpPr/>
+            <p:nvPr/>
+          </p:nvSpPr>
+          <p:spPr>
+            <a:xfrm>
+              <a:off x="8932333" y="3048000"/>
+              <a:ext cx="3259667" cy="3810000"/>
+            </a:xfrm>
+            <a:prstGeom prst="triangle">
+              <a:avLst>
+                <a:gd name="adj" fmla="val 100000"/>
+              </a:avLst>
+            </a:prstGeom>
+            <a:solidFill>
+              <a:schemeClr val="accent2">
+                <a:alpha val="72000"/>
+              </a:schemeClr>
+            </a:solidFill>
+            <a:ln>
+              <a:noFill/>
+            </a:ln>
+            <a:effectLst/>
+          </p:spPr>
+          <p:style>
+            <a:lnRef idx="1">
+              <a:schemeClr val="accent1"/>
+            </a:lnRef>
+            <a:fillRef idx="3">
+              <a:schemeClr val="accent1"/>
+            </a:fillRef>
+            <a:effectRef idx="2">
+              <a:schemeClr val="accent1"/>
+            </a:effectRef>
+            <a:fontRef idx="minor">
+              <a:schemeClr val="lt1"/>
+            </a:fontRef>
+          </p:style>
+        </p:sp>
+        <p:sp>
+          <p:nvSpPr>
+            <p:cNvPr id="25" name="Rectangle 27"/>
+            <p:cNvSpPr/>
+            <p:nvPr/>
+          </p:nvSpPr>
+          <p:spPr>
+            <a:xfrm>
+              <a:off x="9334500" y="-8467"/>
+              <a:ext cx="2854326" cy="6866467"/>
+            </a:xfrm>
+            <a:custGeom>
+              <a:avLst/>
+              <a:gdLst/>
+              <a:ahLst/>
+              <a:cxnLst/>
+              <a:rect l="l" t="t" r="r" b="b"/>
+              <a:pathLst>
+                <a:path w="2858013" h="6866467">
+                  <a:moveTo>
+                    <a:pt x="0" y="0"/>
+                  </a:moveTo>
+                  <a:lnTo>
+                    <a:pt x="2858013" y="0"/>
+                  </a:lnTo>
+                  <a:lnTo>
+                    <a:pt x="2858013" y="6866467"/>
+                  </a:lnTo>
+                  <a:lnTo>
+                    <a:pt x="2473942" y="6866467"/>
+                  </a:lnTo>
+                  <a:lnTo>
+                    <a:pt x="0" y="0"/>
+                  </a:lnTo>
+                  <a:close/>
+                </a:path>
+              </a:pathLst>
+            </a:custGeom>
+            <a:solidFill>
+              <a:schemeClr val="accent2">
+                <a:lumMod val="75000"/>
+                <a:alpha val="70000"/>
+              </a:schemeClr>
+            </a:solidFill>
+            <a:ln>
+              <a:noFill/>
+            </a:ln>
+            <a:effectLst/>
+          </p:spPr>
+          <p:style>
+            <a:lnRef idx="1">
+              <a:schemeClr val="accent1"/>
+            </a:lnRef>
+            <a:fillRef idx="3">
+              <a:schemeClr val="accent1"/>
+            </a:fillRef>
+            <a:effectRef idx="2">
+              <a:schemeClr val="accent1"/>
+            </a:effectRef>
+            <a:fontRef idx="minor">
+              <a:schemeClr val="lt1"/>
+            </a:fontRef>
+          </p:style>
+        </p:sp>
+        <p:sp>
+          <p:nvSpPr>
+            <p:cNvPr id="26" name="Rectangle 28"/>
+            <p:cNvSpPr/>
+            <p:nvPr/>
+          </p:nvSpPr>
+          <p:spPr>
+            <a:xfrm>
+              <a:off x="10898730" y="-8467"/>
+              <a:ext cx="1290094" cy="6866467"/>
+            </a:xfrm>
+            <a:custGeom>
+              <a:avLst/>
+              <a:gdLst/>
+              <a:ahLst/>
+              <a:cxnLst/>
+              <a:rect l="l" t="t" r="r" b="b"/>
+              <a:pathLst>
+                <a:path w="1290094" h="6858000">
+                  <a:moveTo>
+                    <a:pt x="1019735" y="0"/>
+                  </a:moveTo>
+                  <a:lnTo>
+                    <a:pt x="1290094" y="0"/>
+                  </a:lnTo>
+                  <a:lnTo>
+                    <a:pt x="1290094" y="6858000"/>
+                  </a:lnTo>
+                  <a:lnTo>
+                    <a:pt x="0" y="6858000"/>
+                  </a:lnTo>
+                  <a:lnTo>
+                    <a:pt x="1019735" y="0"/>
+                  </a:lnTo>
+                  <a:close/>
+                </a:path>
+              </a:pathLst>
+            </a:custGeom>
+            <a:solidFill>
+              <a:schemeClr val="accent1">
+                <a:lumMod val="60000"/>
+                <a:lumOff val="40000"/>
+                <a:alpha val="70000"/>
+              </a:schemeClr>
+            </a:solidFill>
+            <a:ln>
+              <a:noFill/>
+            </a:ln>
+            <a:effectLst/>
+          </p:spPr>
+          <p:style>
+            <a:lnRef idx="1">
+              <a:schemeClr val="accent1"/>
+            </a:lnRef>
+            <a:fillRef idx="3">
+              <a:schemeClr val="accent1"/>
+            </a:fillRef>
+            <a:effectRef idx="2">
+              <a:schemeClr val="accent1"/>
+            </a:effectRef>
+            <a:fontRef idx="minor">
+              <a:schemeClr val="lt1"/>
+            </a:fontRef>
+          </p:style>
+        </p:sp>
+        <p:sp>
+          <p:nvSpPr>
+            <p:cNvPr id="27" name="Rectangle 29"/>
+            <p:cNvSpPr/>
+            <p:nvPr/>
+          </p:nvSpPr>
+          <p:spPr>
+            <a:xfrm>
+              <a:off x="10938999" y="-8467"/>
+              <a:ext cx="1249825" cy="6866467"/>
+            </a:xfrm>
+            <a:custGeom>
+              <a:avLst/>
+              <a:gdLst/>
+              <a:ahLst/>
+              <a:cxnLst/>
+              <a:rect l="l" t="t" r="r" b="b"/>
+              <a:pathLst>
+                <a:path w="1249825" h="6858000">
+                  <a:moveTo>
+                    <a:pt x="0" y="0"/>
+                  </a:moveTo>
+                  <a:lnTo>
+                    <a:pt x="1249825" y="0"/>
+                  </a:lnTo>
+                  <a:lnTo>
+                    <a:pt x="1249825" y="6858000"/>
+                  </a:lnTo>
+                  <a:lnTo>
+                    <a:pt x="1109382" y="6858000"/>
+                  </a:lnTo>
+                  <a:lnTo>
+                    <a:pt x="0" y="0"/>
+                  </a:lnTo>
+                  <a:close/>
+                </a:path>
+              </a:pathLst>
+            </a:custGeom>
+            <a:solidFill>
+              <a:schemeClr val="accent1">
+                <a:alpha val="65000"/>
+              </a:schemeClr>
+            </a:solidFill>
+            <a:ln>
+              <a:noFill/>
+            </a:ln>
+            <a:effectLst/>
+          </p:spPr>
+          <p:style>
+            <a:lnRef idx="1">
+              <a:schemeClr val="accent1"/>
+            </a:lnRef>
+            <a:fillRef idx="3">
+              <a:schemeClr val="accent1"/>
+            </a:fillRef>
+            <a:effectRef idx="2">
+              <a:schemeClr val="accent1"/>
+            </a:effectRef>
+            <a:fontRef idx="minor">
+              <a:schemeClr val="lt1"/>
+            </a:fontRef>
+          </p:style>
+        </p:sp>
+        <p:sp>
+          <p:nvSpPr>
+            <p:cNvPr id="28" name="Isosceles Triangle 27"/>
+            <p:cNvSpPr/>
+            <p:nvPr/>
+          </p:nvSpPr>
+          <p:spPr>
+            <a:xfrm>
+              <a:off x="10371666" y="3589867"/>
+              <a:ext cx="1817159" cy="3268133"/>
+            </a:xfrm>
+            <a:prstGeom prst="triangle">
+              <a:avLst>
+                <a:gd name="adj" fmla="val 100000"/>
+              </a:avLst>
+            </a:prstGeom>
+            <a:solidFill>
+              <a:schemeClr val="accent1">
+                <a:alpha val="80000"/>
+              </a:schemeClr>
+            </a:solidFill>
+            <a:ln>
+              <a:noFill/>
+            </a:ln>
+            <a:effectLst/>
+          </p:spPr>
+          <p:style>
+            <a:lnRef idx="1">
+              <a:schemeClr val="accent1"/>
+            </a:lnRef>
+            <a:fillRef idx="3">
+              <a:schemeClr val="accent1"/>
+            </a:fillRef>
+            <a:effectRef idx="2">
+              <a:schemeClr val="accent1"/>
+            </a:effectRef>
+            <a:fontRef idx="minor">
+              <a:schemeClr val="lt1"/>
+            </a:fontRef>
+          </p:style>
+        </p:sp>
+        <p:sp>
+          <p:nvSpPr>
+            <p:cNvPr id="29" name="Isosceles Triangle 28"/>
+            <p:cNvSpPr/>
+            <p:nvPr/>
+          </p:nvSpPr>
+          <p:spPr>
+            <a:xfrm>
+              <a:off x="0" y="4013200"/>
+              <a:ext cx="448733" cy="2844800"/>
+            </a:xfrm>
+            <a:prstGeom prst="triangle">
+              <a:avLst>
+                <a:gd name="adj" fmla="val 0"/>
+              </a:avLst>
+            </a:prstGeom>
+            <a:solidFill>
+              <a:schemeClr val="accent1">
+                <a:alpha val="85000"/>
+              </a:schemeClr>
+            </a:solidFill>
+            <a:ln>
+              <a:noFill/>
+            </a:ln>
+            <a:effectLst/>
+          </p:spPr>
+          <p:style>
+            <a:lnRef idx="1">
+              <a:schemeClr val="accent1"/>
+            </a:lnRef>
+            <a:fillRef idx="3">
+              <a:schemeClr val="accent1"/>
+            </a:fillRef>
+            <a:effectRef idx="2">
+              <a:schemeClr val="accent1"/>
+            </a:effectRef>
+            <a:fontRef idx="minor">
+              <a:schemeClr val="lt1"/>
+            </a:fontRef>
+          </p:style>
+        </p:sp>
+      </p:grpSp>
+      <p:sp>
+        <p:nvSpPr>
+          <p:cNvPr id="2" name="Title Placeholder 1"/>
           <p:cNvSpPr>
             <a:spLocks noGrp="1"/>
           </p:cNvSpPr>
@@ -2786,15 +5197,15 @@
         </p:nvSpPr>
         <p:spPr>
           <a:xfrm>
-            <a:off x="838200" y="365125"/>
-            <a:ext cx="10515600" cy="1325563"/>
+            <a:off x="677334" y="609600"/>
+            <a:ext cx="8596668" cy="1320800"/>
           </a:xfrm>
           <a:prstGeom prst="rect">
             <a:avLst/>
           </a:prstGeom>
         </p:spPr>
         <p:txBody>
-          <a:bodyPr vert="horz" lIns="91440" tIns="45720" rIns="91440" bIns="45720" rtlCol="0" anchor="ctr">
+          <a:bodyPr vert="horz" lIns="91440" tIns="45720" rIns="91440" bIns="45720" rtlCol="0" anchor="t">
             <a:normAutofit/>
           </a:bodyPr>
           <a:lstStyle/>
@@ -2803,18 +5214,13 @@
               <a:rPr lang="en-US"/>
               <a:t>Click to edit Master title style</a:t>
             </a:r>
-          </a:p>
-        </p:txBody>
-      </p:sp>
-      <p:sp>
-        <p:nvSpPr>
-          <p:cNvPr id="3" name="Text Placeholder 2">
-            <a:extLst>
-              <a:ext uri="{FF2B5EF4-FFF2-40B4-BE49-F238E27FC236}">
-                <a16:creationId xmlns:a16="http://schemas.microsoft.com/office/drawing/2014/main" id="{DE0C6E2E-D5E9-1260-81F3-B1E678D1EDEC}"/>
-              </a:ext>
-            </a:extLst>
-          </p:cNvPr>
+            <a:endParaRPr lang="en-US" dirty="0"/>
+          </a:p>
+        </p:txBody>
+      </p:sp>
+      <p:sp>
+        <p:nvSpPr>
+          <p:cNvPr id="3" name="Text Placeholder 2"/>
           <p:cNvSpPr>
             <a:spLocks noGrp="1"/>
           </p:cNvSpPr>
@@ -2824,8 +5230,8 @@
         </p:nvSpPr>
         <p:spPr>
           <a:xfrm>
-            <a:off x="838200" y="1825625"/>
-            <a:ext cx="10515600" cy="4351338"/>
+            <a:off x="677334" y="2160589"/>
+            <a:ext cx="8596668" cy="3880773"/>
           </a:xfrm>
           <a:prstGeom prst="rect">
             <a:avLst/>
@@ -2870,18 +5276,13 @@
               <a:rPr lang="en-US"/>
               <a:t>Fifth level</a:t>
             </a:r>
-          </a:p>
-        </p:txBody>
-      </p:sp>
-      <p:sp>
-        <p:nvSpPr>
-          <p:cNvPr id="4" name="Date Placeholder 3">
-            <a:extLst>
-              <a:ext uri="{FF2B5EF4-FFF2-40B4-BE49-F238E27FC236}">
-                <a16:creationId xmlns:a16="http://schemas.microsoft.com/office/drawing/2014/main" id="{7E939707-477E-E9A3-6A22-7C1556DB3F27}"/>
-              </a:ext>
-            </a:extLst>
-          </p:cNvPr>
+            <a:endParaRPr lang="en-US" dirty="0"/>
+          </a:p>
+        </p:txBody>
+      </p:sp>
+      <p:sp>
+        <p:nvSpPr>
+          <p:cNvPr id="4" name="Date Placeholder 3"/>
           <p:cNvSpPr>
             <a:spLocks noGrp="1"/>
           </p:cNvSpPr>
@@ -2891,8 +5292,8 @@
         </p:nvSpPr>
         <p:spPr>
           <a:xfrm>
-            <a:off x="838200" y="6356350"/>
-            <a:ext cx="2743200" cy="365125"/>
+            <a:off x="7205133" y="6041362"/>
+            <a:ext cx="911939" cy="365125"/>
           </a:xfrm>
           <a:prstGeom prst="rect">
             <a:avLst/>
@@ -2901,8 +5302,8 @@
         <p:txBody>
           <a:bodyPr vert="horz" lIns="91440" tIns="45720" rIns="91440" bIns="45720" rtlCol="0" anchor="ctr"/>
           <a:lstStyle>
-            <a:lvl1pPr algn="l">
-              <a:defRPr sz="1200">
+            <a:lvl1pPr algn="r">
+              <a:defRPr sz="900">
                 <a:solidFill>
                   <a:schemeClr val="tx1">
                     <a:tint val="75000"/>
@@ -2922,13 +5323,7 @@
       </p:sp>
       <p:sp>
         <p:nvSpPr>
-          <p:cNvPr id="5" name="Footer Placeholder 4">
-            <a:extLst>
-              <a:ext uri="{FF2B5EF4-FFF2-40B4-BE49-F238E27FC236}">
-                <a16:creationId xmlns:a16="http://schemas.microsoft.com/office/drawing/2014/main" id="{78C36C29-DF21-71DB-BD41-1E0E1597BB94}"/>
-              </a:ext>
-            </a:extLst>
-          </p:cNvPr>
+          <p:cNvPr id="5" name="Footer Placeholder 4"/>
           <p:cNvSpPr>
             <a:spLocks noGrp="1"/>
           </p:cNvSpPr>
@@ -2938,8 +5333,8 @@
         </p:nvSpPr>
         <p:spPr>
           <a:xfrm>
-            <a:off x="4038600" y="6356350"/>
-            <a:ext cx="4114800" cy="365125"/>
+            <a:off x="677334" y="6041362"/>
+            <a:ext cx="6297612" cy="365125"/>
           </a:xfrm>
           <a:prstGeom prst="rect">
             <a:avLst/>
@@ -2948,8 +5343,8 @@
         <p:txBody>
           <a:bodyPr vert="horz" lIns="91440" tIns="45720" rIns="91440" bIns="45720" rtlCol="0" anchor="ctr"/>
           <a:lstStyle>
-            <a:lvl1pPr algn="ctr">
-              <a:defRPr sz="1200">
+            <a:lvl1pPr algn="l">
+              <a:defRPr sz="900">
                 <a:solidFill>
                   <a:schemeClr val="tx1">
                     <a:tint val="75000"/>
@@ -2965,13 +5360,7 @@
       </p:sp>
       <p:sp>
         <p:nvSpPr>
-          <p:cNvPr id="6" name="Slide Number Placeholder 5">
-            <a:extLst>
-              <a:ext uri="{FF2B5EF4-FFF2-40B4-BE49-F238E27FC236}">
-                <a16:creationId xmlns:a16="http://schemas.microsoft.com/office/drawing/2014/main" id="{24C48DBE-06EF-EDE9-3A18-EF193A9BD6AA}"/>
-              </a:ext>
-            </a:extLst>
-          </p:cNvPr>
+          <p:cNvPr id="6" name="Slide Number Placeholder 5"/>
           <p:cNvSpPr>
             <a:spLocks noGrp="1"/>
           </p:cNvSpPr>
@@ -2981,8 +5370,8 @@
         </p:nvSpPr>
         <p:spPr>
           <a:xfrm>
-            <a:off x="8610600" y="6356350"/>
-            <a:ext cx="2743200" cy="365125"/>
+            <a:off x="8590663" y="6041362"/>
+            <a:ext cx="683339" cy="365125"/>
           </a:xfrm>
           <a:prstGeom prst="rect">
             <a:avLst/>
@@ -2992,11 +5381,9 @@
           <a:bodyPr vert="horz" lIns="91440" tIns="45720" rIns="91440" bIns="45720" rtlCol="0" anchor="ctr"/>
           <a:lstStyle>
             <a:lvl1pPr algn="r">
-              <a:defRPr sz="1200">
-                <a:solidFill>
-                  <a:schemeClr val="tx1">
-                    <a:tint val="75000"/>
-                  </a:schemeClr>
+              <a:defRPr sz="900">
+                <a:solidFill>
+                  <a:schemeClr val="accent1"/>
                 </a:solidFill>
               </a:defRPr>
             </a:lvl1pPr>
@@ -3013,201 +5400,322 @@
     </p:spTree>
     <p:extLst>
       <p:ext uri="{BB962C8B-B14F-4D97-AF65-F5344CB8AC3E}">
-        <p14:creationId xmlns:p14="http://schemas.microsoft.com/office/powerpoint/2010/main" val="1670034699"/>
+        <p14:creationId xmlns:p14="http://schemas.microsoft.com/office/powerpoint/2010/main" val="1916499109"/>
       </p:ext>
     </p:extLst>
   </p:cSld>
   <p:clrMap bg1="lt1" tx1="dk1" bg2="lt2" tx2="dk2" accent1="accent1" accent2="accent2" accent3="accent3" accent4="accent4" accent5="accent5" accent6="accent6" hlink="hlink" folHlink="folHlink"/>
   <p:sldLayoutIdLst>
-    <p:sldLayoutId id="2147483649" r:id="rId1"/>
-    <p:sldLayoutId id="2147483650" r:id="rId2"/>
-    <p:sldLayoutId id="2147483651" r:id="rId3"/>
-    <p:sldLayoutId id="2147483652" r:id="rId4"/>
-    <p:sldLayoutId id="2147483653" r:id="rId5"/>
-    <p:sldLayoutId id="2147483654" r:id="rId6"/>
-    <p:sldLayoutId id="2147483655" r:id="rId7"/>
-    <p:sldLayoutId id="2147483656" r:id="rId8"/>
-    <p:sldLayoutId id="2147483657" r:id="rId9"/>
-    <p:sldLayoutId id="2147483658" r:id="rId10"/>
-    <p:sldLayoutId id="2147483659" r:id="rId11"/>
+    <p:sldLayoutId id="2147483803" r:id="rId1"/>
+    <p:sldLayoutId id="2147483804" r:id="rId2"/>
+    <p:sldLayoutId id="2147483805" r:id="rId3"/>
+    <p:sldLayoutId id="2147483806" r:id="rId4"/>
+    <p:sldLayoutId id="2147483807" r:id="rId5"/>
+    <p:sldLayoutId id="2147483808" r:id="rId6"/>
+    <p:sldLayoutId id="2147483809" r:id="rId7"/>
+    <p:sldLayoutId id="2147483810" r:id="rId8"/>
+    <p:sldLayoutId id="2147483811" r:id="rId9"/>
+    <p:sldLayoutId id="2147483812" r:id="rId10"/>
+    <p:sldLayoutId id="2147483813" r:id="rId11"/>
+    <p:sldLayoutId id="2147483814" r:id="rId12"/>
+    <p:sldLayoutId id="2147483815" r:id="rId13"/>
+    <p:sldLayoutId id="2147483816" r:id="rId14"/>
+    <p:sldLayoutId id="2147483817" r:id="rId15"/>
+    <p:sldLayoutId id="2147483818" r:id="rId16"/>
   </p:sldLayoutIdLst>
   <p:txStyles>
     <p:titleStyle>
-      <a:lvl1pPr algn="l" defTabSz="914400" rtl="0" eaLnBrk="1" latinLnBrk="0" hangingPunct="1">
-        <a:lnSpc>
-          <a:spcPct val="90000"/>
-        </a:lnSpc>
+      <a:lvl1pPr algn="l" defTabSz="457200" rtl="0" eaLnBrk="1" latinLnBrk="0" hangingPunct="1">
         <a:spcBef>
           <a:spcPct val="0"/>
         </a:spcBef>
         <a:buNone/>
-        <a:defRPr sz="4400" kern="1200">
+        <a:defRPr sz="3600" kern="1200">
           <a:solidFill>
-            <a:schemeClr val="tx1"/>
+            <a:schemeClr val="accent1"/>
           </a:solidFill>
           <a:latin typeface="+mj-lt"/>
           <a:ea typeface="+mj-ea"/>
           <a:cs typeface="+mj-cs"/>
         </a:defRPr>
       </a:lvl1pPr>
+      <a:lvl2pPr eaLnBrk="1" hangingPunct="1">
+        <a:defRPr>
+          <a:solidFill>
+            <a:schemeClr val="tx2"/>
+          </a:solidFill>
+        </a:defRPr>
+      </a:lvl2pPr>
+      <a:lvl3pPr eaLnBrk="1" hangingPunct="1">
+        <a:defRPr>
+          <a:solidFill>
+            <a:schemeClr val="tx2"/>
+          </a:solidFill>
+        </a:defRPr>
+      </a:lvl3pPr>
+      <a:lvl4pPr eaLnBrk="1" hangingPunct="1">
+        <a:defRPr>
+          <a:solidFill>
+            <a:schemeClr val="tx2"/>
+          </a:solidFill>
+        </a:defRPr>
+      </a:lvl4pPr>
+      <a:lvl5pPr eaLnBrk="1" hangingPunct="1">
+        <a:defRPr>
+          <a:solidFill>
+            <a:schemeClr val="tx2"/>
+          </a:solidFill>
+        </a:defRPr>
+      </a:lvl5pPr>
+      <a:lvl6pPr eaLnBrk="1" hangingPunct="1">
+        <a:defRPr>
+          <a:solidFill>
+            <a:schemeClr val="tx2"/>
+          </a:solidFill>
+        </a:defRPr>
+      </a:lvl6pPr>
+      <a:lvl7pPr eaLnBrk="1" hangingPunct="1">
+        <a:defRPr>
+          <a:solidFill>
+            <a:schemeClr val="tx2"/>
+          </a:solidFill>
+        </a:defRPr>
+      </a:lvl7pPr>
+      <a:lvl8pPr eaLnBrk="1" hangingPunct="1">
+        <a:defRPr>
+          <a:solidFill>
+            <a:schemeClr val="tx2"/>
+          </a:solidFill>
+        </a:defRPr>
+      </a:lvl8pPr>
+      <a:lvl9pPr eaLnBrk="1" hangingPunct="1">
+        <a:defRPr>
+          <a:solidFill>
+            <a:schemeClr val="tx2"/>
+          </a:solidFill>
+        </a:defRPr>
+      </a:lvl9pPr>
     </p:titleStyle>
     <p:bodyStyle>
-      <a:lvl1pPr marL="228600" indent="-228600" algn="l" defTabSz="914400" rtl="0" eaLnBrk="1" latinLnBrk="0" hangingPunct="1">
-        <a:lnSpc>
-          <a:spcPct val="90000"/>
-        </a:lnSpc>
+      <a:lvl1pPr marL="342900" indent="-342900" algn="l" defTabSz="457200" rtl="0" eaLnBrk="1" latinLnBrk="0" hangingPunct="1">
         <a:spcBef>
           <a:spcPts val="1000"/>
         </a:spcBef>
-        <a:buFont typeface="Arial" panose="020B0604020202020204" pitchFamily="34" charset="0"/>
-        <a:buChar char="•"/>
-        <a:defRPr sz="2800" kern="1200">
+        <a:spcAft>
+          <a:spcPts val="0"/>
+        </a:spcAft>
+        <a:buClr>
+          <a:schemeClr val="accent1"/>
+        </a:buClr>
+        <a:buSzPct val="80000"/>
+        <a:buFont typeface="Wingdings 3" charset="2"/>
+        <a:buChar char=""/>
+        <a:defRPr sz="1800" kern="1200">
           <a:solidFill>
-            <a:schemeClr val="tx1"/>
+            <a:schemeClr val="tx1">
+              <a:lumMod val="75000"/>
+              <a:lumOff val="25000"/>
+            </a:schemeClr>
           </a:solidFill>
           <a:latin typeface="+mn-lt"/>
           <a:ea typeface="+mn-ea"/>
           <a:cs typeface="+mn-cs"/>
         </a:defRPr>
       </a:lvl1pPr>
-      <a:lvl2pPr marL="685800" indent="-228600" algn="l" defTabSz="914400" rtl="0" eaLnBrk="1" latinLnBrk="0" hangingPunct="1">
-        <a:lnSpc>
-          <a:spcPct val="90000"/>
-        </a:lnSpc>
+      <a:lvl2pPr marL="742950" indent="-285750" algn="l" defTabSz="457200" rtl="0" eaLnBrk="1" latinLnBrk="0" hangingPunct="1">
         <a:spcBef>
-          <a:spcPts val="500"/>
+          <a:spcPts val="1000"/>
         </a:spcBef>
-        <a:buFont typeface="Arial" panose="020B0604020202020204" pitchFamily="34" charset="0"/>
-        <a:buChar char="•"/>
-        <a:defRPr sz="2400" kern="1200">
+        <a:spcAft>
+          <a:spcPts val="0"/>
+        </a:spcAft>
+        <a:buClr>
+          <a:schemeClr val="accent1"/>
+        </a:buClr>
+        <a:buSzPct val="80000"/>
+        <a:buFont typeface="Wingdings 3" charset="2"/>
+        <a:buChar char=""/>
+        <a:defRPr sz="1600" kern="1200">
           <a:solidFill>
-            <a:schemeClr val="tx1"/>
+            <a:schemeClr val="tx1">
+              <a:lumMod val="75000"/>
+              <a:lumOff val="25000"/>
+            </a:schemeClr>
           </a:solidFill>
           <a:latin typeface="+mn-lt"/>
           <a:ea typeface="+mn-ea"/>
           <a:cs typeface="+mn-cs"/>
         </a:defRPr>
       </a:lvl2pPr>
-      <a:lvl3pPr marL="1143000" indent="-228600" algn="l" defTabSz="914400" rtl="0" eaLnBrk="1" latinLnBrk="0" hangingPunct="1">
-        <a:lnSpc>
-          <a:spcPct val="90000"/>
-        </a:lnSpc>
+      <a:lvl3pPr marL="1143000" indent="-228600" algn="l" defTabSz="457200" rtl="0" eaLnBrk="1" latinLnBrk="0" hangingPunct="1">
         <a:spcBef>
-          <a:spcPts val="500"/>
+          <a:spcPts val="1000"/>
         </a:spcBef>
-        <a:buFont typeface="Arial" panose="020B0604020202020204" pitchFamily="34" charset="0"/>
-        <a:buChar char="•"/>
-        <a:defRPr sz="2000" kern="1200">
+        <a:spcAft>
+          <a:spcPts val="0"/>
+        </a:spcAft>
+        <a:buClr>
+          <a:schemeClr val="accent1"/>
+        </a:buClr>
+        <a:buSzPct val="80000"/>
+        <a:buFont typeface="Wingdings 3" charset="2"/>
+        <a:buChar char=""/>
+        <a:defRPr sz="1400" kern="1200">
           <a:solidFill>
-            <a:schemeClr val="tx1"/>
+            <a:schemeClr val="tx1">
+              <a:lumMod val="75000"/>
+              <a:lumOff val="25000"/>
+            </a:schemeClr>
           </a:solidFill>
           <a:latin typeface="+mn-lt"/>
           <a:ea typeface="+mn-ea"/>
           <a:cs typeface="+mn-cs"/>
         </a:defRPr>
       </a:lvl3pPr>
-      <a:lvl4pPr marL="1600200" indent="-228600" algn="l" defTabSz="914400" rtl="0" eaLnBrk="1" latinLnBrk="0" hangingPunct="1">
-        <a:lnSpc>
-          <a:spcPct val="90000"/>
-        </a:lnSpc>
+      <a:lvl4pPr marL="1600200" indent="-228600" algn="l" defTabSz="457200" rtl="0" eaLnBrk="1" latinLnBrk="0" hangingPunct="1">
         <a:spcBef>
-          <a:spcPts val="500"/>
+          <a:spcPts val="1000"/>
         </a:spcBef>
-        <a:buFont typeface="Arial" panose="020B0604020202020204" pitchFamily="34" charset="0"/>
-        <a:buChar char="•"/>
-        <a:defRPr sz="1800" kern="1200">
+        <a:spcAft>
+          <a:spcPts val="0"/>
+        </a:spcAft>
+        <a:buClr>
+          <a:schemeClr val="accent1"/>
+        </a:buClr>
+        <a:buSzPct val="80000"/>
+        <a:buFont typeface="Wingdings 3" charset="2"/>
+        <a:buChar char=""/>
+        <a:defRPr sz="1200" kern="1200">
           <a:solidFill>
-            <a:schemeClr val="tx1"/>
+            <a:schemeClr val="tx1">
+              <a:lumMod val="75000"/>
+              <a:lumOff val="25000"/>
+            </a:schemeClr>
           </a:solidFill>
           <a:latin typeface="+mn-lt"/>
           <a:ea typeface="+mn-ea"/>
           <a:cs typeface="+mn-cs"/>
         </a:defRPr>
       </a:lvl4pPr>
-      <a:lvl5pPr marL="2057400" indent="-228600" algn="l" defTabSz="914400" rtl="0" eaLnBrk="1" latinLnBrk="0" hangingPunct="1">
-        <a:lnSpc>
-          <a:spcPct val="90000"/>
-        </a:lnSpc>
+      <a:lvl5pPr marL="2057400" indent="-228600" algn="l" defTabSz="457200" rtl="0" eaLnBrk="1" latinLnBrk="0" hangingPunct="1">
         <a:spcBef>
-          <a:spcPts val="500"/>
+          <a:spcPts val="1000"/>
         </a:spcBef>
-        <a:buFont typeface="Arial" panose="020B0604020202020204" pitchFamily="34" charset="0"/>
-        <a:buChar char="•"/>
-        <a:defRPr sz="1800" kern="1200">
+        <a:spcAft>
+          <a:spcPts val="0"/>
+        </a:spcAft>
+        <a:buClr>
+          <a:schemeClr val="accent1"/>
+        </a:buClr>
+        <a:buSzPct val="80000"/>
+        <a:buFont typeface="Wingdings 3" charset="2"/>
+        <a:buChar char=""/>
+        <a:defRPr sz="1200" kern="1200">
           <a:solidFill>
-            <a:schemeClr val="tx1"/>
+            <a:schemeClr val="tx1">
+              <a:lumMod val="75000"/>
+              <a:lumOff val="25000"/>
+            </a:schemeClr>
           </a:solidFill>
           <a:latin typeface="+mn-lt"/>
           <a:ea typeface="+mn-ea"/>
           <a:cs typeface="+mn-cs"/>
         </a:defRPr>
       </a:lvl5pPr>
-      <a:lvl6pPr marL="2514600" indent="-228600" algn="l" defTabSz="914400" rtl="0" eaLnBrk="1" latinLnBrk="0" hangingPunct="1">
-        <a:lnSpc>
-          <a:spcPct val="90000"/>
-        </a:lnSpc>
+      <a:lvl6pPr marL="2514600" indent="-228600" algn="l" defTabSz="457200" rtl="0" eaLnBrk="1" latinLnBrk="0" hangingPunct="1">
         <a:spcBef>
-          <a:spcPts val="500"/>
+          <a:spcPts val="1000"/>
         </a:spcBef>
-        <a:buFont typeface="Arial" panose="020B0604020202020204" pitchFamily="34" charset="0"/>
-        <a:buChar char="•"/>
-        <a:defRPr sz="1800" kern="1200">
+        <a:spcAft>
+          <a:spcPts val="0"/>
+        </a:spcAft>
+        <a:buClr>
+          <a:schemeClr val="accent1"/>
+        </a:buClr>
+        <a:buSzPct val="80000"/>
+        <a:buFont typeface="Wingdings 3" charset="2"/>
+        <a:buChar char=""/>
+        <a:defRPr sz="1200" kern="1200">
           <a:solidFill>
-            <a:schemeClr val="tx1"/>
+            <a:schemeClr val="tx1">
+              <a:lumMod val="75000"/>
+              <a:lumOff val="25000"/>
+            </a:schemeClr>
           </a:solidFill>
           <a:latin typeface="+mn-lt"/>
           <a:ea typeface="+mn-ea"/>
           <a:cs typeface="+mn-cs"/>
         </a:defRPr>
       </a:lvl6pPr>
-      <a:lvl7pPr marL="2971800" indent="-228600" algn="l" defTabSz="914400" rtl="0" eaLnBrk="1" latinLnBrk="0" hangingPunct="1">
-        <a:lnSpc>
-          <a:spcPct val="90000"/>
-        </a:lnSpc>
+      <a:lvl7pPr marL="2971800" indent="-228600" algn="l" defTabSz="457200" rtl="0" eaLnBrk="1" latinLnBrk="0" hangingPunct="1">
         <a:spcBef>
-          <a:spcPts val="500"/>
+          <a:spcPts val="1000"/>
         </a:spcBef>
-        <a:buFont typeface="Arial" panose="020B0604020202020204" pitchFamily="34" charset="0"/>
-        <a:buChar char="•"/>
-        <a:defRPr sz="1800" kern="1200">
+        <a:spcAft>
+          <a:spcPts val="0"/>
+        </a:spcAft>
+        <a:buClr>
+          <a:schemeClr val="accent1"/>
+        </a:buClr>
+        <a:buSzPct val="80000"/>
+        <a:buFont typeface="Wingdings 3" charset="2"/>
+        <a:buChar char=""/>
+        <a:defRPr sz="1200" kern="1200">
           <a:solidFill>
-            <a:schemeClr val="tx1"/>
+            <a:schemeClr val="tx1">
+              <a:lumMod val="75000"/>
+              <a:lumOff val="25000"/>
+            </a:schemeClr>
           </a:solidFill>
           <a:latin typeface="+mn-lt"/>
           <a:ea typeface="+mn-ea"/>
           <a:cs typeface="+mn-cs"/>
         </a:defRPr>
       </a:lvl7pPr>
-      <a:lvl8pPr marL="3429000" indent="-228600" algn="l" defTabSz="914400" rtl="0" eaLnBrk="1" latinLnBrk="0" hangingPunct="1">
-        <a:lnSpc>
-          <a:spcPct val="90000"/>
-        </a:lnSpc>
+      <a:lvl8pPr marL="3429000" indent="-228600" algn="l" defTabSz="457200" rtl="0" eaLnBrk="1" latinLnBrk="0" hangingPunct="1">
         <a:spcBef>
-          <a:spcPts val="500"/>
+          <a:spcPts val="1000"/>
         </a:spcBef>
-        <a:buFont typeface="Arial" panose="020B0604020202020204" pitchFamily="34" charset="0"/>
-        <a:buChar char="•"/>
-        <a:defRPr sz="1800" kern="1200">
+        <a:spcAft>
+          <a:spcPts val="0"/>
+        </a:spcAft>
+        <a:buClr>
+          <a:schemeClr val="accent1"/>
+        </a:buClr>
+        <a:buSzPct val="80000"/>
+        <a:buFont typeface="Wingdings 3" charset="2"/>
+        <a:buChar char=""/>
+        <a:defRPr sz="1200" kern="1200">
           <a:solidFill>
-            <a:schemeClr val="tx1"/>
+            <a:schemeClr val="tx1">
+              <a:lumMod val="75000"/>
+              <a:lumOff val="25000"/>
+            </a:schemeClr>
           </a:solidFill>
           <a:latin typeface="+mn-lt"/>
           <a:ea typeface="+mn-ea"/>
           <a:cs typeface="+mn-cs"/>
         </a:defRPr>
       </a:lvl8pPr>
-      <a:lvl9pPr marL="3886200" indent="-228600" algn="l" defTabSz="914400" rtl="0" eaLnBrk="1" latinLnBrk="0" hangingPunct="1">
-        <a:lnSpc>
-          <a:spcPct val="90000"/>
-        </a:lnSpc>
+      <a:lvl9pPr marL="3886200" indent="-228600" algn="l" defTabSz="457200" rtl="0" eaLnBrk="1" latinLnBrk="0" hangingPunct="1">
         <a:spcBef>
-          <a:spcPts val="500"/>
+          <a:spcPts val="1000"/>
         </a:spcBef>
-        <a:buFont typeface="Arial" panose="020B0604020202020204" pitchFamily="34" charset="0"/>
-        <a:buChar char="•"/>
-        <a:defRPr sz="1800" kern="1200">
+        <a:spcAft>
+          <a:spcPts val="0"/>
+        </a:spcAft>
+        <a:buClr>
+          <a:schemeClr val="accent1"/>
+        </a:buClr>
+        <a:buSzPct val="80000"/>
+        <a:buFont typeface="Wingdings 3" charset="2"/>
+        <a:buChar char=""/>
+        <a:defRPr sz="1200" kern="1200">
           <a:solidFill>
-            <a:schemeClr val="tx1"/>
+            <a:schemeClr val="tx1">
+              <a:lumMod val="75000"/>
+              <a:lumOff val="25000"/>
+            </a:schemeClr>
           </a:solidFill>
           <a:latin typeface="+mn-lt"/>
           <a:ea typeface="+mn-ea"/>
@@ -3219,7 +5727,7 @@
       <a:defPPr>
         <a:defRPr lang="en-US"/>
       </a:defPPr>
-      <a:lvl1pPr marL="0" algn="l" defTabSz="914400" rtl="0" eaLnBrk="1" latinLnBrk="0" hangingPunct="1">
+      <a:lvl1pPr marL="0" algn="l" defTabSz="457200" rtl="0" eaLnBrk="1" latinLnBrk="0" hangingPunct="1">
         <a:defRPr sz="1800" kern="1200">
           <a:solidFill>
             <a:schemeClr val="tx1"/>
@@ -3229,7 +5737,7 @@
           <a:cs typeface="+mn-cs"/>
         </a:defRPr>
       </a:lvl1pPr>
-      <a:lvl2pPr marL="457200" algn="l" defTabSz="914400" rtl="0" eaLnBrk="1" latinLnBrk="0" hangingPunct="1">
+      <a:lvl2pPr marL="457200" algn="l" defTabSz="457200" rtl="0" eaLnBrk="1" latinLnBrk="0" hangingPunct="1">
         <a:defRPr sz="1800" kern="1200">
           <a:solidFill>
             <a:schemeClr val="tx1"/>
@@ -3239,7 +5747,7 @@
           <a:cs typeface="+mn-cs"/>
         </a:defRPr>
       </a:lvl2pPr>
-      <a:lvl3pPr marL="914400" algn="l" defTabSz="914400" rtl="0" eaLnBrk="1" latinLnBrk="0" hangingPunct="1">
+      <a:lvl3pPr marL="914400" algn="l" defTabSz="457200" rtl="0" eaLnBrk="1" latinLnBrk="0" hangingPunct="1">
         <a:defRPr sz="1800" kern="1200">
           <a:solidFill>
             <a:schemeClr val="tx1"/>
@@ -3249,7 +5757,7 @@
           <a:cs typeface="+mn-cs"/>
         </a:defRPr>
       </a:lvl3pPr>
-      <a:lvl4pPr marL="1371600" algn="l" defTabSz="914400" rtl="0" eaLnBrk="1" latinLnBrk="0" hangingPunct="1">
+      <a:lvl4pPr marL="1371600" algn="l" defTabSz="457200" rtl="0" eaLnBrk="1" latinLnBrk="0" hangingPunct="1">
         <a:defRPr sz="1800" kern="1200">
           <a:solidFill>
             <a:schemeClr val="tx1"/>
@@ -3259,7 +5767,7 @@
           <a:cs typeface="+mn-cs"/>
         </a:defRPr>
       </a:lvl4pPr>
-      <a:lvl5pPr marL="1828800" algn="l" defTabSz="914400" rtl="0" eaLnBrk="1" latinLnBrk="0" hangingPunct="1">
+      <a:lvl5pPr marL="1828800" algn="l" defTabSz="457200" rtl="0" eaLnBrk="1" latinLnBrk="0" hangingPunct="1">
         <a:defRPr sz="1800" kern="1200">
           <a:solidFill>
             <a:schemeClr val="tx1"/>
@@ -3269,7 +5777,7 @@
           <a:cs typeface="+mn-cs"/>
         </a:defRPr>
       </a:lvl5pPr>
-      <a:lvl6pPr marL="2286000" algn="l" defTabSz="914400" rtl="0" eaLnBrk="1" latinLnBrk="0" hangingPunct="1">
+      <a:lvl6pPr marL="2286000" algn="l" defTabSz="457200" rtl="0" eaLnBrk="1" latinLnBrk="0" hangingPunct="1">
         <a:defRPr sz="1800" kern="1200">
           <a:solidFill>
             <a:schemeClr val="tx1"/>
@@ -3279,7 +5787,7 @@
           <a:cs typeface="+mn-cs"/>
         </a:defRPr>
       </a:lvl6pPr>
-      <a:lvl7pPr marL="2743200" algn="l" defTabSz="914400" rtl="0" eaLnBrk="1" latinLnBrk="0" hangingPunct="1">
+      <a:lvl7pPr marL="2743200" algn="l" defTabSz="457200" rtl="0" eaLnBrk="1" latinLnBrk="0" hangingPunct="1">
         <a:defRPr sz="1800" kern="1200">
           <a:solidFill>
             <a:schemeClr val="tx1"/>
@@ -3289,7 +5797,7 @@
           <a:cs typeface="+mn-cs"/>
         </a:defRPr>
       </a:lvl7pPr>
-      <a:lvl8pPr marL="3200400" algn="l" defTabSz="914400" rtl="0" eaLnBrk="1" latinLnBrk="0" hangingPunct="1">
+      <a:lvl8pPr marL="3200400" algn="l" defTabSz="457200" rtl="0" eaLnBrk="1" latinLnBrk="0" hangingPunct="1">
         <a:defRPr sz="1800" kern="1200">
           <a:solidFill>
             <a:schemeClr val="tx1"/>
@@ -3299,7 +5807,7 @@
           <a:cs typeface="+mn-cs"/>
         </a:defRPr>
       </a:lvl8pPr>
-      <a:lvl9pPr marL="3657600" algn="l" defTabSz="914400" rtl="0" eaLnBrk="1" latinLnBrk="0" hangingPunct="1">
+      <a:lvl9pPr marL="3657600" algn="l" defTabSz="457200" rtl="0" eaLnBrk="1" latinLnBrk="0" hangingPunct="1">
         <a:defRPr sz="1800" kern="1200">
           <a:solidFill>
             <a:schemeClr val="tx1"/>
@@ -3354,8 +5862,13 @@
           </a:bodyPr>
           <a:lstStyle/>
           <a:p>
-            <a:r>
-              <a:rPr lang="en-US" dirty="0"/>
+            <a:pPr algn="ctr"/>
+            <a:r>
+              <a:rPr lang="en-US" dirty="0">
+                <a:solidFill>
+                  <a:schemeClr val="tx1"/>
+                </a:solidFill>
+              </a:rPr>
               <a:t>Analysis of Sci-Fi Movies and Availability on Streaming Services</a:t>
             </a:r>
           </a:p>
@@ -3446,41 +5959,18 @@
         </p:nvSpPr>
         <p:spPr/>
         <p:txBody>
-          <a:bodyPr/>
+          <a:bodyPr>
+            <a:normAutofit/>
+          </a:bodyPr>
           <a:lstStyle/>
           <a:p>
             <a:pPr marL="0" indent="0">
               <a:buNone/>
             </a:pPr>
             <a:r>
-              <a:rPr lang="en-US" dirty="0"/>
+              <a:rPr lang="en-US" sz="3200" dirty="0"/>
               <a:t>Based on this data and personal experience, I agree that Amazon Prime is the best source for Sci-Fi movies.</a:t>
             </a:r>
-          </a:p>
-        </p:txBody>
-      </p:sp>
-      <p:sp>
-        <p:nvSpPr>
-          <p:cNvPr id="5" name="Title 4">
-            <a:extLst>
-              <a:ext uri="{FF2B5EF4-FFF2-40B4-BE49-F238E27FC236}">
-                <a16:creationId xmlns:a16="http://schemas.microsoft.com/office/drawing/2014/main" id="{FEF60BAD-2BEB-990E-51C2-E09A4EAFFCEE}"/>
-              </a:ext>
-            </a:extLst>
-          </p:cNvPr>
-          <p:cNvSpPr>
-            <a:spLocks noGrp="1"/>
-          </p:cNvSpPr>
-          <p:nvPr>
-            <p:ph type="title"/>
-          </p:nvPr>
-        </p:nvSpPr>
-        <p:spPr/>
-        <p:txBody>
-          <a:bodyPr/>
-          <a:lstStyle/>
-          <a:p>
-            <a:endParaRPr lang="en-US"/>
           </a:p>
         </p:txBody>
       </p:sp>
@@ -3541,8 +6031,13 @@
           <a:bodyPr/>
           <a:lstStyle/>
           <a:p>
-            <a:r>
-              <a:rPr lang="en-US" dirty="0"/>
+            <a:pPr algn="ctr"/>
+            <a:r>
+              <a:rPr lang="en-US" dirty="0">
+                <a:solidFill>
+                  <a:schemeClr val="tx1"/>
+                </a:solidFill>
+              </a:rPr>
               <a:t>Conclusion</a:t>
             </a:r>
           </a:p>
@@ -3566,14 +6061,16 @@
         </p:nvSpPr>
         <p:spPr/>
         <p:txBody>
-          <a:bodyPr/>
+          <a:bodyPr>
+            <a:normAutofit/>
+          </a:bodyPr>
           <a:lstStyle/>
           <a:p>
             <a:pPr marL="0" indent="0">
               <a:buNone/>
             </a:pPr>
             <a:r>
-              <a:rPr lang="en-US" dirty="0"/>
+              <a:rPr lang="en-US" sz="2000" dirty="0"/>
               <a:t>After completing this analysis, I feel that I accomplished my goals.</a:t>
             </a:r>
           </a:p>
@@ -3581,32 +6078,32 @@
             <a:pPr marL="0" indent="0">
               <a:buNone/>
             </a:pPr>
-            <a:endParaRPr lang="en-US" dirty="0"/>
+            <a:endParaRPr lang="en-US" sz="2000" dirty="0"/>
           </a:p>
           <a:p>
             <a:pPr marL="0" indent="0">
               <a:buNone/>
             </a:pPr>
             <a:r>
-              <a:rPr lang="en-US" dirty="0"/>
+              <a:rPr lang="en-US" sz="2000" dirty="0"/>
               <a:t>Future analysis should be performed to determine the following:</a:t>
             </a:r>
           </a:p>
           <a:p>
             <a:r>
-              <a:rPr lang="en-US" dirty="0"/>
+              <a:rPr lang="en-US" sz="2000" dirty="0"/>
               <a:t>Are some movies available on more that one streaming service?</a:t>
             </a:r>
           </a:p>
           <a:p>
             <a:r>
-              <a:rPr lang="en-US" dirty="0"/>
+              <a:rPr lang="en-US" sz="2000" dirty="0"/>
               <a:t>Could I determine the average Quality of the movies on each service?</a:t>
             </a:r>
           </a:p>
           <a:p>
             <a:r>
-              <a:rPr lang="en-US" dirty="0"/>
+              <a:rPr lang="en-US" sz="2000" dirty="0"/>
               <a:t>Could I find data that returns the cost per movie to compare with ratings and box office revenue? </a:t>
             </a:r>
           </a:p>
@@ -3671,7 +6168,11 @@
           <a:p>
             <a:pPr algn="ctr"/>
             <a:r>
-              <a:rPr lang="en-US" dirty="0"/>
+              <a:rPr lang="en-US" dirty="0">
+                <a:solidFill>
+                  <a:schemeClr val="tx1"/>
+                </a:solidFill>
+              </a:rPr>
               <a:t>Analysis Goals</a:t>
             </a:r>
           </a:p>
@@ -3695,29 +6196,31 @@
         </p:nvSpPr>
         <p:spPr/>
         <p:txBody>
-          <a:bodyPr/>
-          <a:lstStyle/>
-          <a:p>
-            <a:r>
-              <a:rPr lang="en-US" dirty="0"/>
+          <a:bodyPr>
+            <a:noAutofit/>
+          </a:bodyPr>
+          <a:lstStyle/>
+          <a:p>
+            <a:r>
+              <a:rPr lang="en-US" sz="3200" dirty="0"/>
               <a:t>Find the highest rated movies available.</a:t>
             </a:r>
           </a:p>
           <a:p>
             <a:r>
-              <a:rPr lang="en-US" dirty="0"/>
+              <a:rPr lang="en-US" sz="3200" dirty="0"/>
               <a:t>Find the lowest rated movies available.</a:t>
             </a:r>
           </a:p>
           <a:p>
             <a:r>
-              <a:rPr lang="en-US" dirty="0"/>
+              <a:rPr lang="en-US" sz="3200" dirty="0"/>
               <a:t>Determine which streaming service has the best value for the genre of Sci-fi.</a:t>
             </a:r>
           </a:p>
           <a:p>
             <a:r>
-              <a:rPr lang="en-US" dirty="0"/>
+              <a:rPr lang="en-US" sz="3200" dirty="0"/>
               <a:t>Compare the Relationships between the Quality of movies and their box office returns.</a:t>
             </a:r>
           </a:p>
@@ -3769,14 +6272,25 @@
             <p:ph type="title"/>
           </p:nvPr>
         </p:nvSpPr>
-        <p:spPr/>
-        <p:txBody>
-          <a:bodyPr/>
+        <p:spPr>
+          <a:xfrm>
+            <a:off x="706831" y="540775"/>
+            <a:ext cx="8596668" cy="1320800"/>
+          </a:xfrm>
+        </p:spPr>
+        <p:txBody>
+          <a:bodyPr>
+            <a:normAutofit/>
+          </a:bodyPr>
           <a:lstStyle/>
           <a:p>
             <a:pPr algn="ctr"/>
             <a:r>
-              <a:rPr lang="en-US" dirty="0"/>
+              <a:rPr lang="en-US" dirty="0">
+                <a:solidFill>
+                  <a:schemeClr val="tx1"/>
+                </a:solidFill>
+              </a:rPr>
               <a:t>Highest Rated Sci-fi Movies Based on Combined Rating.</a:t>
             </a:r>
           </a:p>
@@ -3806,8 +6320,8 @@
         </p:blipFill>
         <p:spPr>
           <a:xfrm>
-            <a:off x="2812921" y="1825625"/>
-            <a:ext cx="6566157" cy="4351338"/>
+            <a:off x="1199535" y="1723650"/>
+            <a:ext cx="7364361" cy="4880300"/>
           </a:xfrm>
         </p:spPr>
       </p:pic>
@@ -3843,31 +6357,6 @@
       </p:grpSpPr>
       <p:sp>
         <p:nvSpPr>
-          <p:cNvPr id="2" name="Title 1">
-            <a:extLst>
-              <a:ext uri="{FF2B5EF4-FFF2-40B4-BE49-F238E27FC236}">
-                <a16:creationId xmlns:a16="http://schemas.microsoft.com/office/drawing/2014/main" id="{FE0C30FD-5B86-A657-721F-AFB99238777C}"/>
-              </a:ext>
-            </a:extLst>
-          </p:cNvPr>
-          <p:cNvSpPr>
-            <a:spLocks noGrp="1"/>
-          </p:cNvSpPr>
-          <p:nvPr>
-            <p:ph type="title"/>
-          </p:nvPr>
-        </p:nvSpPr>
-        <p:spPr/>
-        <p:txBody>
-          <a:bodyPr/>
-          <a:lstStyle/>
-          <a:p>
-            <a:endParaRPr lang="en-US" dirty="0"/>
-          </a:p>
-        </p:txBody>
-      </p:sp>
-      <p:sp>
-        <p:nvSpPr>
           <p:cNvPr id="3" name="Content Placeholder 2">
             <a:extLst>
               <a:ext uri="{FF2B5EF4-FFF2-40B4-BE49-F238E27FC236}">
@@ -3884,14 +6373,16 @@
         </p:nvSpPr>
         <p:spPr/>
         <p:txBody>
-          <a:bodyPr/>
+          <a:bodyPr>
+            <a:normAutofit/>
+          </a:bodyPr>
           <a:lstStyle/>
           <a:p>
             <a:pPr marL="0" indent="0">
               <a:buNone/>
             </a:pPr>
             <a:r>
-              <a:rPr lang="en-US" dirty="0"/>
+              <a:rPr lang="en-US" sz="3200" dirty="0"/>
               <a:t>This list has some solid movies.</a:t>
             </a:r>
           </a:p>
@@ -3900,7 +6391,7 @@
               <a:buNone/>
             </a:pPr>
             <a:r>
-              <a:rPr lang="en-US" dirty="0"/>
+              <a:rPr lang="en-US" sz="3200" dirty="0"/>
               <a:t>I have unfortunately watched about half of these movies, so I plan on avoiding the others.  </a:t>
             </a:r>
           </a:p>
@@ -3954,12 +6445,18 @@
         </p:nvSpPr>
         <p:spPr/>
         <p:txBody>
-          <a:bodyPr/>
+          <a:bodyPr>
+            <a:normAutofit/>
+          </a:bodyPr>
           <a:lstStyle/>
           <a:p>
             <a:pPr algn="ctr"/>
             <a:r>
-              <a:rPr lang="en-US" dirty="0"/>
+              <a:rPr lang="en-US" dirty="0">
+                <a:solidFill>
+                  <a:schemeClr val="tx1"/>
+                </a:solidFill>
+              </a:rPr>
               <a:t>Lowest Rated Sci-Fi Movies Based on Combined Rating</a:t>
             </a:r>
           </a:p>
@@ -3989,8 +6486,8 @@
         </p:blipFill>
         <p:spPr>
           <a:xfrm>
-            <a:off x="2793346" y="1825625"/>
-            <a:ext cx="6605308" cy="4351338"/>
+            <a:off x="1604564" y="1806878"/>
+            <a:ext cx="6742207" cy="4441522"/>
           </a:xfrm>
         </p:spPr>
       </p:pic>
@@ -4032,31 +6529,6 @@
       </p:grpSpPr>
       <p:sp>
         <p:nvSpPr>
-          <p:cNvPr id="2" name="Title 1">
-            <a:extLst>
-              <a:ext uri="{FF2B5EF4-FFF2-40B4-BE49-F238E27FC236}">
-                <a16:creationId xmlns:a16="http://schemas.microsoft.com/office/drawing/2014/main" id="{6CCDAED8-2D43-7EA4-0144-BC6069CBC796}"/>
-              </a:ext>
-            </a:extLst>
-          </p:cNvPr>
-          <p:cNvSpPr>
-            <a:spLocks noGrp="1"/>
-          </p:cNvSpPr>
-          <p:nvPr>
-            <p:ph type="title"/>
-          </p:nvPr>
-        </p:nvSpPr>
-        <p:spPr/>
-        <p:txBody>
-          <a:bodyPr/>
-          <a:lstStyle/>
-          <a:p>
-            <a:endParaRPr lang="en-US" dirty="0"/>
-          </a:p>
-        </p:txBody>
-      </p:sp>
-      <p:sp>
-        <p:nvSpPr>
           <p:cNvPr id="3" name="Content Placeholder 2">
             <a:extLst>
               <a:ext uri="{FF2B5EF4-FFF2-40B4-BE49-F238E27FC236}">
@@ -4073,14 +6545,16 @@
         </p:nvSpPr>
         <p:spPr/>
         <p:txBody>
-          <a:bodyPr/>
+          <a:bodyPr>
+            <a:normAutofit/>
+          </a:bodyPr>
           <a:lstStyle/>
           <a:p>
             <a:pPr marL="0" indent="0">
               <a:buNone/>
             </a:pPr>
             <a:r>
-              <a:rPr lang="en-US" dirty="0"/>
+              <a:rPr lang="en-US" sz="3200" dirty="0"/>
               <a:t>I was surprised to see some of these movies listed with the lower ratings.</a:t>
             </a:r>
           </a:p>
@@ -4089,7 +6563,7 @@
               <a:buNone/>
             </a:pPr>
             <a:r>
-              <a:rPr lang="en-US" dirty="0"/>
+              <a:rPr lang="en-US" sz="3200" dirty="0"/>
               <a:t>I have seen all of these movies except Clockwork Orange.  </a:t>
             </a:r>
           </a:p>
@@ -4143,12 +6617,18 @@
         </p:nvSpPr>
         <p:spPr/>
         <p:txBody>
-          <a:bodyPr/>
+          <a:bodyPr>
+            <a:normAutofit/>
+          </a:bodyPr>
           <a:lstStyle/>
           <a:p>
             <a:pPr algn="ctr"/>
             <a:r>
-              <a:rPr lang="en-US" dirty="0"/>
+              <a:rPr lang="en-US" dirty="0">
+                <a:solidFill>
+                  <a:schemeClr val="tx1"/>
+                </a:solidFill>
+              </a:rPr>
               <a:t>Box Office Revenue as Related to Combined Ratings</a:t>
             </a:r>
           </a:p>
@@ -4178,8 +6658,8 @@
         </p:blipFill>
         <p:spPr>
           <a:xfrm>
-            <a:off x="2938099" y="1825625"/>
-            <a:ext cx="6315801" cy="4351338"/>
+            <a:off x="1681317" y="1776884"/>
+            <a:ext cx="7020232" cy="4836663"/>
           </a:xfrm>
         </p:spPr>
       </p:pic>
@@ -4221,31 +6701,6 @@
       </p:grpSpPr>
       <p:sp>
         <p:nvSpPr>
-          <p:cNvPr id="2" name="Title 1">
-            <a:extLst>
-              <a:ext uri="{FF2B5EF4-FFF2-40B4-BE49-F238E27FC236}">
-                <a16:creationId xmlns:a16="http://schemas.microsoft.com/office/drawing/2014/main" id="{7D7EDD63-0311-FC13-05E0-42302C19E63B}"/>
-              </a:ext>
-            </a:extLst>
-          </p:cNvPr>
-          <p:cNvSpPr>
-            <a:spLocks noGrp="1"/>
-          </p:cNvSpPr>
-          <p:nvPr>
-            <p:ph type="title"/>
-          </p:nvPr>
-        </p:nvSpPr>
-        <p:spPr/>
-        <p:txBody>
-          <a:bodyPr/>
-          <a:lstStyle/>
-          <a:p>
-            <a:endParaRPr lang="en-US" dirty="0"/>
-          </a:p>
-        </p:txBody>
-      </p:sp>
-      <p:sp>
-        <p:nvSpPr>
           <p:cNvPr id="3" name="Content Placeholder 2">
             <a:extLst>
               <a:ext uri="{FF2B5EF4-FFF2-40B4-BE49-F238E27FC236}">
@@ -4262,14 +6717,16 @@
         </p:nvSpPr>
         <p:spPr/>
         <p:txBody>
-          <a:bodyPr/>
+          <a:bodyPr>
+            <a:normAutofit/>
+          </a:bodyPr>
           <a:lstStyle/>
           <a:p>
             <a:pPr marL="0" indent="0">
               <a:buNone/>
             </a:pPr>
             <a:r>
-              <a:rPr lang="en-US" dirty="0"/>
+              <a:rPr lang="en-US" sz="3200" dirty="0"/>
               <a:t>I assumed that the better movies would have a higher box office return.  I have in the past watched a movie in the theater 2-3 times.  I’m curious to know if that is normal behavior.</a:t>
             </a:r>
           </a:p>
@@ -4323,12 +6780,18 @@
         </p:nvSpPr>
         <p:spPr/>
         <p:txBody>
-          <a:bodyPr/>
+          <a:bodyPr>
+            <a:normAutofit/>
+          </a:bodyPr>
           <a:lstStyle/>
           <a:p>
             <a:pPr algn="ctr"/>
             <a:r>
-              <a:rPr lang="en-US" dirty="0"/>
+              <a:rPr lang="en-US" dirty="0">
+                <a:solidFill>
+                  <a:schemeClr val="tx1"/>
+                </a:solidFill>
+              </a:rPr>
               <a:t>Total Quantity of Sci-Fi Movies on Each Streaming Service</a:t>
             </a:r>
           </a:p>
@@ -4358,8 +6821,8 @@
         </p:blipFill>
         <p:spPr>
           <a:xfrm>
-            <a:off x="2968635" y="1825625"/>
-            <a:ext cx="6254730" cy="4351338"/>
+            <a:off x="1814469" y="1803199"/>
+            <a:ext cx="6877247" cy="4784416"/>
           </a:xfrm>
         </p:spPr>
       </p:pic>
@@ -4377,9 +6840,9 @@
 </file>
 
 <file path=ppt/theme/theme1.xml><?xml version="1.0" encoding="utf-8"?>
-<a:theme xmlns:a="http://schemas.openxmlformats.org/drawingml/2006/main" name="Office Theme">
+<a:theme xmlns:a="http://schemas.openxmlformats.org/drawingml/2006/main" name="Facet">
   <a:themeElements>
-    <a:clrScheme name="Office">
+    <a:clrScheme name="Facet">
       <a:dk1>
         <a:sysClr val="windowText" lastClr="000000"/>
       </a:dk1>
@@ -4387,52 +6850,52 @@
         <a:sysClr val="window" lastClr="FFFFFF"/>
       </a:lt1>
       <a:dk2>
-        <a:srgbClr val="44546A"/>
+        <a:srgbClr val="2C3C43"/>
       </a:dk2>
       <a:lt2>
-        <a:srgbClr val="E7E6E6"/>
+        <a:srgbClr val="EBEBEB"/>
       </a:lt2>
       <a:accent1>
-        <a:srgbClr val="4472C4"/>
+        <a:srgbClr val="90C226"/>
       </a:accent1>
       <a:accent2>
-        <a:srgbClr val="ED7D31"/>
+        <a:srgbClr val="54A021"/>
       </a:accent2>
       <a:accent3>
-        <a:srgbClr val="A5A5A5"/>
+        <a:srgbClr val="E6B91E"/>
       </a:accent3>
       <a:accent4>
-        <a:srgbClr val="FFC000"/>
+        <a:srgbClr val="E76618"/>
       </a:accent4>
       <a:accent5>
-        <a:srgbClr val="5B9BD5"/>
+        <a:srgbClr val="C42F1A"/>
       </a:accent5>
       <a:accent6>
-        <a:srgbClr val="70AD47"/>
+        <a:srgbClr val="918655"/>
       </a:accent6>
       <a:hlink>
-        <a:srgbClr val="0563C1"/>
+        <a:srgbClr val="99CA3C"/>
       </a:hlink>
       <a:folHlink>
-        <a:srgbClr val="954F72"/>
+        <a:srgbClr val="B9D181"/>
       </a:folHlink>
     </a:clrScheme>
-    <a:fontScheme name="Office">
+    <a:fontScheme name="Facet">
       <a:majorFont>
-        <a:latin typeface="Calibri Light" panose="020F0302020204030204"/>
+        <a:latin typeface="Trebuchet MS" panose="020B0603020202020204"/>
         <a:ea typeface=""/>
         <a:cs typeface=""/>
-        <a:font script="Jpan" typeface="游ゴシック Light"/>
+        <a:font script="Jpan" typeface="メイリオ"/>
         <a:font script="Hang" typeface="맑은 고딕"/>
-        <a:font script="Hans" typeface="等线 Light"/>
-        <a:font script="Hant" typeface="新細明體"/>
-        <a:font script="Arab" typeface="Times New Roman"/>
-        <a:font script="Hebr" typeface="Times New Roman"/>
-        <a:font script="Thai" typeface="Angsana New"/>
+        <a:font script="Hans" typeface="方正姚体"/>
+        <a:font script="Hant" typeface="微軟正黑體"/>
+        <a:font script="Arab" typeface="Tahoma"/>
+        <a:font script="Hebr" typeface="Arial"/>
+        <a:font script="Thai" typeface="Cordia New"/>
         <a:font script="Ethi" typeface="Nyala"/>
         <a:font script="Beng" typeface="Vrinda"/>
         <a:font script="Gujr" typeface="Shruti"/>
-        <a:font script="Khmr" typeface="MoolBoran"/>
+        <a:font script="Khmr" typeface="DaunPenh"/>
         <a:font script="Knda" typeface="Tunga"/>
         <a:font script="Guru" typeface="Raavi"/>
         <a:font script="Cans" typeface="Euphemia"/>
@@ -4449,38 +6912,21 @@
         <a:font script="Laoo" typeface="DokChampa"/>
         <a:font script="Sinh" typeface="Iskoola Pota"/>
         <a:font script="Mong" typeface="Mongolian Baiti"/>
-        <a:font script="Viet" typeface="Times New Roman"/>
+        <a:font script="Viet" typeface="Tahoma"/>
         <a:font script="Uigh" typeface="Microsoft Uighur"/>
         <a:font script="Geor" typeface="Sylfaen"/>
-        <a:font script="Armn" typeface="Arial"/>
-        <a:font script="Bugi" typeface="Leelawadee UI"/>
-        <a:font script="Bopo" typeface="Microsoft JhengHei"/>
-        <a:font script="Java" typeface="Javanese Text"/>
-        <a:font script="Lisu" typeface="Segoe UI"/>
-        <a:font script="Mymr" typeface="Myanmar Text"/>
-        <a:font script="Nkoo" typeface="Ebrima"/>
-        <a:font script="Olck" typeface="Nirmala UI"/>
-        <a:font script="Osma" typeface="Ebrima"/>
-        <a:font script="Phag" typeface="Phagspa"/>
-        <a:font script="Syrn" typeface="Estrangelo Edessa"/>
-        <a:font script="Syrj" typeface="Estrangelo Edessa"/>
-        <a:font script="Syre" typeface="Estrangelo Edessa"/>
-        <a:font script="Sora" typeface="Nirmala UI"/>
-        <a:font script="Tale" typeface="Microsoft Tai Le"/>
-        <a:font script="Talu" typeface="Microsoft New Tai Lue"/>
-        <a:font script="Tfng" typeface="Ebrima"/>
       </a:majorFont>
       <a:minorFont>
-        <a:latin typeface="Calibri" panose="020F0502020204030204"/>
+        <a:latin typeface="Trebuchet MS" panose="020B0603020202020204"/>
         <a:ea typeface=""/>
         <a:cs typeface=""/>
-        <a:font script="Jpan" typeface="游ゴシック"/>
-        <a:font script="Hang" typeface="맑은 고딕"/>
-        <a:font script="Hans" typeface="等线"/>
-        <a:font script="Hant" typeface="新細明體"/>
-        <a:font script="Arab" typeface="Arial"/>
-        <a:font script="Hebr" typeface="Arial"/>
-        <a:font script="Thai" typeface="Cordia New"/>
+        <a:font script="Jpan" typeface="メイリオ"/>
+        <a:font script="Hang" typeface="HY그래픽M"/>
+        <a:font script="Hans" typeface="华文新魏"/>
+        <a:font script="Hant" typeface="微軟正黑體"/>
+        <a:font script="Arab" typeface="Tahoma"/>
+        <a:font script="Hebr" typeface="Gisha"/>
+        <a:font script="Thai" typeface="IrisUPC"/>
         <a:font script="Ethi" typeface="Nyala"/>
         <a:font script="Beng" typeface="Vrinda"/>
         <a:font script="Gujr" typeface="Shruti"/>
@@ -4504,26 +6950,9 @@
         <a:font script="Viet" typeface="Arial"/>
         <a:font script="Uigh" typeface="Microsoft Uighur"/>
         <a:font script="Geor" typeface="Sylfaen"/>
-        <a:font script="Armn" typeface="Arial"/>
-        <a:font script="Bugi" typeface="Leelawadee UI"/>
-        <a:font script="Bopo" typeface="Microsoft JhengHei"/>
-        <a:font script="Java" typeface="Javanese Text"/>
-        <a:font script="Lisu" typeface="Segoe UI"/>
-        <a:font script="Mymr" typeface="Myanmar Text"/>
-        <a:font script="Nkoo" typeface="Ebrima"/>
-        <a:font script="Olck" typeface="Nirmala UI"/>
-        <a:font script="Osma" typeface="Ebrima"/>
-        <a:font script="Phag" typeface="Phagspa"/>
-        <a:font script="Syrn" typeface="Estrangelo Edessa"/>
-        <a:font script="Syrj" typeface="Estrangelo Edessa"/>
-        <a:font script="Syre" typeface="Estrangelo Edessa"/>
-        <a:font script="Sora" typeface="Nirmala UI"/>
-        <a:font script="Tale" typeface="Microsoft Tai Le"/>
-        <a:font script="Talu" typeface="Microsoft New Tai Lue"/>
-        <a:font script="Tfng" typeface="Ebrima"/>
       </a:minorFont>
     </a:fontScheme>
-    <a:fmtScheme name="Office">
+    <a:fmtScheme name="Facet">
       <a:fillStyleLst>
         <a:solidFill>
           <a:schemeClr val="phClr"/>
@@ -4532,23 +6961,13 @@
           <a:gsLst>
             <a:gs pos="0">
               <a:schemeClr val="phClr">
+                <a:tint val="65000"/>
                 <a:lumMod val="110000"/>
-                <a:satMod val="105000"/>
-                <a:tint val="67000"/>
               </a:schemeClr>
             </a:gs>
-            <a:gs pos="50000">
+            <a:gs pos="88000">
               <a:schemeClr val="phClr">
-                <a:lumMod val="105000"/>
-                <a:satMod val="103000"/>
-                <a:tint val="73000"/>
-              </a:schemeClr>
-            </a:gs>
-            <a:gs pos="100000">
-              <a:schemeClr val="phClr">
-                <a:lumMod val="105000"/>
-                <a:satMod val="109000"/>
-                <a:tint val="81000"/>
+                <a:tint val="90000"/>
               </a:schemeClr>
             </a:gs>
           </a:gsLst>
@@ -4558,23 +6977,14 @@
           <a:gsLst>
             <a:gs pos="0">
               <a:schemeClr val="phClr">
-                <a:satMod val="103000"/>
-                <a:lumMod val="102000"/>
-                <a:tint val="94000"/>
+                <a:tint val="96000"/>
+                <a:lumMod val="100000"/>
               </a:schemeClr>
             </a:gs>
-            <a:gs pos="50000">
+            <a:gs pos="78000">
               <a:schemeClr val="phClr">
-                <a:satMod val="110000"/>
-                <a:lumMod val="100000"/>
-                <a:shade val="100000"/>
-              </a:schemeClr>
-            </a:gs>
-            <a:gs pos="100000">
-              <a:schemeClr val="phClr">
-                <a:lumMod val="99000"/>
-                <a:satMod val="120000"/>
-                <a:shade val="78000"/>
+                <a:shade val="94000"/>
+                <a:lumMod val="94000"/>
               </a:schemeClr>
             </a:gs>
           </a:gsLst>
@@ -4582,26 +6992,23 @@
         </a:gradFill>
       </a:fillStyleLst>
       <a:lnStyleLst>
-        <a:ln w="6350" cap="flat" cmpd="sng" algn="ctr">
+        <a:ln w="12700" cap="rnd" cmpd="sng" algn="ctr">
           <a:solidFill>
             <a:schemeClr val="phClr"/>
           </a:solidFill>
           <a:prstDash val="solid"/>
-          <a:miter lim="800000"/>
         </a:ln>
-        <a:ln w="12700" cap="flat" cmpd="sng" algn="ctr">
+        <a:ln w="19050" cap="rnd" cmpd="sng" algn="ctr">
           <a:solidFill>
             <a:schemeClr val="phClr"/>
           </a:solidFill>
           <a:prstDash val="solid"/>
-          <a:miter lim="800000"/>
         </a:ln>
-        <a:ln w="19050" cap="flat" cmpd="sng" algn="ctr">
+        <a:ln w="25400" cap="rnd" cmpd="sng" algn="ctr">
           <a:solidFill>
             <a:schemeClr val="phClr"/>
           </a:solidFill>
           <a:prstDash val="solid"/>
-          <a:miter lim="800000"/>
         </a:ln>
       </a:lnStyleLst>
       <a:effectStyleLst>
@@ -4609,54 +7016,72 @@
           <a:effectLst/>
         </a:effectStyle>
         <a:effectStyle>
-          <a:effectLst/>
+          <a:effectLst>
+            <a:outerShdw blurRad="38100" dist="25400" dir="5400000" rotWithShape="0">
+              <a:srgbClr val="000000">
+                <a:alpha val="35000"/>
+              </a:srgbClr>
+            </a:outerShdw>
+          </a:effectLst>
         </a:effectStyle>
         <a:effectStyle>
           <a:effectLst>
-            <a:outerShdw blurRad="57150" dist="19050" dir="5400000" algn="ctr" rotWithShape="0">
+            <a:outerShdw blurRad="50800" dist="38100" dir="5400000" rotWithShape="0">
               <a:srgbClr val="000000">
-                <a:alpha val="63000"/>
+                <a:alpha val="35000"/>
               </a:srgbClr>
             </a:outerShdw>
           </a:effectLst>
+          <a:scene3d>
+            <a:camera prst="orthographicFront">
+              <a:rot lat="0" lon="0" rev="0"/>
+            </a:camera>
+            <a:lightRig rig="threePt" dir="tl"/>
+          </a:scene3d>
+          <a:sp3d prstMaterial="plastic">
+            <a:bevelT w="0" h="0"/>
+          </a:sp3d>
         </a:effectStyle>
       </a:effectStyleLst>
       <a:bgFillStyleLst>
         <a:solidFill>
           <a:schemeClr val="phClr"/>
         </a:solidFill>
-        <a:solidFill>
-          <a:schemeClr val="phClr">
-            <a:tint val="95000"/>
-            <a:satMod val="170000"/>
-          </a:schemeClr>
-        </a:solidFill>
         <a:gradFill rotWithShape="1">
           <a:gsLst>
             <a:gs pos="0">
               <a:schemeClr val="phClr">
-                <a:tint val="93000"/>
-                <a:satMod val="150000"/>
-                <a:shade val="98000"/>
-                <a:lumMod val="102000"/>
+                <a:tint val="90000"/>
+                <a:lumMod val="104000"/>
               </a:schemeClr>
             </a:gs>
-            <a:gs pos="50000">
+            <a:gs pos="94000">
               <a:schemeClr val="phClr">
-                <a:tint val="98000"/>
-                <a:satMod val="130000"/>
-                <a:shade val="90000"/>
-                <a:lumMod val="103000"/>
+                <a:shade val="96000"/>
+                <a:lumMod val="82000"/>
+              </a:schemeClr>
+            </a:gs>
+          </a:gsLst>
+          <a:lin ang="5400000" scaled="0"/>
+        </a:gradFill>
+        <a:gradFill rotWithShape="1">
+          <a:gsLst>
+            <a:gs pos="0">
+              <a:schemeClr val="phClr">
+                <a:tint val="90000"/>
+                <a:lumMod val="110000"/>
               </a:schemeClr>
             </a:gs>
             <a:gs pos="100000">
               <a:schemeClr val="phClr">
-                <a:shade val="63000"/>
-                <a:satMod val="120000"/>
+                <a:shade val="94000"/>
+                <a:lumMod val="96000"/>
               </a:schemeClr>
             </a:gs>
           </a:gsLst>
-          <a:lin ang="5400000" scaled="0"/>
+          <a:path path="circle">
+            <a:fillToRect l="50000" t="50000" r="100000" b="100000"/>
+          </a:path>
         </a:gradFill>
       </a:bgFillStyleLst>
     </a:fmtScheme>
@@ -4665,7 +7090,7 @@
   <a:extraClrSchemeLst/>
   <a:extLst>
     <a:ext uri="{05A4C25C-085E-4340-85A3-A5531E510DB2}">
-      <thm15:themeFamily xmlns:thm15="http://schemas.microsoft.com/office/thememl/2012/main" name="Office Theme" id="{62F939B6-93AF-4DB8-9C6B-D6C7DFDC589F}" vid="{4A3C46E8-61CC-4603-A589-7422A47A8E4A}"/>
+      <thm15:themeFamily xmlns:thm15="http://schemas.microsoft.com/office/thememl/2012/main" name="Facet" id="{C0C680CD-088A-49FC-A102-D699147F32B2}" vid="{CFBC31BA-B70F-4F30-BCAA-4F3011E16C4D}"/>
     </a:ext>
   </a:extLst>
 </a:theme>

--- a/Analysis of Sci-Fi Movies and Availability on Streaming.pptx
+++ b/Analysis of Sci-Fi Movies and Availability on Streaming.pptx
@@ -844,7 +844,7 @@
           <a:p>
             <a:fld id="{766177EB-25AC-4598-A70B-CA063240D9FF}" type="datetimeFigureOut">
               <a:rPr lang="en-US" smtClean="0"/>
-              <a:t>3/18/2025</a:t>
+              <a:t>3/19/2025</a:t>
             </a:fld>
             <a:endParaRPr lang="en-US"/>
           </a:p>
@@ -1095,7 +1095,7 @@
           <a:p>
             <a:fld id="{766177EB-25AC-4598-A70B-CA063240D9FF}" type="datetimeFigureOut">
               <a:rPr lang="en-US" smtClean="0"/>
-              <a:t>3/18/2025</a:t>
+              <a:t>3/19/2025</a:t>
             </a:fld>
             <a:endParaRPr lang="en-US"/>
           </a:p>
@@ -1409,7 +1409,7 @@
           <a:p>
             <a:fld id="{766177EB-25AC-4598-A70B-CA063240D9FF}" type="datetimeFigureOut">
               <a:rPr lang="en-US" smtClean="0"/>
-              <a:t>3/18/2025</a:t>
+              <a:t>3/19/2025</a:t>
             </a:fld>
             <a:endParaRPr lang="en-US"/>
           </a:p>
@@ -1750,7 +1750,7 @@
           <a:p>
             <a:fld id="{766177EB-25AC-4598-A70B-CA063240D9FF}" type="datetimeFigureOut">
               <a:rPr lang="en-US" smtClean="0"/>
-              <a:t>3/18/2025</a:t>
+              <a:t>3/19/2025</a:t>
             </a:fld>
             <a:endParaRPr lang="en-US"/>
           </a:p>
@@ -2064,7 +2064,7 @@
           <a:p>
             <a:fld id="{766177EB-25AC-4598-A70B-CA063240D9FF}" type="datetimeFigureOut">
               <a:rPr lang="en-US" smtClean="0"/>
-              <a:t>3/18/2025</a:t>
+              <a:t>3/19/2025</a:t>
             </a:fld>
             <a:endParaRPr lang="en-US"/>
           </a:p>
@@ -2457,7 +2457,7 @@
           <a:p>
             <a:fld id="{766177EB-25AC-4598-A70B-CA063240D9FF}" type="datetimeFigureOut">
               <a:rPr lang="en-US" smtClean="0"/>
-              <a:t>3/18/2025</a:t>
+              <a:t>3/19/2025</a:t>
             </a:fld>
             <a:endParaRPr lang="en-US"/>
           </a:p>
@@ -2627,7 +2627,7 @@
           <a:p>
             <a:fld id="{766177EB-25AC-4598-A70B-CA063240D9FF}" type="datetimeFigureOut">
               <a:rPr lang="en-US" smtClean="0"/>
-              <a:t>3/18/2025</a:t>
+              <a:t>3/19/2025</a:t>
             </a:fld>
             <a:endParaRPr lang="en-US"/>
           </a:p>
@@ -2807,7 +2807,7 @@
           <a:p>
             <a:fld id="{766177EB-25AC-4598-A70B-CA063240D9FF}" type="datetimeFigureOut">
               <a:rPr lang="en-US" smtClean="0"/>
-              <a:t>3/18/2025</a:t>
+              <a:t>3/19/2025</a:t>
             </a:fld>
             <a:endParaRPr lang="en-US"/>
           </a:p>
@@ -2983,7 +2983,7 @@
           <a:p>
             <a:fld id="{766177EB-25AC-4598-A70B-CA063240D9FF}" type="datetimeFigureOut">
               <a:rPr lang="en-US" smtClean="0"/>
-              <a:t>3/18/2025</a:t>
+              <a:t>3/19/2025</a:t>
             </a:fld>
             <a:endParaRPr lang="en-US"/>
           </a:p>
@@ -3230,7 +3230,7 @@
           <a:p>
             <a:fld id="{766177EB-25AC-4598-A70B-CA063240D9FF}" type="datetimeFigureOut">
               <a:rPr lang="en-US" smtClean="0"/>
-              <a:t>3/18/2025</a:t>
+              <a:t>3/19/2025</a:t>
             </a:fld>
             <a:endParaRPr lang="en-US"/>
           </a:p>
@@ -3462,7 +3462,7 @@
           <a:p>
             <a:fld id="{766177EB-25AC-4598-A70B-CA063240D9FF}" type="datetimeFigureOut">
               <a:rPr lang="en-US" smtClean="0"/>
-              <a:t>3/18/2025</a:t>
+              <a:t>3/19/2025</a:t>
             </a:fld>
             <a:endParaRPr lang="en-US"/>
           </a:p>
@@ -3836,7 +3836,7 @@
           <a:p>
             <a:fld id="{766177EB-25AC-4598-A70B-CA063240D9FF}" type="datetimeFigureOut">
               <a:rPr lang="en-US" smtClean="0"/>
-              <a:t>3/18/2025</a:t>
+              <a:t>3/19/2025</a:t>
             </a:fld>
             <a:endParaRPr lang="en-US"/>
           </a:p>
@@ -3959,7 +3959,7 @@
           <a:p>
             <a:fld id="{766177EB-25AC-4598-A70B-CA063240D9FF}" type="datetimeFigureOut">
               <a:rPr lang="en-US" smtClean="0"/>
-              <a:t>3/18/2025</a:t>
+              <a:t>3/19/2025</a:t>
             </a:fld>
             <a:endParaRPr lang="en-US"/>
           </a:p>
@@ -4054,7 +4054,7 @@
           <a:p>
             <a:fld id="{766177EB-25AC-4598-A70B-CA063240D9FF}" type="datetimeFigureOut">
               <a:rPr lang="en-US" smtClean="0"/>
-              <a:t>3/18/2025</a:t>
+              <a:t>3/19/2025</a:t>
             </a:fld>
             <a:endParaRPr lang="en-US"/>
           </a:p>
@@ -4309,7 +4309,7 @@
           <a:p>
             <a:fld id="{766177EB-25AC-4598-A70B-CA063240D9FF}" type="datetimeFigureOut">
               <a:rPr lang="en-US" smtClean="0"/>
-              <a:t>3/18/2025</a:t>
+              <a:t>3/19/2025</a:t>
             </a:fld>
             <a:endParaRPr lang="en-US"/>
           </a:p>
@@ -4572,7 +4572,7 @@
           <a:p>
             <a:fld id="{766177EB-25AC-4598-A70B-CA063240D9FF}" type="datetimeFigureOut">
               <a:rPr lang="en-US" smtClean="0"/>
-              <a:t>3/18/2025</a:t>
+              <a:t>3/19/2025</a:t>
             </a:fld>
             <a:endParaRPr lang="en-US"/>
           </a:p>
@@ -5315,7 +5315,7 @@
           <a:p>
             <a:fld id="{766177EB-25AC-4598-A70B-CA063240D9FF}" type="datetimeFigureOut">
               <a:rPr lang="en-US" smtClean="0"/>
-              <a:t>3/18/2025</a:t>
+              <a:t>3/19/2025</a:t>
             </a:fld>
             <a:endParaRPr lang="en-US"/>
           </a:p>
